--- a/schematics.pptx
+++ b/schematics.pptx
@@ -104,6 +104,11 @@
       </a:defRPr>
     </a:lvl9pPr>
   </p:defaultTextStyle>
+  <p:extLst>
+    <p:ext uri="{EFAFB233-063F-42B5-8137-9DF3F51BA10A}">
+      <p15:sldGuideLst xmlns:p15="http://schemas.microsoft.com/office/powerpoint/2012/main"/>
+    </p:ext>
+  </p:extLst>
 </p:presentation>
 </file>
 
@@ -254,7 +259,7 @@
           <a:p>
             <a:fld id="{0E968EC0-D6D6-4282-ACBC-847D66F54BB0}" type="datetimeFigureOut">
               <a:rPr lang="en-US" smtClean="0"/>
-              <a:t>1/30/2020</a:t>
+              <a:t>4/9/2020</a:t>
             </a:fld>
             <a:endParaRPr lang="en-US"/>
           </a:p>
@@ -452,7 +457,7 @@
           <a:p>
             <a:fld id="{0E968EC0-D6D6-4282-ACBC-847D66F54BB0}" type="datetimeFigureOut">
               <a:rPr lang="en-US" smtClean="0"/>
-              <a:t>1/30/2020</a:t>
+              <a:t>4/9/2020</a:t>
             </a:fld>
             <a:endParaRPr lang="en-US"/>
           </a:p>
@@ -660,7 +665,7 @@
           <a:p>
             <a:fld id="{0E968EC0-D6D6-4282-ACBC-847D66F54BB0}" type="datetimeFigureOut">
               <a:rPr lang="en-US" smtClean="0"/>
-              <a:t>1/30/2020</a:t>
+              <a:t>4/9/2020</a:t>
             </a:fld>
             <a:endParaRPr lang="en-US"/>
           </a:p>
@@ -858,7 +863,7 @@
           <a:p>
             <a:fld id="{0E968EC0-D6D6-4282-ACBC-847D66F54BB0}" type="datetimeFigureOut">
               <a:rPr lang="en-US" smtClean="0"/>
-              <a:t>1/30/2020</a:t>
+              <a:t>4/9/2020</a:t>
             </a:fld>
             <a:endParaRPr lang="en-US"/>
           </a:p>
@@ -1133,7 +1138,7 @@
           <a:p>
             <a:fld id="{0E968EC0-D6D6-4282-ACBC-847D66F54BB0}" type="datetimeFigureOut">
               <a:rPr lang="en-US" smtClean="0"/>
-              <a:t>1/30/2020</a:t>
+              <a:t>4/9/2020</a:t>
             </a:fld>
             <a:endParaRPr lang="en-US"/>
           </a:p>
@@ -1398,7 +1403,7 @@
           <a:p>
             <a:fld id="{0E968EC0-D6D6-4282-ACBC-847D66F54BB0}" type="datetimeFigureOut">
               <a:rPr lang="en-US" smtClean="0"/>
-              <a:t>1/30/2020</a:t>
+              <a:t>4/9/2020</a:t>
             </a:fld>
             <a:endParaRPr lang="en-US"/>
           </a:p>
@@ -1810,7 +1815,7 @@
           <a:p>
             <a:fld id="{0E968EC0-D6D6-4282-ACBC-847D66F54BB0}" type="datetimeFigureOut">
               <a:rPr lang="en-US" smtClean="0"/>
-              <a:t>1/30/2020</a:t>
+              <a:t>4/9/2020</a:t>
             </a:fld>
             <a:endParaRPr lang="en-US"/>
           </a:p>
@@ -1951,7 +1956,7 @@
           <a:p>
             <a:fld id="{0E968EC0-D6D6-4282-ACBC-847D66F54BB0}" type="datetimeFigureOut">
               <a:rPr lang="en-US" smtClean="0"/>
-              <a:t>1/30/2020</a:t>
+              <a:t>4/9/2020</a:t>
             </a:fld>
             <a:endParaRPr lang="en-US"/>
           </a:p>
@@ -2064,7 +2069,7 @@
           <a:p>
             <a:fld id="{0E968EC0-D6D6-4282-ACBC-847D66F54BB0}" type="datetimeFigureOut">
               <a:rPr lang="en-US" smtClean="0"/>
-              <a:t>1/30/2020</a:t>
+              <a:t>4/9/2020</a:t>
             </a:fld>
             <a:endParaRPr lang="en-US"/>
           </a:p>
@@ -2375,7 +2380,7 @@
           <a:p>
             <a:fld id="{0E968EC0-D6D6-4282-ACBC-847D66F54BB0}" type="datetimeFigureOut">
               <a:rPr lang="en-US" smtClean="0"/>
-              <a:t>1/30/2020</a:t>
+              <a:t>4/9/2020</a:t>
             </a:fld>
             <a:endParaRPr lang="en-US"/>
           </a:p>
@@ -2663,7 +2668,7 @@
           <a:p>
             <a:fld id="{0E968EC0-D6D6-4282-ACBC-847D66F54BB0}" type="datetimeFigureOut">
               <a:rPr lang="en-US" smtClean="0"/>
-              <a:t>1/30/2020</a:t>
+              <a:t>4/9/2020</a:t>
             </a:fld>
             <a:endParaRPr lang="en-US"/>
           </a:p>
@@ -2904,7 +2909,7 @@
           <a:p>
             <a:fld id="{0E968EC0-D6D6-4282-ACBC-847D66F54BB0}" type="datetimeFigureOut">
               <a:rPr lang="en-US" smtClean="0"/>
-              <a:t>1/30/2020</a:t>
+              <a:t>4/9/2020</a:t>
             </a:fld>
             <a:endParaRPr lang="en-US"/>
           </a:p>
@@ -4141,7 +4146,32 @@
                   <a:latin typeface="Segoe UI Semibold" panose="020B0702040204020203" pitchFamily="34" charset="0"/>
                   <a:cs typeface="Segoe UI Semibold" panose="020B0702040204020203" pitchFamily="34" charset="0"/>
                 </a:rPr>
-                <a:t>Kubernetes store</a:t>
+                <a:t>Kubernetes</a:t>
+              </a:r>
+              <a:br>
+                <a:rPr lang="en-US" sz="1176" dirty="0">
+                  <a:ln w="3175">
+                    <a:noFill/>
+                  </a:ln>
+                  <a:solidFill>
+                    <a:srgbClr val="000000"/>
+                  </a:solidFill>
+                  <a:latin typeface="Segoe UI Semibold" panose="020B0702040204020203" pitchFamily="34" charset="0"/>
+                  <a:cs typeface="Segoe UI Semibold" panose="020B0702040204020203" pitchFamily="34" charset="0"/>
+                </a:rPr>
+              </a:br>
+              <a:r>
+                <a:rPr lang="en-US" sz="1176" dirty="0">
+                  <a:ln w="3175">
+                    <a:noFill/>
+                  </a:ln>
+                  <a:solidFill>
+                    <a:srgbClr val="000000"/>
+                  </a:solidFill>
+                  <a:latin typeface="Segoe UI Semibold" panose="020B0702040204020203" pitchFamily="34" charset="0"/>
+                  <a:cs typeface="Segoe UI Semibold" panose="020B0702040204020203" pitchFamily="34" charset="0"/>
+                </a:rPr>
+                <a:t>API Server</a:t>
               </a:r>
             </a:p>
           </p:txBody>
@@ -6856,6 +6886,24 @@
 </file>
 
 <file path=customXml/item1.xml><?xml version="1.0" encoding="utf-8"?>
+<p:properties xmlns:p="http://schemas.microsoft.com/office/2006/metadata/properties" xmlns:xsi="http://www.w3.org/2001/XMLSchema-instance" xmlns:pc="http://schemas.microsoft.com/office/infopath/2007/PartnerControls">
+  <documentManagement>
+    <_ip_UnifiedCompliancePolicyUIAction xmlns="http://schemas.microsoft.com/sharepoint/v3" xsi:nil="true"/>
+    <_ip_UnifiedCompliancePolicyProperties xmlns="http://schemas.microsoft.com/sharepoint/v3" xsi:nil="true"/>
+  </documentManagement>
+</p:properties>
+</file>
+
+<file path=customXml/item2.xml><?xml version="1.0" encoding="utf-8"?>
+<?mso-contentType ?>
+<FormTemplates xmlns="http://schemas.microsoft.com/sharepoint/v3/contenttype/forms">
+  <Display>DocumentLibraryForm</Display>
+  <Edit>DocumentLibraryForm</Edit>
+  <New>DocumentLibraryForm</New>
+</FormTemplates>
+</file>
+
+<file path=customXml/item3.xml><?xml version="1.0" encoding="utf-8"?>
 <ct:contentTypeSchema xmlns:ct="http://schemas.microsoft.com/office/2006/metadata/contentType" xmlns:ma="http://schemas.microsoft.com/office/2006/metadata/properties/metaAttributes" ct:_="" ma:_="" ma:contentTypeName="Document" ma:contentTypeID="0x01010070F764BEC1B1594BA671F7EDF2C48406" ma:contentTypeVersion="16" ma:contentTypeDescription="Create a new document." ma:contentTypeScope="" ma:versionID="a0b1923196e71502b75788a119d078f9">
   <xsd:schema xmlns:xsd="http://www.w3.org/2001/XMLSchema" xmlns:xs="http://www.w3.org/2001/XMLSchema" xmlns:p="http://schemas.microsoft.com/office/2006/metadata/properties" xmlns:ns1="http://schemas.microsoft.com/sharepoint/v3" xmlns:ns3="8ded309d-af83-4345-8f5a-4616d915c192" xmlns:ns4="4cfcf085-b638-4b59-b50a-d14883d72e15" targetNamespace="http://schemas.microsoft.com/office/2006/metadata/properties" ma:root="true" ma:fieldsID="00c7a68b45329ff3d3ae1418d55c56ea" ns1:_="" ns3:_="" ns4:_="">
     <xsd:import namespace="http://schemas.microsoft.com/sharepoint/v3"/>
@@ -7103,25 +7151,25 @@
 </ct:contentTypeSchema>
 </file>
 
-<file path=customXml/item2.xml><?xml version="1.0" encoding="utf-8"?>
-<?mso-contentType ?>
-<FormTemplates xmlns="http://schemas.microsoft.com/sharepoint/v3/contenttype/forms">
-  <Display>DocumentLibraryForm</Display>
-  <Edit>DocumentLibraryForm</Edit>
-  <New>DocumentLibraryForm</New>
-</FormTemplates>
+<file path=customXml/itemProps1.xml><?xml version="1.0" encoding="utf-8"?>
+<ds:datastoreItem xmlns:ds="http://schemas.openxmlformats.org/officeDocument/2006/customXml" ds:itemID="{562AB0D4-9C13-4289-B04F-FD9456E84705}">
+  <ds:schemaRefs>
+    <ds:schemaRef ds:uri="http://schemas.microsoft.com/office/2006/metadata/properties"/>
+    <ds:schemaRef ds:uri="http://schemas.microsoft.com/office/infopath/2007/PartnerControls"/>
+    <ds:schemaRef ds:uri="http://schemas.microsoft.com/sharepoint/v3"/>
+  </ds:schemaRefs>
+</ds:datastoreItem>
 </file>
 
-<file path=customXml/item3.xml><?xml version="1.0" encoding="utf-8"?>
-<p:properties xmlns:p="http://schemas.microsoft.com/office/2006/metadata/properties" xmlns:xsi="http://www.w3.org/2001/XMLSchema-instance" xmlns:pc="http://schemas.microsoft.com/office/infopath/2007/PartnerControls">
-  <documentManagement>
-    <_ip_UnifiedCompliancePolicyUIAction xmlns="http://schemas.microsoft.com/sharepoint/v3" xsi:nil="true"/>
-    <_ip_UnifiedCompliancePolicyProperties xmlns="http://schemas.microsoft.com/sharepoint/v3" xsi:nil="true"/>
-  </documentManagement>
-</p:properties>
+<file path=customXml/itemProps2.xml><?xml version="1.0" encoding="utf-8"?>
+<ds:datastoreItem xmlns:ds="http://schemas.openxmlformats.org/officeDocument/2006/customXml" ds:itemID="{03A7A0CD-F183-45F4-8712-6A759435F0D6}">
+  <ds:schemaRefs>
+    <ds:schemaRef ds:uri="http://schemas.microsoft.com/sharepoint/v3/contenttype/forms"/>
+  </ds:schemaRefs>
+</ds:datastoreItem>
 </file>
 
-<file path=customXml/itemProps1.xml><?xml version="1.0" encoding="utf-8"?>
+<file path=customXml/itemProps3.xml><?xml version="1.0" encoding="utf-8"?>
 <ds:datastoreItem xmlns:ds="http://schemas.openxmlformats.org/officeDocument/2006/customXml" ds:itemID="{117D3023-BF87-4919-A41A-B9DB292F07A9}">
   <ds:schemaRefs>
     <ds:schemaRef ds:uri="http://schemas.microsoft.com/office/2006/metadata/contentType"/>
@@ -7139,22 +7187,4 @@
     <ds:schemaRef ds:uri="http://schemas.microsoft.com/internal/obd"/>
   </ds:schemaRefs>
 </ds:datastoreItem>
-</file>
-
-<file path=customXml/itemProps2.xml><?xml version="1.0" encoding="utf-8"?>
-<ds:datastoreItem xmlns:ds="http://schemas.openxmlformats.org/officeDocument/2006/customXml" ds:itemID="{03A7A0CD-F183-45F4-8712-6A759435F0D6}">
-  <ds:schemaRefs>
-    <ds:schemaRef ds:uri="http://schemas.microsoft.com/sharepoint/v3/contenttype/forms"/>
-  </ds:schemaRefs>
-</ds:datastoreItem>
-</file>
-
-<file path=customXml/itemProps3.xml><?xml version="1.0" encoding="utf-8"?>
-<ds:datastoreItem xmlns:ds="http://schemas.openxmlformats.org/officeDocument/2006/customXml" ds:itemID="{562AB0D4-9C13-4289-B04F-FD9456E84705}">
-  <ds:schemaRefs>
-    <ds:schemaRef ds:uri="http://schemas.microsoft.com/office/2006/metadata/properties"/>
-    <ds:schemaRef ds:uri="http://schemas.microsoft.com/office/infopath/2007/PartnerControls"/>
-    <ds:schemaRef ds:uri="http://schemas.microsoft.com/sharepoint/v3"/>
-  </ds:schemaRefs>
-</ds:datastoreItem>
 </file>
--- a/schematics.pptx
+++ b/schematics.pptx
@@ -4805,24 +4805,24 @@
                 <a:avLst/>
               </a:prstGeom>
               <a:solidFill>
-                <a:schemeClr val="accent1"/>
+                <a:schemeClr val="accent3">
+                  <a:lumMod val="40000"/>
+                  <a:lumOff val="60000"/>
+                </a:schemeClr>
               </a:solidFill>
               <a:ln>
                 <a:noFill/>
-                <a:headEnd type="none" w="med" len="med"/>
-                <a:tailEnd type="none" w="med" len="med"/>
               </a:ln>
-              <a:effectLst/>
             </p:spPr>
             <p:style>
-              <a:lnRef idx="1">
-                <a:schemeClr val="accent2"/>
+              <a:lnRef idx="0">
+                <a:scrgbClr r="0" g="0" b="0"/>
               </a:lnRef>
-              <a:fillRef idx="3">
-                <a:schemeClr val="accent2"/>
+              <a:fillRef idx="0">
+                <a:scrgbClr r="0" g="0" b="0"/>
               </a:fillRef>
-              <a:effectRef idx="2">
-                <a:schemeClr val="accent2"/>
+              <a:effectRef idx="0">
+                <a:scrgbClr r="0" g="0" b="0"/>
               </a:effectRef>
               <a:fontRef idx="minor">
                 <a:schemeClr val="lt1"/>
@@ -6197,24 +6197,24 @@
                 <a:avLst/>
               </a:prstGeom>
               <a:solidFill>
-                <a:schemeClr val="accent1"/>
+                <a:schemeClr val="accent3">
+                  <a:lumMod val="40000"/>
+                  <a:lumOff val="60000"/>
+                </a:schemeClr>
               </a:solidFill>
               <a:ln>
                 <a:noFill/>
-                <a:headEnd type="none" w="med" len="med"/>
-                <a:tailEnd type="none" w="med" len="med"/>
               </a:ln>
-              <a:effectLst/>
             </p:spPr>
             <p:style>
-              <a:lnRef idx="1">
-                <a:schemeClr val="accent2"/>
+              <a:lnRef idx="0">
+                <a:scrgbClr r="0" g="0" b="0"/>
               </a:lnRef>
-              <a:fillRef idx="3">
-                <a:schemeClr val="accent2"/>
+              <a:fillRef idx="0">
+                <a:scrgbClr r="0" g="0" b="0"/>
               </a:fillRef>
-              <a:effectRef idx="2">
-                <a:schemeClr val="accent2"/>
+              <a:effectRef idx="0">
+                <a:scrgbClr r="0" g="0" b="0"/>
               </a:effectRef>
               <a:fontRef idx="minor">
                 <a:schemeClr val="lt1"/>
@@ -6252,7 +6252,6 @@
                     </a:gsLst>
                     <a:lin ang="5400000" scaled="0"/>
                   </a:gradFill>
-                  <a:ea typeface="Segoe UI" pitchFamily="34" charset="0"/>
                   <a:cs typeface="Segoe UI" pitchFamily="34" charset="0"/>
                 </a:endParaRPr>
               </a:p>
@@ -6886,24 +6885,6 @@
 </file>
 
 <file path=customXml/item1.xml><?xml version="1.0" encoding="utf-8"?>
-<p:properties xmlns:p="http://schemas.microsoft.com/office/2006/metadata/properties" xmlns:xsi="http://www.w3.org/2001/XMLSchema-instance" xmlns:pc="http://schemas.microsoft.com/office/infopath/2007/PartnerControls">
-  <documentManagement>
-    <_ip_UnifiedCompliancePolicyUIAction xmlns="http://schemas.microsoft.com/sharepoint/v3" xsi:nil="true"/>
-    <_ip_UnifiedCompliancePolicyProperties xmlns="http://schemas.microsoft.com/sharepoint/v3" xsi:nil="true"/>
-  </documentManagement>
-</p:properties>
-</file>
-
-<file path=customXml/item2.xml><?xml version="1.0" encoding="utf-8"?>
-<?mso-contentType ?>
-<FormTemplates xmlns="http://schemas.microsoft.com/sharepoint/v3/contenttype/forms">
-  <Display>DocumentLibraryForm</Display>
-  <Edit>DocumentLibraryForm</Edit>
-  <New>DocumentLibraryForm</New>
-</FormTemplates>
-</file>
-
-<file path=customXml/item3.xml><?xml version="1.0" encoding="utf-8"?>
 <ct:contentTypeSchema xmlns:ct="http://schemas.microsoft.com/office/2006/metadata/contentType" xmlns:ma="http://schemas.microsoft.com/office/2006/metadata/properties/metaAttributes" ct:_="" ma:_="" ma:contentTypeName="Document" ma:contentTypeID="0x01010070F764BEC1B1594BA671F7EDF2C48406" ma:contentTypeVersion="16" ma:contentTypeDescription="Create a new document." ma:contentTypeScope="" ma:versionID="a0b1923196e71502b75788a119d078f9">
   <xsd:schema xmlns:xsd="http://www.w3.org/2001/XMLSchema" xmlns:xs="http://www.w3.org/2001/XMLSchema" xmlns:p="http://schemas.microsoft.com/office/2006/metadata/properties" xmlns:ns1="http://schemas.microsoft.com/sharepoint/v3" xmlns:ns3="8ded309d-af83-4345-8f5a-4616d915c192" xmlns:ns4="4cfcf085-b638-4b59-b50a-d14883d72e15" targetNamespace="http://schemas.microsoft.com/office/2006/metadata/properties" ma:root="true" ma:fieldsID="00c7a68b45329ff3d3ae1418d55c56ea" ns1:_="" ns3:_="" ns4:_="">
     <xsd:import namespace="http://schemas.microsoft.com/sharepoint/v3"/>
@@ -7151,25 +7132,25 @@
 </ct:contentTypeSchema>
 </file>
 
-<file path=customXml/itemProps1.xml><?xml version="1.0" encoding="utf-8"?>
-<ds:datastoreItem xmlns:ds="http://schemas.openxmlformats.org/officeDocument/2006/customXml" ds:itemID="{562AB0D4-9C13-4289-B04F-FD9456E84705}">
-  <ds:schemaRefs>
-    <ds:schemaRef ds:uri="http://schemas.microsoft.com/office/2006/metadata/properties"/>
-    <ds:schemaRef ds:uri="http://schemas.microsoft.com/office/infopath/2007/PartnerControls"/>
-    <ds:schemaRef ds:uri="http://schemas.microsoft.com/sharepoint/v3"/>
-  </ds:schemaRefs>
-</ds:datastoreItem>
+<file path=customXml/item2.xml><?xml version="1.0" encoding="utf-8"?>
+<?mso-contentType ?>
+<FormTemplates xmlns="http://schemas.microsoft.com/sharepoint/v3/contenttype/forms">
+  <Display>DocumentLibraryForm</Display>
+  <Edit>DocumentLibraryForm</Edit>
+  <New>DocumentLibraryForm</New>
+</FormTemplates>
 </file>
 
-<file path=customXml/itemProps2.xml><?xml version="1.0" encoding="utf-8"?>
-<ds:datastoreItem xmlns:ds="http://schemas.openxmlformats.org/officeDocument/2006/customXml" ds:itemID="{03A7A0CD-F183-45F4-8712-6A759435F0D6}">
-  <ds:schemaRefs>
-    <ds:schemaRef ds:uri="http://schemas.microsoft.com/sharepoint/v3/contenttype/forms"/>
-  </ds:schemaRefs>
-</ds:datastoreItem>
+<file path=customXml/item3.xml><?xml version="1.0" encoding="utf-8"?>
+<p:properties xmlns:p="http://schemas.microsoft.com/office/2006/metadata/properties" xmlns:xsi="http://www.w3.org/2001/XMLSchema-instance" xmlns:pc="http://schemas.microsoft.com/office/infopath/2007/PartnerControls">
+  <documentManagement>
+    <_ip_UnifiedCompliancePolicyUIAction xmlns="http://schemas.microsoft.com/sharepoint/v3" xsi:nil="true"/>
+    <_ip_UnifiedCompliancePolicyProperties xmlns="http://schemas.microsoft.com/sharepoint/v3" xsi:nil="true"/>
+  </documentManagement>
+</p:properties>
 </file>
 
-<file path=customXml/itemProps3.xml><?xml version="1.0" encoding="utf-8"?>
+<file path=customXml/itemProps1.xml><?xml version="1.0" encoding="utf-8"?>
 <ds:datastoreItem xmlns:ds="http://schemas.openxmlformats.org/officeDocument/2006/customXml" ds:itemID="{117D3023-BF87-4919-A41A-B9DB292F07A9}">
   <ds:schemaRefs>
     <ds:schemaRef ds:uri="http://schemas.microsoft.com/office/2006/metadata/contentType"/>
@@ -7187,4 +7168,22 @@
     <ds:schemaRef ds:uri="http://schemas.microsoft.com/internal/obd"/>
   </ds:schemaRefs>
 </ds:datastoreItem>
+</file>
+
+<file path=customXml/itemProps2.xml><?xml version="1.0" encoding="utf-8"?>
+<ds:datastoreItem xmlns:ds="http://schemas.openxmlformats.org/officeDocument/2006/customXml" ds:itemID="{03A7A0CD-F183-45F4-8712-6A759435F0D6}">
+  <ds:schemaRefs>
+    <ds:schemaRef ds:uri="http://schemas.microsoft.com/sharepoint/v3/contenttype/forms"/>
+  </ds:schemaRefs>
+</ds:datastoreItem>
+</file>
+
+<file path=customXml/itemProps3.xml><?xml version="1.0" encoding="utf-8"?>
+<ds:datastoreItem xmlns:ds="http://schemas.openxmlformats.org/officeDocument/2006/customXml" ds:itemID="{562AB0D4-9C13-4289-B04F-FD9456E84705}">
+  <ds:schemaRefs>
+    <ds:schemaRef ds:uri="http://schemas.microsoft.com/office/2006/metadata/properties"/>
+    <ds:schemaRef ds:uri="http://schemas.microsoft.com/office/infopath/2007/PartnerControls"/>
+    <ds:schemaRef ds:uri="http://schemas.microsoft.com/sharepoint/v3"/>
+  </ds:schemaRefs>
+</ds:datastoreItem>
 </file>
--- a/schematics.pptx
+++ b/schematics.pptx
@@ -104,6 +104,11 @@
       </a:defRPr>
     </a:lvl9pPr>
   </p:defaultTextStyle>
+  <p:extLst>
+    <p:ext uri="{EFAFB233-063F-42B5-8137-9DF3F51BA10A}">
+      <p15:sldGuideLst xmlns:p15="http://schemas.microsoft.com/office/powerpoint/2012/main"/>
+    </p:ext>
+  </p:extLst>
 </p:presentation>
 </file>
 
@@ -254,7 +259,7 @@
           <a:p>
             <a:fld id="{0E968EC0-D6D6-4282-ACBC-847D66F54BB0}" type="datetimeFigureOut">
               <a:rPr lang="en-US" smtClean="0"/>
-              <a:t>1/30/2020</a:t>
+              <a:t>4/9/2020</a:t>
             </a:fld>
             <a:endParaRPr lang="en-US"/>
           </a:p>
@@ -452,7 +457,7 @@
           <a:p>
             <a:fld id="{0E968EC0-D6D6-4282-ACBC-847D66F54BB0}" type="datetimeFigureOut">
               <a:rPr lang="en-US" smtClean="0"/>
-              <a:t>1/30/2020</a:t>
+              <a:t>4/9/2020</a:t>
             </a:fld>
             <a:endParaRPr lang="en-US"/>
           </a:p>
@@ -660,7 +665,7 @@
           <a:p>
             <a:fld id="{0E968EC0-D6D6-4282-ACBC-847D66F54BB0}" type="datetimeFigureOut">
               <a:rPr lang="en-US" smtClean="0"/>
-              <a:t>1/30/2020</a:t>
+              <a:t>4/9/2020</a:t>
             </a:fld>
             <a:endParaRPr lang="en-US"/>
           </a:p>
@@ -858,7 +863,7 @@
           <a:p>
             <a:fld id="{0E968EC0-D6D6-4282-ACBC-847D66F54BB0}" type="datetimeFigureOut">
               <a:rPr lang="en-US" smtClean="0"/>
-              <a:t>1/30/2020</a:t>
+              <a:t>4/9/2020</a:t>
             </a:fld>
             <a:endParaRPr lang="en-US"/>
           </a:p>
@@ -1133,7 +1138,7 @@
           <a:p>
             <a:fld id="{0E968EC0-D6D6-4282-ACBC-847D66F54BB0}" type="datetimeFigureOut">
               <a:rPr lang="en-US" smtClean="0"/>
-              <a:t>1/30/2020</a:t>
+              <a:t>4/9/2020</a:t>
             </a:fld>
             <a:endParaRPr lang="en-US"/>
           </a:p>
@@ -1398,7 +1403,7 @@
           <a:p>
             <a:fld id="{0E968EC0-D6D6-4282-ACBC-847D66F54BB0}" type="datetimeFigureOut">
               <a:rPr lang="en-US" smtClean="0"/>
-              <a:t>1/30/2020</a:t>
+              <a:t>4/9/2020</a:t>
             </a:fld>
             <a:endParaRPr lang="en-US"/>
           </a:p>
@@ -1810,7 +1815,7 @@
           <a:p>
             <a:fld id="{0E968EC0-D6D6-4282-ACBC-847D66F54BB0}" type="datetimeFigureOut">
               <a:rPr lang="en-US" smtClean="0"/>
-              <a:t>1/30/2020</a:t>
+              <a:t>4/9/2020</a:t>
             </a:fld>
             <a:endParaRPr lang="en-US"/>
           </a:p>
@@ -1951,7 +1956,7 @@
           <a:p>
             <a:fld id="{0E968EC0-D6D6-4282-ACBC-847D66F54BB0}" type="datetimeFigureOut">
               <a:rPr lang="en-US" smtClean="0"/>
-              <a:t>1/30/2020</a:t>
+              <a:t>4/9/2020</a:t>
             </a:fld>
             <a:endParaRPr lang="en-US"/>
           </a:p>
@@ -2064,7 +2069,7 @@
           <a:p>
             <a:fld id="{0E968EC0-D6D6-4282-ACBC-847D66F54BB0}" type="datetimeFigureOut">
               <a:rPr lang="en-US" smtClean="0"/>
-              <a:t>1/30/2020</a:t>
+              <a:t>4/9/2020</a:t>
             </a:fld>
             <a:endParaRPr lang="en-US"/>
           </a:p>
@@ -2375,7 +2380,7 @@
           <a:p>
             <a:fld id="{0E968EC0-D6D6-4282-ACBC-847D66F54BB0}" type="datetimeFigureOut">
               <a:rPr lang="en-US" smtClean="0"/>
-              <a:t>1/30/2020</a:t>
+              <a:t>4/9/2020</a:t>
             </a:fld>
             <a:endParaRPr lang="en-US"/>
           </a:p>
@@ -2663,7 +2668,7 @@
           <a:p>
             <a:fld id="{0E968EC0-D6D6-4282-ACBC-847D66F54BB0}" type="datetimeFigureOut">
               <a:rPr lang="en-US" smtClean="0"/>
-              <a:t>1/30/2020</a:t>
+              <a:t>4/9/2020</a:t>
             </a:fld>
             <a:endParaRPr lang="en-US"/>
           </a:p>
@@ -2904,7 +2909,7 @@
           <a:p>
             <a:fld id="{0E968EC0-D6D6-4282-ACBC-847D66F54BB0}" type="datetimeFigureOut">
               <a:rPr lang="en-US" smtClean="0"/>
-              <a:t>1/30/2020</a:t>
+              <a:t>4/9/2020</a:t>
             </a:fld>
             <a:endParaRPr lang="en-US"/>
           </a:p>
@@ -4141,7 +4146,32 @@
                   <a:latin typeface="Segoe UI Semibold" panose="020B0702040204020203" pitchFamily="34" charset="0"/>
                   <a:cs typeface="Segoe UI Semibold" panose="020B0702040204020203" pitchFamily="34" charset="0"/>
                 </a:rPr>
-                <a:t>Kubernetes store</a:t>
+                <a:t>Kubernetes</a:t>
+              </a:r>
+              <a:br>
+                <a:rPr lang="en-US" sz="1176" dirty="0">
+                  <a:ln w="3175">
+                    <a:noFill/>
+                  </a:ln>
+                  <a:solidFill>
+                    <a:srgbClr val="000000"/>
+                  </a:solidFill>
+                  <a:latin typeface="Segoe UI Semibold" panose="020B0702040204020203" pitchFamily="34" charset="0"/>
+                  <a:cs typeface="Segoe UI Semibold" panose="020B0702040204020203" pitchFamily="34" charset="0"/>
+                </a:rPr>
+              </a:br>
+              <a:r>
+                <a:rPr lang="en-US" sz="1176" dirty="0">
+                  <a:ln w="3175">
+                    <a:noFill/>
+                  </a:ln>
+                  <a:solidFill>
+                    <a:srgbClr val="000000"/>
+                  </a:solidFill>
+                  <a:latin typeface="Segoe UI Semibold" panose="020B0702040204020203" pitchFamily="34" charset="0"/>
+                  <a:cs typeface="Segoe UI Semibold" panose="020B0702040204020203" pitchFamily="34" charset="0"/>
+                </a:rPr>
+                <a:t>API Server</a:t>
               </a:r>
             </a:p>
           </p:txBody>
@@ -4775,24 +4805,24 @@
                 <a:avLst/>
               </a:prstGeom>
               <a:solidFill>
-                <a:schemeClr val="accent1"/>
+                <a:schemeClr val="accent3">
+                  <a:lumMod val="40000"/>
+                  <a:lumOff val="60000"/>
+                </a:schemeClr>
               </a:solidFill>
               <a:ln>
                 <a:noFill/>
-                <a:headEnd type="none" w="med" len="med"/>
-                <a:tailEnd type="none" w="med" len="med"/>
               </a:ln>
-              <a:effectLst/>
             </p:spPr>
             <p:style>
-              <a:lnRef idx="1">
-                <a:schemeClr val="accent2"/>
+              <a:lnRef idx="0">
+                <a:scrgbClr r="0" g="0" b="0"/>
               </a:lnRef>
-              <a:fillRef idx="3">
-                <a:schemeClr val="accent2"/>
+              <a:fillRef idx="0">
+                <a:scrgbClr r="0" g="0" b="0"/>
               </a:fillRef>
-              <a:effectRef idx="2">
-                <a:schemeClr val="accent2"/>
+              <a:effectRef idx="0">
+                <a:scrgbClr r="0" g="0" b="0"/>
               </a:effectRef>
               <a:fontRef idx="minor">
                 <a:schemeClr val="lt1"/>
@@ -6167,24 +6197,24 @@
                 <a:avLst/>
               </a:prstGeom>
               <a:solidFill>
-                <a:schemeClr val="accent1"/>
+                <a:schemeClr val="accent3">
+                  <a:lumMod val="40000"/>
+                  <a:lumOff val="60000"/>
+                </a:schemeClr>
               </a:solidFill>
               <a:ln>
                 <a:noFill/>
-                <a:headEnd type="none" w="med" len="med"/>
-                <a:tailEnd type="none" w="med" len="med"/>
               </a:ln>
-              <a:effectLst/>
             </p:spPr>
             <p:style>
-              <a:lnRef idx="1">
-                <a:schemeClr val="accent2"/>
+              <a:lnRef idx="0">
+                <a:scrgbClr r="0" g="0" b="0"/>
               </a:lnRef>
-              <a:fillRef idx="3">
-                <a:schemeClr val="accent2"/>
+              <a:fillRef idx="0">
+                <a:scrgbClr r="0" g="0" b="0"/>
               </a:fillRef>
-              <a:effectRef idx="2">
-                <a:schemeClr val="accent2"/>
+              <a:effectRef idx="0">
+                <a:scrgbClr r="0" g="0" b="0"/>
               </a:effectRef>
               <a:fontRef idx="minor">
                 <a:schemeClr val="lt1"/>
@@ -6222,7 +6252,6 @@
                     </a:gsLst>
                     <a:lin ang="5400000" scaled="0"/>
                   </a:gradFill>
-                  <a:ea typeface="Segoe UI" pitchFamily="34" charset="0"/>
                   <a:cs typeface="Segoe UI" pitchFamily="34" charset="0"/>
                 </a:endParaRPr>
               </a:p>

--- a/schematics.pptx
+++ b/schematics.pptx
@@ -2,10 +2,10 @@
 <file path=ppt/presentation.xml><?xml version="1.0" encoding="utf-8"?>
 <p:presentation xmlns:a="http://schemas.openxmlformats.org/drawingml/2006/main" xmlns:r="http://schemas.openxmlformats.org/officeDocument/2006/relationships" xmlns:p="http://schemas.openxmlformats.org/presentationml/2006/main" saveSubsetFonts="1">
   <p:sldMasterIdLst>
-    <p:sldMasterId id="2147483648" r:id="rId4"/>
+    <p:sldMasterId id="2147483648" r:id="rId1"/>
   </p:sldMasterIdLst>
   <p:sldIdLst>
-    <p:sldId id="256" r:id="rId5"/>
+    <p:sldId id="4485" r:id="rId2"/>
   </p:sldIdLst>
   <p:sldSz cx="12192000" cy="6858000"/>
   <p:notesSz cx="6858000" cy="9144000"/>
@@ -134,7 +134,7 @@
           <p:cNvPr id="2" name="Title 1">
             <a:extLst>
               <a:ext uri="{FF2B5EF4-FFF2-40B4-BE49-F238E27FC236}">
-                <a16:creationId xmlns:a16="http://schemas.microsoft.com/office/drawing/2014/main" id="{2AEA9656-4597-4028-8294-0CA168FCDA45}"/>
+                <a16:creationId xmlns:a16="http://schemas.microsoft.com/office/drawing/2014/main" id="{F6BA8D54-FCB9-43D7-AB8D-E4DA2A41DB53}"/>
               </a:ext>
             </a:extLst>
           </p:cNvPr>
@@ -171,7 +171,7 @@
           <p:cNvPr id="3" name="Subtitle 2">
             <a:extLst>
               <a:ext uri="{FF2B5EF4-FFF2-40B4-BE49-F238E27FC236}">
-                <a16:creationId xmlns:a16="http://schemas.microsoft.com/office/drawing/2014/main" id="{475B3420-D9BB-465F-9537-0602A514DB35}"/>
+                <a16:creationId xmlns:a16="http://schemas.microsoft.com/office/drawing/2014/main" id="{CD6E94C5-B210-4ED6-A669-0C6BB1F34AF8}"/>
               </a:ext>
             </a:extLst>
           </p:cNvPr>
@@ -241,7 +241,7 @@
           <p:cNvPr id="4" name="Date Placeholder 3">
             <a:extLst>
               <a:ext uri="{FF2B5EF4-FFF2-40B4-BE49-F238E27FC236}">
-                <a16:creationId xmlns:a16="http://schemas.microsoft.com/office/drawing/2014/main" id="{0CF9D6E5-D9FC-4265-9278-ACDBFBD86C22}"/>
+                <a16:creationId xmlns:a16="http://schemas.microsoft.com/office/drawing/2014/main" id="{BF1D912F-D67A-493E-A9C9-3A740650360E}"/>
               </a:ext>
             </a:extLst>
           </p:cNvPr>
@@ -257,9 +257,9 @@
           <a:bodyPr/>
           <a:lstStyle/>
           <a:p>
-            <a:fld id="{0E968EC0-D6D6-4282-ACBC-847D66F54BB0}" type="datetimeFigureOut">
+            <a:fld id="{B1FD6104-F9B7-48F9-9D06-3B68CBE66B8A}" type="datetimeFigureOut">
               <a:rPr lang="en-US" smtClean="0"/>
-              <a:t>4/9/2020</a:t>
+              <a:t>1/6/23</a:t>
             </a:fld>
             <a:endParaRPr lang="en-US"/>
           </a:p>
@@ -270,7 +270,7 @@
           <p:cNvPr id="5" name="Footer Placeholder 4">
             <a:extLst>
               <a:ext uri="{FF2B5EF4-FFF2-40B4-BE49-F238E27FC236}">
-                <a16:creationId xmlns:a16="http://schemas.microsoft.com/office/drawing/2014/main" id="{1B3798DA-AED1-45A7-9602-84ED64372B83}"/>
+                <a16:creationId xmlns:a16="http://schemas.microsoft.com/office/drawing/2014/main" id="{0E429BD8-DF15-42B3-A71B-AF530F51C799}"/>
               </a:ext>
             </a:extLst>
           </p:cNvPr>
@@ -295,7 +295,7 @@
           <p:cNvPr id="6" name="Slide Number Placeholder 5">
             <a:extLst>
               <a:ext uri="{FF2B5EF4-FFF2-40B4-BE49-F238E27FC236}">
-                <a16:creationId xmlns:a16="http://schemas.microsoft.com/office/drawing/2014/main" id="{42B14780-9096-4744-BAD4-8211861C462E}"/>
+                <a16:creationId xmlns:a16="http://schemas.microsoft.com/office/drawing/2014/main" id="{B82BDC85-54A9-4DD8-B6ED-DBFCE7961B42}"/>
               </a:ext>
             </a:extLst>
           </p:cNvPr>
@@ -311,7 +311,7 @@
           <a:bodyPr/>
           <a:lstStyle/>
           <a:p>
-            <a:fld id="{80DE8280-0FDD-4324-AF89-681B485992E9}" type="slidenum">
+            <a:fld id="{D1BD6D83-ED2E-4BA7-A10B-89AC6C92712D}" type="slidenum">
               <a:rPr lang="en-US" smtClean="0"/>
               <a:t>‹#›</a:t>
             </a:fld>
@@ -322,7 +322,7 @@
     </p:spTree>
     <p:extLst>
       <p:ext uri="{BB962C8B-B14F-4D97-AF65-F5344CB8AC3E}">
-        <p14:creationId xmlns:p14="http://schemas.microsoft.com/office/powerpoint/2010/main" val="1284868564"/>
+        <p14:creationId xmlns:p14="http://schemas.microsoft.com/office/powerpoint/2010/main" val="865689265"/>
       </p:ext>
     </p:extLst>
   </p:cSld>
@@ -354,7 +354,7 @@
           <p:cNvPr id="2" name="Title 1">
             <a:extLst>
               <a:ext uri="{FF2B5EF4-FFF2-40B4-BE49-F238E27FC236}">
-                <a16:creationId xmlns:a16="http://schemas.microsoft.com/office/drawing/2014/main" id="{5D21E9B2-0757-4713-B139-86BFD92F7295}"/>
+                <a16:creationId xmlns:a16="http://schemas.microsoft.com/office/drawing/2014/main" id="{DAFEE0F9-4BEB-4208-A714-775956CF6AB2}"/>
               </a:ext>
             </a:extLst>
           </p:cNvPr>
@@ -382,7 +382,7 @@
           <p:cNvPr id="3" name="Vertical Text Placeholder 2">
             <a:extLst>
               <a:ext uri="{FF2B5EF4-FFF2-40B4-BE49-F238E27FC236}">
-                <a16:creationId xmlns:a16="http://schemas.microsoft.com/office/drawing/2014/main" id="{E4AC8A3D-5596-47C9-96A3-874BC68EE81E}"/>
+                <a16:creationId xmlns:a16="http://schemas.microsoft.com/office/drawing/2014/main" id="{AB5B9756-6BC4-4D37-9258-AE62F6867DAA}"/>
               </a:ext>
             </a:extLst>
           </p:cNvPr>
@@ -439,7 +439,7 @@
           <p:cNvPr id="4" name="Date Placeholder 3">
             <a:extLst>
               <a:ext uri="{FF2B5EF4-FFF2-40B4-BE49-F238E27FC236}">
-                <a16:creationId xmlns:a16="http://schemas.microsoft.com/office/drawing/2014/main" id="{AFC6065F-B936-4F1E-BBB9-1BCEA2B4E215}"/>
+                <a16:creationId xmlns:a16="http://schemas.microsoft.com/office/drawing/2014/main" id="{FFA22CAD-41DA-4FFC-B765-C8A534F724B7}"/>
               </a:ext>
             </a:extLst>
           </p:cNvPr>
@@ -455,9 +455,9 @@
           <a:bodyPr/>
           <a:lstStyle/>
           <a:p>
-            <a:fld id="{0E968EC0-D6D6-4282-ACBC-847D66F54BB0}" type="datetimeFigureOut">
+            <a:fld id="{B1FD6104-F9B7-48F9-9D06-3B68CBE66B8A}" type="datetimeFigureOut">
               <a:rPr lang="en-US" smtClean="0"/>
-              <a:t>4/9/2020</a:t>
+              <a:t>1/6/23</a:t>
             </a:fld>
             <a:endParaRPr lang="en-US"/>
           </a:p>
@@ -468,7 +468,7 @@
           <p:cNvPr id="5" name="Footer Placeholder 4">
             <a:extLst>
               <a:ext uri="{FF2B5EF4-FFF2-40B4-BE49-F238E27FC236}">
-                <a16:creationId xmlns:a16="http://schemas.microsoft.com/office/drawing/2014/main" id="{6F2D8B57-552A-47E4-B9C9-28C490402389}"/>
+                <a16:creationId xmlns:a16="http://schemas.microsoft.com/office/drawing/2014/main" id="{20950EF9-3FC3-4906-9BC5-12EAD31FDEDB}"/>
               </a:ext>
             </a:extLst>
           </p:cNvPr>
@@ -493,7 +493,7 @@
           <p:cNvPr id="6" name="Slide Number Placeholder 5">
             <a:extLst>
               <a:ext uri="{FF2B5EF4-FFF2-40B4-BE49-F238E27FC236}">
-                <a16:creationId xmlns:a16="http://schemas.microsoft.com/office/drawing/2014/main" id="{BB182F2F-62F2-4316-876D-BF4C4708DE9A}"/>
+                <a16:creationId xmlns:a16="http://schemas.microsoft.com/office/drawing/2014/main" id="{55ED3A1A-9C60-494E-B1FC-8CA8A6D33F2C}"/>
               </a:ext>
             </a:extLst>
           </p:cNvPr>
@@ -509,7 +509,7 @@
           <a:bodyPr/>
           <a:lstStyle/>
           <a:p>
-            <a:fld id="{80DE8280-0FDD-4324-AF89-681B485992E9}" type="slidenum">
+            <a:fld id="{D1BD6D83-ED2E-4BA7-A10B-89AC6C92712D}" type="slidenum">
               <a:rPr lang="en-US" smtClean="0"/>
               <a:t>‹#›</a:t>
             </a:fld>
@@ -520,7 +520,7 @@
     </p:spTree>
     <p:extLst>
       <p:ext uri="{BB962C8B-B14F-4D97-AF65-F5344CB8AC3E}">
-        <p14:creationId xmlns:p14="http://schemas.microsoft.com/office/powerpoint/2010/main" val="1787449405"/>
+        <p14:creationId xmlns:p14="http://schemas.microsoft.com/office/powerpoint/2010/main" val="3228253248"/>
       </p:ext>
     </p:extLst>
   </p:cSld>
@@ -552,7 +552,7 @@
           <p:cNvPr id="2" name="Vertical Title 1">
             <a:extLst>
               <a:ext uri="{FF2B5EF4-FFF2-40B4-BE49-F238E27FC236}">
-                <a16:creationId xmlns:a16="http://schemas.microsoft.com/office/drawing/2014/main" id="{73A227DB-CB1F-441B-802B-17346BF5DB4F}"/>
+                <a16:creationId xmlns:a16="http://schemas.microsoft.com/office/drawing/2014/main" id="{42FA8498-9E07-4423-A020-55B6E9E8D43D}"/>
               </a:ext>
             </a:extLst>
           </p:cNvPr>
@@ -585,7 +585,7 @@
           <p:cNvPr id="3" name="Vertical Text Placeholder 2">
             <a:extLst>
               <a:ext uri="{FF2B5EF4-FFF2-40B4-BE49-F238E27FC236}">
-                <a16:creationId xmlns:a16="http://schemas.microsoft.com/office/drawing/2014/main" id="{E1F825F6-67E7-4235-B323-0BABE62FF1D0}"/>
+                <a16:creationId xmlns:a16="http://schemas.microsoft.com/office/drawing/2014/main" id="{97CA9C0C-C34C-45D8-903B-3D93834C9519}"/>
               </a:ext>
             </a:extLst>
           </p:cNvPr>
@@ -647,7 +647,7 @@
           <p:cNvPr id="4" name="Date Placeholder 3">
             <a:extLst>
               <a:ext uri="{FF2B5EF4-FFF2-40B4-BE49-F238E27FC236}">
-                <a16:creationId xmlns:a16="http://schemas.microsoft.com/office/drawing/2014/main" id="{89291C75-BB57-47D7-B650-6BCBC5A74D52}"/>
+                <a16:creationId xmlns:a16="http://schemas.microsoft.com/office/drawing/2014/main" id="{13E81B5C-97E4-401B-9E89-ED4C8C7475F0}"/>
               </a:ext>
             </a:extLst>
           </p:cNvPr>
@@ -663,9 +663,9 @@
           <a:bodyPr/>
           <a:lstStyle/>
           <a:p>
-            <a:fld id="{0E968EC0-D6D6-4282-ACBC-847D66F54BB0}" type="datetimeFigureOut">
+            <a:fld id="{B1FD6104-F9B7-48F9-9D06-3B68CBE66B8A}" type="datetimeFigureOut">
               <a:rPr lang="en-US" smtClean="0"/>
-              <a:t>4/9/2020</a:t>
+              <a:t>1/6/23</a:t>
             </a:fld>
             <a:endParaRPr lang="en-US"/>
           </a:p>
@@ -676,7 +676,7 @@
           <p:cNvPr id="5" name="Footer Placeholder 4">
             <a:extLst>
               <a:ext uri="{FF2B5EF4-FFF2-40B4-BE49-F238E27FC236}">
-                <a16:creationId xmlns:a16="http://schemas.microsoft.com/office/drawing/2014/main" id="{0CAE5D94-4F53-4F6C-801C-0BAC3A7BB658}"/>
+                <a16:creationId xmlns:a16="http://schemas.microsoft.com/office/drawing/2014/main" id="{BEC554AA-DE05-4B76-9FDC-5A2818AE3F23}"/>
               </a:ext>
             </a:extLst>
           </p:cNvPr>
@@ -701,7 +701,7 @@
           <p:cNvPr id="6" name="Slide Number Placeholder 5">
             <a:extLst>
               <a:ext uri="{FF2B5EF4-FFF2-40B4-BE49-F238E27FC236}">
-                <a16:creationId xmlns:a16="http://schemas.microsoft.com/office/drawing/2014/main" id="{372CAAE3-2522-4FAE-B597-4DB09A922C8E}"/>
+                <a16:creationId xmlns:a16="http://schemas.microsoft.com/office/drawing/2014/main" id="{512D9B55-A22A-4E71-98E7-335544CF97C9}"/>
               </a:ext>
             </a:extLst>
           </p:cNvPr>
@@ -717,7 +717,7 @@
           <a:bodyPr/>
           <a:lstStyle/>
           <a:p>
-            <a:fld id="{80DE8280-0FDD-4324-AF89-681B485992E9}" type="slidenum">
+            <a:fld id="{D1BD6D83-ED2E-4BA7-A10B-89AC6C92712D}" type="slidenum">
               <a:rPr lang="en-US" smtClean="0"/>
               <a:t>‹#›</a:t>
             </a:fld>
@@ -728,13 +728,190 @@
     </p:spTree>
     <p:extLst>
       <p:ext uri="{BB962C8B-B14F-4D97-AF65-F5344CB8AC3E}">
-        <p14:creationId xmlns:p14="http://schemas.microsoft.com/office/powerpoint/2010/main" val="1380732134"/>
+        <p14:creationId xmlns:p14="http://schemas.microsoft.com/office/powerpoint/2010/main" val="3251469278"/>
       </p:ext>
     </p:extLst>
   </p:cSld>
   <p:clrMapOvr>
     <a:masterClrMapping/>
   </p:clrMapOvr>
+</p:sldLayout>
+</file>
+
+<file path=ppt/slideLayouts/slideLayout12.xml><?xml version="1.0" encoding="utf-8"?>
+<p:sldLayout xmlns:a="http://schemas.openxmlformats.org/drawingml/2006/main" xmlns:r="http://schemas.openxmlformats.org/officeDocument/2006/relationships" xmlns:p="http://schemas.openxmlformats.org/presentationml/2006/main" userDrawn="1">
+  <p:cSld name="Title &amp; Non-bulleted text">
+    <p:spTree>
+      <p:nvGrpSpPr>
+        <p:cNvPr id="1" name=""/>
+        <p:cNvGrpSpPr/>
+        <p:nvPr/>
+      </p:nvGrpSpPr>
+      <p:grpSpPr>
+        <a:xfrm>
+          <a:off x="0" y="0"/>
+          <a:ext cx="0" cy="0"/>
+          <a:chOff x="0" y="0"/>
+          <a:chExt cx="0" cy="0"/>
+        </a:xfrm>
+      </p:grpSpPr>
+      <p:sp>
+        <p:nvSpPr>
+          <p:cNvPr id="7" name="Title 6">
+            <a:extLst>
+              <a:ext uri="{FF2B5EF4-FFF2-40B4-BE49-F238E27FC236}">
+                <a16:creationId xmlns:a16="http://schemas.microsoft.com/office/drawing/2014/main" id="{34B655BA-10A4-4A57-89DB-CFFBE1CA1E33}"/>
+              </a:ext>
+            </a:extLst>
+          </p:cNvPr>
+          <p:cNvSpPr>
+            <a:spLocks noGrp="1"/>
+          </p:cNvSpPr>
+          <p:nvPr>
+            <p:ph type="title"/>
+          </p:nvPr>
+        </p:nvSpPr>
+        <p:spPr/>
+        <p:txBody>
+          <a:bodyPr/>
+          <a:lstStyle>
+            <a:lvl1pPr>
+              <a:defRPr>
+                <a:gradFill>
+                  <a:gsLst>
+                    <a:gs pos="8333">
+                      <a:schemeClr val="tx1"/>
+                    </a:gs>
+                    <a:gs pos="26000">
+                      <a:schemeClr val="tx1"/>
+                    </a:gs>
+                  </a:gsLst>
+                  <a:lin ang="5400000" scaled="1"/>
+                </a:gradFill>
+              </a:defRPr>
+            </a:lvl1pPr>
+          </a:lstStyle>
+          <a:p>
+            <a:r>
+              <a:rPr lang="en-US"/>
+              <a:t>Click to edit Master title style</a:t>
+            </a:r>
+          </a:p>
+        </p:txBody>
+      </p:sp>
+      <p:sp>
+        <p:nvSpPr>
+          <p:cNvPr id="4" name="Text Placeholder 3"/>
+          <p:cNvSpPr>
+            <a:spLocks noGrp="1"/>
+          </p:cNvSpPr>
+          <p:nvPr>
+            <p:ph type="body" sz="quarter" idx="10"/>
+          </p:nvPr>
+        </p:nvSpPr>
+        <p:spPr>
+          <a:xfrm>
+            <a:off x="586390" y="1434370"/>
+            <a:ext cx="11018520" cy="2308324"/>
+          </a:xfrm>
+        </p:spPr>
+        <p:txBody>
+          <a:bodyPr wrap="square">
+            <a:spAutoFit/>
+          </a:bodyPr>
+          <a:lstStyle>
+            <a:lvl1pPr marL="0" indent="0">
+              <a:buNone/>
+              <a:defRPr/>
+            </a:lvl1pPr>
+            <a:lvl2pPr marL="228600" indent="0">
+              <a:buNone/>
+              <a:defRPr/>
+            </a:lvl2pPr>
+            <a:lvl3pPr marL="457200" indent="0">
+              <a:buNone/>
+              <a:defRPr/>
+            </a:lvl3pPr>
+            <a:lvl4pPr marL="685800" indent="0">
+              <a:buNone/>
+              <a:defRPr/>
+            </a:lvl4pPr>
+            <a:lvl5pPr marL="914400" indent="0">
+              <a:buNone/>
+              <a:defRPr/>
+            </a:lvl5pPr>
+          </a:lstStyle>
+          <a:p>
+            <a:pPr lvl="0"/>
+            <a:r>
+              <a:rPr lang="en-US"/>
+              <a:t>Click to edit Master text styles</a:t>
+            </a:r>
+          </a:p>
+          <a:p>
+            <a:pPr lvl="1"/>
+            <a:r>
+              <a:rPr lang="en-US"/>
+              <a:t>Second level</a:t>
+            </a:r>
+          </a:p>
+          <a:p>
+            <a:pPr lvl="2"/>
+            <a:r>
+              <a:rPr lang="en-US"/>
+              <a:t>Third level</a:t>
+            </a:r>
+          </a:p>
+          <a:p>
+            <a:pPr lvl="3"/>
+            <a:r>
+              <a:rPr lang="en-US"/>
+              <a:t>Fourth level</a:t>
+            </a:r>
+          </a:p>
+          <a:p>
+            <a:pPr lvl="4"/>
+            <a:r>
+              <a:rPr lang="en-US"/>
+              <a:t>Fifth level</a:t>
+            </a:r>
+          </a:p>
+        </p:txBody>
+      </p:sp>
+    </p:spTree>
+    <p:extLst>
+      <p:ext uri="{BB962C8B-B14F-4D97-AF65-F5344CB8AC3E}">
+        <p14:creationId xmlns:p14="http://schemas.microsoft.com/office/powerpoint/2010/main" val="2691851925"/>
+      </p:ext>
+    </p:extLst>
+  </p:cSld>
+  <p:clrMapOvr>
+    <a:masterClrMapping/>
+  </p:clrMapOvr>
+  <p:transition>
+    <p:fade/>
+  </p:transition>
+  <p:extLst>
+    <p:ext uri="{DCECCB84-F9BA-43D5-87BE-67443E8EF086}">
+      <p15:sldGuideLst xmlns:p15="http://schemas.microsoft.com/office/powerpoint/2012/main">
+        <p15:guide id="1" orient="horz" pos="288">
+          <p15:clr>
+            <a:srgbClr val="5ACBF0"/>
+          </p15:clr>
+        </p15:guide>
+        <p15:guide id="2" orient="horz" pos="905">
+          <p15:clr>
+            <a:srgbClr val="5ACBF0"/>
+          </p15:clr>
+        </p15:guide>
+        <p15:guide id="4" orient="horz" pos="1272">
+          <p15:clr>
+            <a:srgbClr val="5ACBF0"/>
+          </p15:clr>
+        </p15:guide>
+      </p15:sldGuideLst>
+    </p:ext>
+  </p:extLst>
 </p:sldLayout>
 </file>
 
@@ -760,7 +937,7 @@
           <p:cNvPr id="2" name="Title 1">
             <a:extLst>
               <a:ext uri="{FF2B5EF4-FFF2-40B4-BE49-F238E27FC236}">
-                <a16:creationId xmlns:a16="http://schemas.microsoft.com/office/drawing/2014/main" id="{B4B0018F-2DC4-4E6E-9A42-CE120EC89D31}"/>
+                <a16:creationId xmlns:a16="http://schemas.microsoft.com/office/drawing/2014/main" id="{A3E1DB83-9F00-4324-8AFD-2399E07F452D}"/>
               </a:ext>
             </a:extLst>
           </p:cNvPr>
@@ -788,7 +965,7 @@
           <p:cNvPr id="3" name="Content Placeholder 2">
             <a:extLst>
               <a:ext uri="{FF2B5EF4-FFF2-40B4-BE49-F238E27FC236}">
-                <a16:creationId xmlns:a16="http://schemas.microsoft.com/office/drawing/2014/main" id="{F77E78CA-C07B-47F9-B51A-680A78F03A66}"/>
+                <a16:creationId xmlns:a16="http://schemas.microsoft.com/office/drawing/2014/main" id="{15E62F76-4387-455F-BB33-18C538D6A305}"/>
               </a:ext>
             </a:extLst>
           </p:cNvPr>
@@ -845,7 +1022,7 @@
           <p:cNvPr id="4" name="Date Placeholder 3">
             <a:extLst>
               <a:ext uri="{FF2B5EF4-FFF2-40B4-BE49-F238E27FC236}">
-                <a16:creationId xmlns:a16="http://schemas.microsoft.com/office/drawing/2014/main" id="{C57F86C3-2D13-409F-BDB7-2D7404DA5501}"/>
+                <a16:creationId xmlns:a16="http://schemas.microsoft.com/office/drawing/2014/main" id="{0D6F8ACD-9428-4D3E-89EC-2F5B4AE16312}"/>
               </a:ext>
             </a:extLst>
           </p:cNvPr>
@@ -861,9 +1038,9 @@
           <a:bodyPr/>
           <a:lstStyle/>
           <a:p>
-            <a:fld id="{0E968EC0-D6D6-4282-ACBC-847D66F54BB0}" type="datetimeFigureOut">
+            <a:fld id="{B1FD6104-F9B7-48F9-9D06-3B68CBE66B8A}" type="datetimeFigureOut">
               <a:rPr lang="en-US" smtClean="0"/>
-              <a:t>4/9/2020</a:t>
+              <a:t>1/6/23</a:t>
             </a:fld>
             <a:endParaRPr lang="en-US"/>
           </a:p>
@@ -874,7 +1051,7 @@
           <p:cNvPr id="5" name="Footer Placeholder 4">
             <a:extLst>
               <a:ext uri="{FF2B5EF4-FFF2-40B4-BE49-F238E27FC236}">
-                <a16:creationId xmlns:a16="http://schemas.microsoft.com/office/drawing/2014/main" id="{81021764-A921-45FB-88CC-183D1524A7D2}"/>
+                <a16:creationId xmlns:a16="http://schemas.microsoft.com/office/drawing/2014/main" id="{68849F0B-3198-4819-BA58-D5E0EA5384F8}"/>
               </a:ext>
             </a:extLst>
           </p:cNvPr>
@@ -899,7 +1076,7 @@
           <p:cNvPr id="6" name="Slide Number Placeholder 5">
             <a:extLst>
               <a:ext uri="{FF2B5EF4-FFF2-40B4-BE49-F238E27FC236}">
-                <a16:creationId xmlns:a16="http://schemas.microsoft.com/office/drawing/2014/main" id="{8AF91FD7-DA0B-41D1-80D3-BD7C3E40E910}"/>
+                <a16:creationId xmlns:a16="http://schemas.microsoft.com/office/drawing/2014/main" id="{BB9DF75A-420B-4661-ACAD-6F9EBD9CB554}"/>
               </a:ext>
             </a:extLst>
           </p:cNvPr>
@@ -915,7 +1092,7 @@
           <a:bodyPr/>
           <a:lstStyle/>
           <a:p>
-            <a:fld id="{80DE8280-0FDD-4324-AF89-681B485992E9}" type="slidenum">
+            <a:fld id="{D1BD6D83-ED2E-4BA7-A10B-89AC6C92712D}" type="slidenum">
               <a:rPr lang="en-US" smtClean="0"/>
               <a:t>‹#›</a:t>
             </a:fld>
@@ -926,7 +1103,7 @@
     </p:spTree>
     <p:extLst>
       <p:ext uri="{BB962C8B-B14F-4D97-AF65-F5344CB8AC3E}">
-        <p14:creationId xmlns:p14="http://schemas.microsoft.com/office/powerpoint/2010/main" val="1123637531"/>
+        <p14:creationId xmlns:p14="http://schemas.microsoft.com/office/powerpoint/2010/main" val="4255716347"/>
       </p:ext>
     </p:extLst>
   </p:cSld>
@@ -958,7 +1135,7 @@
           <p:cNvPr id="2" name="Title 1">
             <a:extLst>
               <a:ext uri="{FF2B5EF4-FFF2-40B4-BE49-F238E27FC236}">
-                <a16:creationId xmlns:a16="http://schemas.microsoft.com/office/drawing/2014/main" id="{7F5FAE47-2955-4474-A53D-9C170C2FFDE0}"/>
+                <a16:creationId xmlns:a16="http://schemas.microsoft.com/office/drawing/2014/main" id="{4F58B5B5-D51D-44C6-A948-5D1DCBE4F5FB}"/>
               </a:ext>
             </a:extLst>
           </p:cNvPr>
@@ -995,7 +1172,7 @@
           <p:cNvPr id="3" name="Text Placeholder 2">
             <a:extLst>
               <a:ext uri="{FF2B5EF4-FFF2-40B4-BE49-F238E27FC236}">
-                <a16:creationId xmlns:a16="http://schemas.microsoft.com/office/drawing/2014/main" id="{4BFAE5E8-875C-4979-8B9F-4D61B42963B8}"/>
+                <a16:creationId xmlns:a16="http://schemas.microsoft.com/office/drawing/2014/main" id="{4D27DAD8-5F4E-43A3-96EA-6C04E130590E}"/>
               </a:ext>
             </a:extLst>
           </p:cNvPr>
@@ -1120,7 +1297,7 @@
           <p:cNvPr id="4" name="Date Placeholder 3">
             <a:extLst>
               <a:ext uri="{FF2B5EF4-FFF2-40B4-BE49-F238E27FC236}">
-                <a16:creationId xmlns:a16="http://schemas.microsoft.com/office/drawing/2014/main" id="{7D6692AE-328A-45CF-875D-F522DE49A6F3}"/>
+                <a16:creationId xmlns:a16="http://schemas.microsoft.com/office/drawing/2014/main" id="{A53C23CD-DC81-4593-A8AD-64431989AD2D}"/>
               </a:ext>
             </a:extLst>
           </p:cNvPr>
@@ -1136,9 +1313,9 @@
           <a:bodyPr/>
           <a:lstStyle/>
           <a:p>
-            <a:fld id="{0E968EC0-D6D6-4282-ACBC-847D66F54BB0}" type="datetimeFigureOut">
+            <a:fld id="{B1FD6104-F9B7-48F9-9D06-3B68CBE66B8A}" type="datetimeFigureOut">
               <a:rPr lang="en-US" smtClean="0"/>
-              <a:t>4/9/2020</a:t>
+              <a:t>1/6/23</a:t>
             </a:fld>
             <a:endParaRPr lang="en-US"/>
           </a:p>
@@ -1149,7 +1326,7 @@
           <p:cNvPr id="5" name="Footer Placeholder 4">
             <a:extLst>
               <a:ext uri="{FF2B5EF4-FFF2-40B4-BE49-F238E27FC236}">
-                <a16:creationId xmlns:a16="http://schemas.microsoft.com/office/drawing/2014/main" id="{CF88193A-0B50-40FE-9422-D95D09371E8C}"/>
+                <a16:creationId xmlns:a16="http://schemas.microsoft.com/office/drawing/2014/main" id="{A12B8991-61E4-446D-9ADD-EA3D4A9A3A84}"/>
               </a:ext>
             </a:extLst>
           </p:cNvPr>
@@ -1174,7 +1351,7 @@
           <p:cNvPr id="6" name="Slide Number Placeholder 5">
             <a:extLst>
               <a:ext uri="{FF2B5EF4-FFF2-40B4-BE49-F238E27FC236}">
-                <a16:creationId xmlns:a16="http://schemas.microsoft.com/office/drawing/2014/main" id="{9D16CE30-BF05-4349-BD0F-BDFF6343C5AA}"/>
+                <a16:creationId xmlns:a16="http://schemas.microsoft.com/office/drawing/2014/main" id="{AA24E1D0-60EF-43C4-9D34-75E1D6834382}"/>
               </a:ext>
             </a:extLst>
           </p:cNvPr>
@@ -1190,7 +1367,7 @@
           <a:bodyPr/>
           <a:lstStyle/>
           <a:p>
-            <a:fld id="{80DE8280-0FDD-4324-AF89-681B485992E9}" type="slidenum">
+            <a:fld id="{D1BD6D83-ED2E-4BA7-A10B-89AC6C92712D}" type="slidenum">
               <a:rPr lang="en-US" smtClean="0"/>
               <a:t>‹#›</a:t>
             </a:fld>
@@ -1201,7 +1378,7 @@
     </p:spTree>
     <p:extLst>
       <p:ext uri="{BB962C8B-B14F-4D97-AF65-F5344CB8AC3E}">
-        <p14:creationId xmlns:p14="http://schemas.microsoft.com/office/powerpoint/2010/main" val="2283526143"/>
+        <p14:creationId xmlns:p14="http://schemas.microsoft.com/office/powerpoint/2010/main" val="350027287"/>
       </p:ext>
     </p:extLst>
   </p:cSld>
@@ -1233,7 +1410,7 @@
           <p:cNvPr id="2" name="Title 1">
             <a:extLst>
               <a:ext uri="{FF2B5EF4-FFF2-40B4-BE49-F238E27FC236}">
-                <a16:creationId xmlns:a16="http://schemas.microsoft.com/office/drawing/2014/main" id="{AB4519F3-5201-40D9-896F-CCFA65D77781}"/>
+                <a16:creationId xmlns:a16="http://schemas.microsoft.com/office/drawing/2014/main" id="{B8532F0A-D136-451C-954D-4FEFECDD2B53}"/>
               </a:ext>
             </a:extLst>
           </p:cNvPr>
@@ -1261,7 +1438,7 @@
           <p:cNvPr id="3" name="Content Placeholder 2">
             <a:extLst>
               <a:ext uri="{FF2B5EF4-FFF2-40B4-BE49-F238E27FC236}">
-                <a16:creationId xmlns:a16="http://schemas.microsoft.com/office/drawing/2014/main" id="{0EA5A2CF-731F-4DC9-93B2-B982F74A7CA8}"/>
+                <a16:creationId xmlns:a16="http://schemas.microsoft.com/office/drawing/2014/main" id="{1FDAB054-83F2-4347-A568-62A3A063A042}"/>
               </a:ext>
             </a:extLst>
           </p:cNvPr>
@@ -1323,7 +1500,7 @@
           <p:cNvPr id="4" name="Content Placeholder 3">
             <a:extLst>
               <a:ext uri="{FF2B5EF4-FFF2-40B4-BE49-F238E27FC236}">
-                <a16:creationId xmlns:a16="http://schemas.microsoft.com/office/drawing/2014/main" id="{2401F26C-FED4-4905-B769-5F836FF09653}"/>
+                <a16:creationId xmlns:a16="http://schemas.microsoft.com/office/drawing/2014/main" id="{4EF1A3CB-FF7B-4899-A0A8-B5A54349C757}"/>
               </a:ext>
             </a:extLst>
           </p:cNvPr>
@@ -1385,7 +1562,7 @@
           <p:cNvPr id="5" name="Date Placeholder 4">
             <a:extLst>
               <a:ext uri="{FF2B5EF4-FFF2-40B4-BE49-F238E27FC236}">
-                <a16:creationId xmlns:a16="http://schemas.microsoft.com/office/drawing/2014/main" id="{2387FE3D-6B19-43F8-9E6B-5F52C1B89E7B}"/>
+                <a16:creationId xmlns:a16="http://schemas.microsoft.com/office/drawing/2014/main" id="{A74945A2-0BC3-4F04-98FD-55C296C0A22F}"/>
               </a:ext>
             </a:extLst>
           </p:cNvPr>
@@ -1401,9 +1578,9 @@
           <a:bodyPr/>
           <a:lstStyle/>
           <a:p>
-            <a:fld id="{0E968EC0-D6D6-4282-ACBC-847D66F54BB0}" type="datetimeFigureOut">
+            <a:fld id="{B1FD6104-F9B7-48F9-9D06-3B68CBE66B8A}" type="datetimeFigureOut">
               <a:rPr lang="en-US" smtClean="0"/>
-              <a:t>4/9/2020</a:t>
+              <a:t>1/6/23</a:t>
             </a:fld>
             <a:endParaRPr lang="en-US"/>
           </a:p>
@@ -1414,7 +1591,7 @@
           <p:cNvPr id="6" name="Footer Placeholder 5">
             <a:extLst>
               <a:ext uri="{FF2B5EF4-FFF2-40B4-BE49-F238E27FC236}">
-                <a16:creationId xmlns:a16="http://schemas.microsoft.com/office/drawing/2014/main" id="{FF595064-75E8-4FF3-8358-308F4729021E}"/>
+                <a16:creationId xmlns:a16="http://schemas.microsoft.com/office/drawing/2014/main" id="{6B028827-BCFB-49D2-8C5E-20EEE278D4A3}"/>
               </a:ext>
             </a:extLst>
           </p:cNvPr>
@@ -1439,7 +1616,7 @@
           <p:cNvPr id="7" name="Slide Number Placeholder 6">
             <a:extLst>
               <a:ext uri="{FF2B5EF4-FFF2-40B4-BE49-F238E27FC236}">
-                <a16:creationId xmlns:a16="http://schemas.microsoft.com/office/drawing/2014/main" id="{D55A4E48-A975-474B-B740-8E1C75DF8F93}"/>
+                <a16:creationId xmlns:a16="http://schemas.microsoft.com/office/drawing/2014/main" id="{EED080A0-1AE6-4976-95A5-69FDBEC0F58E}"/>
               </a:ext>
             </a:extLst>
           </p:cNvPr>
@@ -1455,7 +1632,7 @@
           <a:bodyPr/>
           <a:lstStyle/>
           <a:p>
-            <a:fld id="{80DE8280-0FDD-4324-AF89-681B485992E9}" type="slidenum">
+            <a:fld id="{D1BD6D83-ED2E-4BA7-A10B-89AC6C92712D}" type="slidenum">
               <a:rPr lang="en-US" smtClean="0"/>
               <a:t>‹#›</a:t>
             </a:fld>
@@ -1466,7 +1643,7 @@
     </p:spTree>
     <p:extLst>
       <p:ext uri="{BB962C8B-B14F-4D97-AF65-F5344CB8AC3E}">
-        <p14:creationId xmlns:p14="http://schemas.microsoft.com/office/powerpoint/2010/main" val="1548789274"/>
+        <p14:creationId xmlns:p14="http://schemas.microsoft.com/office/powerpoint/2010/main" val="420748395"/>
       </p:ext>
     </p:extLst>
   </p:cSld>
@@ -1498,7 +1675,7 @@
           <p:cNvPr id="2" name="Title 1">
             <a:extLst>
               <a:ext uri="{FF2B5EF4-FFF2-40B4-BE49-F238E27FC236}">
-                <a16:creationId xmlns:a16="http://schemas.microsoft.com/office/drawing/2014/main" id="{0FFDF97A-D957-403A-96EA-E62FFFBB095B}"/>
+                <a16:creationId xmlns:a16="http://schemas.microsoft.com/office/drawing/2014/main" id="{E8161006-6A0D-4CB2-B8EF-90EEF3C02646}"/>
               </a:ext>
             </a:extLst>
           </p:cNvPr>
@@ -1531,7 +1708,7 @@
           <p:cNvPr id="3" name="Text Placeholder 2">
             <a:extLst>
               <a:ext uri="{FF2B5EF4-FFF2-40B4-BE49-F238E27FC236}">
-                <a16:creationId xmlns:a16="http://schemas.microsoft.com/office/drawing/2014/main" id="{514F2141-C673-45D7-9635-17ED06D9428D}"/>
+                <a16:creationId xmlns:a16="http://schemas.microsoft.com/office/drawing/2014/main" id="{DD96EEC8-130B-4A95-9019-9A085D26FD24}"/>
               </a:ext>
             </a:extLst>
           </p:cNvPr>
@@ -1602,7 +1779,7 @@
           <p:cNvPr id="4" name="Content Placeholder 3">
             <a:extLst>
               <a:ext uri="{FF2B5EF4-FFF2-40B4-BE49-F238E27FC236}">
-                <a16:creationId xmlns:a16="http://schemas.microsoft.com/office/drawing/2014/main" id="{60F8B830-2320-4FE7-ADB2-52BC380CBB34}"/>
+                <a16:creationId xmlns:a16="http://schemas.microsoft.com/office/drawing/2014/main" id="{7EB99620-F0B2-4E0B-A4A3-21FCB2DA77C5}"/>
               </a:ext>
             </a:extLst>
           </p:cNvPr>
@@ -1664,7 +1841,7 @@
           <p:cNvPr id="5" name="Text Placeholder 4">
             <a:extLst>
               <a:ext uri="{FF2B5EF4-FFF2-40B4-BE49-F238E27FC236}">
-                <a16:creationId xmlns:a16="http://schemas.microsoft.com/office/drawing/2014/main" id="{0678EFA5-4ED4-4175-8CA4-9568D39257DA}"/>
+                <a16:creationId xmlns:a16="http://schemas.microsoft.com/office/drawing/2014/main" id="{BAAC58FE-AC2D-430F-90B6-280DFCB63E31}"/>
               </a:ext>
             </a:extLst>
           </p:cNvPr>
@@ -1735,7 +1912,7 @@
           <p:cNvPr id="6" name="Content Placeholder 5">
             <a:extLst>
               <a:ext uri="{FF2B5EF4-FFF2-40B4-BE49-F238E27FC236}">
-                <a16:creationId xmlns:a16="http://schemas.microsoft.com/office/drawing/2014/main" id="{ED7DFBCE-0954-4ADF-8C7E-78BFA302FEFC}"/>
+                <a16:creationId xmlns:a16="http://schemas.microsoft.com/office/drawing/2014/main" id="{60C0E855-1D80-40F8-9558-13F0D82CE7E4}"/>
               </a:ext>
             </a:extLst>
           </p:cNvPr>
@@ -1797,7 +1974,7 @@
           <p:cNvPr id="7" name="Date Placeholder 6">
             <a:extLst>
               <a:ext uri="{FF2B5EF4-FFF2-40B4-BE49-F238E27FC236}">
-                <a16:creationId xmlns:a16="http://schemas.microsoft.com/office/drawing/2014/main" id="{AB28E83E-DCDF-40E9-90CB-9D854DA1D070}"/>
+                <a16:creationId xmlns:a16="http://schemas.microsoft.com/office/drawing/2014/main" id="{D55841F7-BD25-4F1D-BD17-01C8F9241842}"/>
               </a:ext>
             </a:extLst>
           </p:cNvPr>
@@ -1813,9 +1990,9 @@
           <a:bodyPr/>
           <a:lstStyle/>
           <a:p>
-            <a:fld id="{0E968EC0-D6D6-4282-ACBC-847D66F54BB0}" type="datetimeFigureOut">
+            <a:fld id="{B1FD6104-F9B7-48F9-9D06-3B68CBE66B8A}" type="datetimeFigureOut">
               <a:rPr lang="en-US" smtClean="0"/>
-              <a:t>4/9/2020</a:t>
+              <a:t>1/6/23</a:t>
             </a:fld>
             <a:endParaRPr lang="en-US"/>
           </a:p>
@@ -1826,7 +2003,7 @@
           <p:cNvPr id="8" name="Footer Placeholder 7">
             <a:extLst>
               <a:ext uri="{FF2B5EF4-FFF2-40B4-BE49-F238E27FC236}">
-                <a16:creationId xmlns:a16="http://schemas.microsoft.com/office/drawing/2014/main" id="{E0A21ABC-A52B-4A4E-89EB-C5991B5B288B}"/>
+                <a16:creationId xmlns:a16="http://schemas.microsoft.com/office/drawing/2014/main" id="{58E8C02E-A7B0-42B0-AE53-7C9EF0C4C28E}"/>
               </a:ext>
             </a:extLst>
           </p:cNvPr>
@@ -1851,7 +2028,7 @@
           <p:cNvPr id="9" name="Slide Number Placeholder 8">
             <a:extLst>
               <a:ext uri="{FF2B5EF4-FFF2-40B4-BE49-F238E27FC236}">
-                <a16:creationId xmlns:a16="http://schemas.microsoft.com/office/drawing/2014/main" id="{0A11A73E-C866-4211-A9D6-5982F3C1C015}"/>
+                <a16:creationId xmlns:a16="http://schemas.microsoft.com/office/drawing/2014/main" id="{2B5E0E91-3079-474B-B24F-45CE50B13C06}"/>
               </a:ext>
             </a:extLst>
           </p:cNvPr>
@@ -1867,7 +2044,7 @@
           <a:bodyPr/>
           <a:lstStyle/>
           <a:p>
-            <a:fld id="{80DE8280-0FDD-4324-AF89-681B485992E9}" type="slidenum">
+            <a:fld id="{D1BD6D83-ED2E-4BA7-A10B-89AC6C92712D}" type="slidenum">
               <a:rPr lang="en-US" smtClean="0"/>
               <a:t>‹#›</a:t>
             </a:fld>
@@ -1878,7 +2055,7 @@
     </p:spTree>
     <p:extLst>
       <p:ext uri="{BB962C8B-B14F-4D97-AF65-F5344CB8AC3E}">
-        <p14:creationId xmlns:p14="http://schemas.microsoft.com/office/powerpoint/2010/main" val="2468646306"/>
+        <p14:creationId xmlns:p14="http://schemas.microsoft.com/office/powerpoint/2010/main" val="2541339499"/>
       </p:ext>
     </p:extLst>
   </p:cSld>
@@ -1910,7 +2087,7 @@
           <p:cNvPr id="2" name="Title 1">
             <a:extLst>
               <a:ext uri="{FF2B5EF4-FFF2-40B4-BE49-F238E27FC236}">
-                <a16:creationId xmlns:a16="http://schemas.microsoft.com/office/drawing/2014/main" id="{92FA8943-8395-4AF8-A5F9-897DBD97023B}"/>
+                <a16:creationId xmlns:a16="http://schemas.microsoft.com/office/drawing/2014/main" id="{12523A55-5771-4312-92F3-CE8AC6DABFD4}"/>
               </a:ext>
             </a:extLst>
           </p:cNvPr>
@@ -1938,7 +2115,7 @@
           <p:cNvPr id="3" name="Date Placeholder 2">
             <a:extLst>
               <a:ext uri="{FF2B5EF4-FFF2-40B4-BE49-F238E27FC236}">
-                <a16:creationId xmlns:a16="http://schemas.microsoft.com/office/drawing/2014/main" id="{422C5005-CFC1-40D6-86E8-7A63B432A2D5}"/>
+                <a16:creationId xmlns:a16="http://schemas.microsoft.com/office/drawing/2014/main" id="{9B775F6B-A156-4D8F-8A7F-0C9F9772C3AC}"/>
               </a:ext>
             </a:extLst>
           </p:cNvPr>
@@ -1954,9 +2131,9 @@
           <a:bodyPr/>
           <a:lstStyle/>
           <a:p>
-            <a:fld id="{0E968EC0-D6D6-4282-ACBC-847D66F54BB0}" type="datetimeFigureOut">
+            <a:fld id="{B1FD6104-F9B7-48F9-9D06-3B68CBE66B8A}" type="datetimeFigureOut">
               <a:rPr lang="en-US" smtClean="0"/>
-              <a:t>4/9/2020</a:t>
+              <a:t>1/6/23</a:t>
             </a:fld>
             <a:endParaRPr lang="en-US"/>
           </a:p>
@@ -1967,7 +2144,7 @@
           <p:cNvPr id="4" name="Footer Placeholder 3">
             <a:extLst>
               <a:ext uri="{FF2B5EF4-FFF2-40B4-BE49-F238E27FC236}">
-                <a16:creationId xmlns:a16="http://schemas.microsoft.com/office/drawing/2014/main" id="{26DB7CF0-1EDC-4E21-A9EF-C2E73A4E195E}"/>
+                <a16:creationId xmlns:a16="http://schemas.microsoft.com/office/drawing/2014/main" id="{B274776B-9C62-4A14-8D91-EEDB6CC208E3}"/>
               </a:ext>
             </a:extLst>
           </p:cNvPr>
@@ -1992,7 +2169,7 @@
           <p:cNvPr id="5" name="Slide Number Placeholder 4">
             <a:extLst>
               <a:ext uri="{FF2B5EF4-FFF2-40B4-BE49-F238E27FC236}">
-                <a16:creationId xmlns:a16="http://schemas.microsoft.com/office/drawing/2014/main" id="{47F43A66-A64A-41EA-A200-8E0CE64F690F}"/>
+                <a16:creationId xmlns:a16="http://schemas.microsoft.com/office/drawing/2014/main" id="{71F7E506-2545-4CE9-A992-CB67C381C150}"/>
               </a:ext>
             </a:extLst>
           </p:cNvPr>
@@ -2008,7 +2185,7 @@
           <a:bodyPr/>
           <a:lstStyle/>
           <a:p>
-            <a:fld id="{80DE8280-0FDD-4324-AF89-681B485992E9}" type="slidenum">
+            <a:fld id="{D1BD6D83-ED2E-4BA7-A10B-89AC6C92712D}" type="slidenum">
               <a:rPr lang="en-US" smtClean="0"/>
               <a:t>‹#›</a:t>
             </a:fld>
@@ -2019,7 +2196,7 @@
     </p:spTree>
     <p:extLst>
       <p:ext uri="{BB962C8B-B14F-4D97-AF65-F5344CB8AC3E}">
-        <p14:creationId xmlns:p14="http://schemas.microsoft.com/office/powerpoint/2010/main" val="4097991970"/>
+        <p14:creationId xmlns:p14="http://schemas.microsoft.com/office/powerpoint/2010/main" val="2699541441"/>
       </p:ext>
     </p:extLst>
   </p:cSld>
@@ -2051,7 +2228,7 @@
           <p:cNvPr id="2" name="Date Placeholder 1">
             <a:extLst>
               <a:ext uri="{FF2B5EF4-FFF2-40B4-BE49-F238E27FC236}">
-                <a16:creationId xmlns:a16="http://schemas.microsoft.com/office/drawing/2014/main" id="{DF3051FA-6840-41A5-B046-CA98C23607F8}"/>
+                <a16:creationId xmlns:a16="http://schemas.microsoft.com/office/drawing/2014/main" id="{956FABC0-C8DF-4045-935B-47D0C3DFBB0E}"/>
               </a:ext>
             </a:extLst>
           </p:cNvPr>
@@ -2067,9 +2244,9 @@
           <a:bodyPr/>
           <a:lstStyle/>
           <a:p>
-            <a:fld id="{0E968EC0-D6D6-4282-ACBC-847D66F54BB0}" type="datetimeFigureOut">
+            <a:fld id="{B1FD6104-F9B7-48F9-9D06-3B68CBE66B8A}" type="datetimeFigureOut">
               <a:rPr lang="en-US" smtClean="0"/>
-              <a:t>4/9/2020</a:t>
+              <a:t>1/6/23</a:t>
             </a:fld>
             <a:endParaRPr lang="en-US"/>
           </a:p>
@@ -2080,7 +2257,7 @@
           <p:cNvPr id="3" name="Footer Placeholder 2">
             <a:extLst>
               <a:ext uri="{FF2B5EF4-FFF2-40B4-BE49-F238E27FC236}">
-                <a16:creationId xmlns:a16="http://schemas.microsoft.com/office/drawing/2014/main" id="{2F3B6059-6341-4C42-ACF9-7DCE5162AC4C}"/>
+                <a16:creationId xmlns:a16="http://schemas.microsoft.com/office/drawing/2014/main" id="{A0CA2777-C5E6-456A-9F62-3B1E2D29D619}"/>
               </a:ext>
             </a:extLst>
           </p:cNvPr>
@@ -2105,7 +2282,7 @@
           <p:cNvPr id="4" name="Slide Number Placeholder 3">
             <a:extLst>
               <a:ext uri="{FF2B5EF4-FFF2-40B4-BE49-F238E27FC236}">
-                <a16:creationId xmlns:a16="http://schemas.microsoft.com/office/drawing/2014/main" id="{0DFC4D13-FCFF-4D87-8C17-F91B4A8AEA61}"/>
+                <a16:creationId xmlns:a16="http://schemas.microsoft.com/office/drawing/2014/main" id="{41D0EC0B-50EA-4854-ACE0-37D16DAB0147}"/>
               </a:ext>
             </a:extLst>
           </p:cNvPr>
@@ -2121,7 +2298,7 @@
           <a:bodyPr/>
           <a:lstStyle/>
           <a:p>
-            <a:fld id="{80DE8280-0FDD-4324-AF89-681B485992E9}" type="slidenum">
+            <a:fld id="{D1BD6D83-ED2E-4BA7-A10B-89AC6C92712D}" type="slidenum">
               <a:rPr lang="en-US" smtClean="0"/>
               <a:t>‹#›</a:t>
             </a:fld>
@@ -2132,7 +2309,7 @@
     </p:spTree>
     <p:extLst>
       <p:ext uri="{BB962C8B-B14F-4D97-AF65-F5344CB8AC3E}">
-        <p14:creationId xmlns:p14="http://schemas.microsoft.com/office/powerpoint/2010/main" val="3926581922"/>
+        <p14:creationId xmlns:p14="http://schemas.microsoft.com/office/powerpoint/2010/main" val="3810126025"/>
       </p:ext>
     </p:extLst>
   </p:cSld>
@@ -2164,7 +2341,7 @@
           <p:cNvPr id="2" name="Title 1">
             <a:extLst>
               <a:ext uri="{FF2B5EF4-FFF2-40B4-BE49-F238E27FC236}">
-                <a16:creationId xmlns:a16="http://schemas.microsoft.com/office/drawing/2014/main" id="{E3051F8D-59CA-4520-9E51-49DB753E0C03}"/>
+                <a16:creationId xmlns:a16="http://schemas.microsoft.com/office/drawing/2014/main" id="{A3F0E62F-4D71-47AE-A11D-50FB0FC98E21}"/>
               </a:ext>
             </a:extLst>
           </p:cNvPr>
@@ -2201,7 +2378,7 @@
           <p:cNvPr id="3" name="Content Placeholder 2">
             <a:extLst>
               <a:ext uri="{FF2B5EF4-FFF2-40B4-BE49-F238E27FC236}">
-                <a16:creationId xmlns:a16="http://schemas.microsoft.com/office/drawing/2014/main" id="{060E9E72-3B71-4E5C-8745-BCAD74A0118B}"/>
+                <a16:creationId xmlns:a16="http://schemas.microsoft.com/office/drawing/2014/main" id="{E7CEE221-0B8D-482C-B836-8C6DC2956AD7}"/>
               </a:ext>
             </a:extLst>
           </p:cNvPr>
@@ -2291,7 +2468,7 @@
           <p:cNvPr id="4" name="Text Placeholder 3">
             <a:extLst>
               <a:ext uri="{FF2B5EF4-FFF2-40B4-BE49-F238E27FC236}">
-                <a16:creationId xmlns:a16="http://schemas.microsoft.com/office/drawing/2014/main" id="{15E3E4A9-E4E5-466A-97ED-3D4CF9C766DD}"/>
+                <a16:creationId xmlns:a16="http://schemas.microsoft.com/office/drawing/2014/main" id="{13FBA0EF-24F3-4933-89CB-166A81873171}"/>
               </a:ext>
             </a:extLst>
           </p:cNvPr>
@@ -2362,7 +2539,7 @@
           <p:cNvPr id="5" name="Date Placeholder 4">
             <a:extLst>
               <a:ext uri="{FF2B5EF4-FFF2-40B4-BE49-F238E27FC236}">
-                <a16:creationId xmlns:a16="http://schemas.microsoft.com/office/drawing/2014/main" id="{9A3D6327-56ED-4F8F-A38A-5F884035E972}"/>
+                <a16:creationId xmlns:a16="http://schemas.microsoft.com/office/drawing/2014/main" id="{4993C641-04EA-4673-99E7-2F98FE830891}"/>
               </a:ext>
             </a:extLst>
           </p:cNvPr>
@@ -2378,9 +2555,9 @@
           <a:bodyPr/>
           <a:lstStyle/>
           <a:p>
-            <a:fld id="{0E968EC0-D6D6-4282-ACBC-847D66F54BB0}" type="datetimeFigureOut">
+            <a:fld id="{B1FD6104-F9B7-48F9-9D06-3B68CBE66B8A}" type="datetimeFigureOut">
               <a:rPr lang="en-US" smtClean="0"/>
-              <a:t>4/9/2020</a:t>
+              <a:t>1/6/23</a:t>
             </a:fld>
             <a:endParaRPr lang="en-US"/>
           </a:p>
@@ -2391,7 +2568,7 @@
           <p:cNvPr id="6" name="Footer Placeholder 5">
             <a:extLst>
               <a:ext uri="{FF2B5EF4-FFF2-40B4-BE49-F238E27FC236}">
-                <a16:creationId xmlns:a16="http://schemas.microsoft.com/office/drawing/2014/main" id="{E4F52D14-7F43-4B21-B1DA-1F57735C1F20}"/>
+                <a16:creationId xmlns:a16="http://schemas.microsoft.com/office/drawing/2014/main" id="{C84EFFCF-F548-4834-AFEB-E765D6E6194F}"/>
               </a:ext>
             </a:extLst>
           </p:cNvPr>
@@ -2416,7 +2593,7 @@
           <p:cNvPr id="7" name="Slide Number Placeholder 6">
             <a:extLst>
               <a:ext uri="{FF2B5EF4-FFF2-40B4-BE49-F238E27FC236}">
-                <a16:creationId xmlns:a16="http://schemas.microsoft.com/office/drawing/2014/main" id="{E92DA117-5AD4-40D5-9021-C6449BE520D5}"/>
+                <a16:creationId xmlns:a16="http://schemas.microsoft.com/office/drawing/2014/main" id="{580C3D0A-6D6E-4105-AAA0-7E05993053BA}"/>
               </a:ext>
             </a:extLst>
           </p:cNvPr>
@@ -2432,7 +2609,7 @@
           <a:bodyPr/>
           <a:lstStyle/>
           <a:p>
-            <a:fld id="{80DE8280-0FDD-4324-AF89-681B485992E9}" type="slidenum">
+            <a:fld id="{D1BD6D83-ED2E-4BA7-A10B-89AC6C92712D}" type="slidenum">
               <a:rPr lang="en-US" smtClean="0"/>
               <a:t>‹#›</a:t>
             </a:fld>
@@ -2443,7 +2620,7 @@
     </p:spTree>
     <p:extLst>
       <p:ext uri="{BB962C8B-B14F-4D97-AF65-F5344CB8AC3E}">
-        <p14:creationId xmlns:p14="http://schemas.microsoft.com/office/powerpoint/2010/main" val="885760380"/>
+        <p14:creationId xmlns:p14="http://schemas.microsoft.com/office/powerpoint/2010/main" val="4036984499"/>
       </p:ext>
     </p:extLst>
   </p:cSld>
@@ -2475,7 +2652,7 @@
           <p:cNvPr id="2" name="Title 1">
             <a:extLst>
               <a:ext uri="{FF2B5EF4-FFF2-40B4-BE49-F238E27FC236}">
-                <a16:creationId xmlns:a16="http://schemas.microsoft.com/office/drawing/2014/main" id="{537E7C8B-1965-45C4-90FE-6A34879D9C94}"/>
+                <a16:creationId xmlns:a16="http://schemas.microsoft.com/office/drawing/2014/main" id="{91BC8E5B-23DB-4EAF-B097-DAFB963F6E58}"/>
               </a:ext>
             </a:extLst>
           </p:cNvPr>
@@ -2512,7 +2689,7 @@
           <p:cNvPr id="3" name="Picture Placeholder 2">
             <a:extLst>
               <a:ext uri="{FF2B5EF4-FFF2-40B4-BE49-F238E27FC236}">
-                <a16:creationId xmlns:a16="http://schemas.microsoft.com/office/drawing/2014/main" id="{997E8881-4186-474E-BD06-9F3C56CBE2E0}"/>
+                <a16:creationId xmlns:a16="http://schemas.microsoft.com/office/drawing/2014/main" id="{B7CC2E8B-00AD-4396-ACB6-7E1D609C08B6}"/>
               </a:ext>
             </a:extLst>
           </p:cNvPr>
@@ -2579,7 +2756,7 @@
           <p:cNvPr id="4" name="Text Placeholder 3">
             <a:extLst>
               <a:ext uri="{FF2B5EF4-FFF2-40B4-BE49-F238E27FC236}">
-                <a16:creationId xmlns:a16="http://schemas.microsoft.com/office/drawing/2014/main" id="{2DA1E771-D9A2-4968-B2FE-0B10CCBB2CFA}"/>
+                <a16:creationId xmlns:a16="http://schemas.microsoft.com/office/drawing/2014/main" id="{EEBD879F-1EFC-496C-BE51-C391ABCC173F}"/>
               </a:ext>
             </a:extLst>
           </p:cNvPr>
@@ -2650,7 +2827,7 @@
           <p:cNvPr id="5" name="Date Placeholder 4">
             <a:extLst>
               <a:ext uri="{FF2B5EF4-FFF2-40B4-BE49-F238E27FC236}">
-                <a16:creationId xmlns:a16="http://schemas.microsoft.com/office/drawing/2014/main" id="{D4C33C14-8A69-4E37-A7A7-EC50B4A6EFC3}"/>
+                <a16:creationId xmlns:a16="http://schemas.microsoft.com/office/drawing/2014/main" id="{1E2D525A-FA18-4D4B-ABA8-069E282C54D2}"/>
               </a:ext>
             </a:extLst>
           </p:cNvPr>
@@ -2666,9 +2843,9 @@
           <a:bodyPr/>
           <a:lstStyle/>
           <a:p>
-            <a:fld id="{0E968EC0-D6D6-4282-ACBC-847D66F54BB0}" type="datetimeFigureOut">
+            <a:fld id="{B1FD6104-F9B7-48F9-9D06-3B68CBE66B8A}" type="datetimeFigureOut">
               <a:rPr lang="en-US" smtClean="0"/>
-              <a:t>4/9/2020</a:t>
+              <a:t>1/6/23</a:t>
             </a:fld>
             <a:endParaRPr lang="en-US"/>
           </a:p>
@@ -2679,7 +2856,7 @@
           <p:cNvPr id="6" name="Footer Placeholder 5">
             <a:extLst>
               <a:ext uri="{FF2B5EF4-FFF2-40B4-BE49-F238E27FC236}">
-                <a16:creationId xmlns:a16="http://schemas.microsoft.com/office/drawing/2014/main" id="{0B9F7ACE-A5CC-4F05-BDE7-0D91E5089A9B}"/>
+                <a16:creationId xmlns:a16="http://schemas.microsoft.com/office/drawing/2014/main" id="{57E75DDF-27AE-4020-96CD-563084C302EC}"/>
               </a:ext>
             </a:extLst>
           </p:cNvPr>
@@ -2704,7 +2881,7 @@
           <p:cNvPr id="7" name="Slide Number Placeholder 6">
             <a:extLst>
               <a:ext uri="{FF2B5EF4-FFF2-40B4-BE49-F238E27FC236}">
-                <a16:creationId xmlns:a16="http://schemas.microsoft.com/office/drawing/2014/main" id="{2CDC2800-FC93-4D4D-B958-0113348AF1B3}"/>
+                <a16:creationId xmlns:a16="http://schemas.microsoft.com/office/drawing/2014/main" id="{A62029DA-AACE-49C5-BAA5-90D24CA2B114}"/>
               </a:ext>
             </a:extLst>
           </p:cNvPr>
@@ -2720,7 +2897,7 @@
           <a:bodyPr/>
           <a:lstStyle/>
           <a:p>
-            <a:fld id="{80DE8280-0FDD-4324-AF89-681B485992E9}" type="slidenum">
+            <a:fld id="{D1BD6D83-ED2E-4BA7-A10B-89AC6C92712D}" type="slidenum">
               <a:rPr lang="en-US" smtClean="0"/>
               <a:t>‹#›</a:t>
             </a:fld>
@@ -2731,7 +2908,7 @@
     </p:spTree>
     <p:extLst>
       <p:ext uri="{BB962C8B-B14F-4D97-AF65-F5344CB8AC3E}">
-        <p14:creationId xmlns:p14="http://schemas.microsoft.com/office/powerpoint/2010/main" val="610027992"/>
+        <p14:creationId xmlns:p14="http://schemas.microsoft.com/office/powerpoint/2010/main" val="3374863524"/>
       </p:ext>
     </p:extLst>
   </p:cSld>
@@ -2768,7 +2945,7 @@
           <p:cNvPr id="2" name="Title Placeholder 1">
             <a:extLst>
               <a:ext uri="{FF2B5EF4-FFF2-40B4-BE49-F238E27FC236}">
-                <a16:creationId xmlns:a16="http://schemas.microsoft.com/office/drawing/2014/main" id="{AD55C9EC-3D18-49A5-A721-F904FB097EDD}"/>
+                <a16:creationId xmlns:a16="http://schemas.microsoft.com/office/drawing/2014/main" id="{7967C869-6FD0-44BF-8EDB-798174A7C86A}"/>
               </a:ext>
             </a:extLst>
           </p:cNvPr>
@@ -2806,7 +2983,7 @@
           <p:cNvPr id="3" name="Text Placeholder 2">
             <a:extLst>
               <a:ext uri="{FF2B5EF4-FFF2-40B4-BE49-F238E27FC236}">
-                <a16:creationId xmlns:a16="http://schemas.microsoft.com/office/drawing/2014/main" id="{1BEB93BC-268F-4D85-948D-4EB8FA1042A9}"/>
+                <a16:creationId xmlns:a16="http://schemas.microsoft.com/office/drawing/2014/main" id="{3C667631-170A-4222-AF5F-5818B28F02FB}"/>
               </a:ext>
             </a:extLst>
           </p:cNvPr>
@@ -2873,7 +3050,7 @@
           <p:cNvPr id="4" name="Date Placeholder 3">
             <a:extLst>
               <a:ext uri="{FF2B5EF4-FFF2-40B4-BE49-F238E27FC236}">
-                <a16:creationId xmlns:a16="http://schemas.microsoft.com/office/drawing/2014/main" id="{956B4F72-55A7-4E08-BEC6-2D0219E44DD5}"/>
+                <a16:creationId xmlns:a16="http://schemas.microsoft.com/office/drawing/2014/main" id="{4DB37F0E-672C-4B45-8650-AB29DCE9BDC5}"/>
               </a:ext>
             </a:extLst>
           </p:cNvPr>
@@ -2907,9 +3084,9 @@
             </a:lvl1pPr>
           </a:lstStyle>
           <a:p>
-            <a:fld id="{0E968EC0-D6D6-4282-ACBC-847D66F54BB0}" type="datetimeFigureOut">
+            <a:fld id="{B1FD6104-F9B7-48F9-9D06-3B68CBE66B8A}" type="datetimeFigureOut">
               <a:rPr lang="en-US" smtClean="0"/>
-              <a:t>4/9/2020</a:t>
+              <a:t>1/6/23</a:t>
             </a:fld>
             <a:endParaRPr lang="en-US"/>
           </a:p>
@@ -2920,7 +3097,7 @@
           <p:cNvPr id="5" name="Footer Placeholder 4">
             <a:extLst>
               <a:ext uri="{FF2B5EF4-FFF2-40B4-BE49-F238E27FC236}">
-                <a16:creationId xmlns:a16="http://schemas.microsoft.com/office/drawing/2014/main" id="{D91982A8-9E2D-436C-B811-30FFD3DF10BD}"/>
+                <a16:creationId xmlns:a16="http://schemas.microsoft.com/office/drawing/2014/main" id="{B1481BC1-4CE5-4FCD-BC1A-E02FA92CAE09}"/>
               </a:ext>
             </a:extLst>
           </p:cNvPr>
@@ -2963,7 +3140,7 @@
           <p:cNvPr id="6" name="Slide Number Placeholder 5">
             <a:extLst>
               <a:ext uri="{FF2B5EF4-FFF2-40B4-BE49-F238E27FC236}">
-                <a16:creationId xmlns:a16="http://schemas.microsoft.com/office/drawing/2014/main" id="{3650EA9C-0E3E-402C-BCE6-C99386D54BF9}"/>
+                <a16:creationId xmlns:a16="http://schemas.microsoft.com/office/drawing/2014/main" id="{C12ED15A-1D2A-4C81-BD96-D9EFDDC9C949}"/>
               </a:ext>
             </a:extLst>
           </p:cNvPr>
@@ -2997,7 +3174,7 @@
             </a:lvl1pPr>
           </a:lstStyle>
           <a:p>
-            <a:fld id="{80DE8280-0FDD-4324-AF89-681B485992E9}" type="slidenum">
+            <a:fld id="{D1BD6D83-ED2E-4BA7-A10B-89AC6C92712D}" type="slidenum">
               <a:rPr lang="en-US" smtClean="0"/>
               <a:t>‹#›</a:t>
             </a:fld>
@@ -3008,7 +3185,7 @@
     </p:spTree>
     <p:extLst>
       <p:ext uri="{BB962C8B-B14F-4D97-AF65-F5344CB8AC3E}">
-        <p14:creationId xmlns:p14="http://schemas.microsoft.com/office/powerpoint/2010/main" val="872058879"/>
+        <p14:creationId xmlns:p14="http://schemas.microsoft.com/office/powerpoint/2010/main" val="1044607037"/>
       </p:ext>
     </p:extLst>
   </p:cSld>
@@ -3025,6 +3202,7 @@
     <p:sldLayoutId id="2147483657" r:id="rId9"/>
     <p:sldLayoutId id="2147483658" r:id="rId10"/>
     <p:sldLayoutId id="2147483659" r:id="rId11"/>
+    <p:sldLayoutId id="2147483661" r:id="rId12"/>
   </p:sldLayoutIdLst>
   <p:txStyles>
     <p:titleStyle>
@@ -3326,12 +3504,197 @@
           <a:chExt cx="0" cy="0"/>
         </a:xfrm>
       </p:grpSpPr>
+      <p:sp>
+        <p:nvSpPr>
+          <p:cNvPr id="8" name="Oval 7">
+            <a:extLst>
+              <a:ext uri="{FF2B5EF4-FFF2-40B4-BE49-F238E27FC236}">
+                <a16:creationId xmlns:a16="http://schemas.microsoft.com/office/drawing/2014/main" id="{C6536E65-FB3E-C946-8C68-530485B81DE0}"/>
+              </a:ext>
+            </a:extLst>
+          </p:cNvPr>
+          <p:cNvSpPr/>
+          <p:nvPr/>
+        </p:nvSpPr>
+        <p:spPr bwMode="auto">
+          <a:xfrm>
+            <a:off x="3346843" y="803720"/>
+            <a:ext cx="5486400" cy="5486400"/>
+          </a:xfrm>
+          <a:prstGeom prst="ellipse">
+            <a:avLst/>
+          </a:prstGeom>
+          <a:solidFill>
+            <a:srgbClr val="FCFDFE"/>
+          </a:solidFill>
+          <a:ln w="19050">
+            <a:solidFill>
+              <a:schemeClr val="tx1"/>
+            </a:solidFill>
+            <a:headEnd type="none" w="med" len="med"/>
+            <a:tailEnd type="none" w="med" len="med"/>
+          </a:ln>
+          <a:effectLst/>
+        </p:spPr>
+        <p:style>
+          <a:lnRef idx="1">
+            <a:schemeClr val="accent2"/>
+          </a:lnRef>
+          <a:fillRef idx="3">
+            <a:schemeClr val="accent2"/>
+          </a:fillRef>
+          <a:effectRef idx="2">
+            <a:schemeClr val="accent2"/>
+          </a:effectRef>
+          <a:fontRef idx="minor">
+            <a:schemeClr val="lt1"/>
+          </a:fontRef>
+        </p:style>
+        <p:txBody>
+          <a:bodyPr rot="0" spcFirstLastPara="0" vertOverflow="overflow" horzOverflow="overflow" vert="horz" wrap="square" lIns="179285" tIns="143428" rIns="179285" bIns="143428" numCol="1" spcCol="0" rtlCol="0" fromWordArt="0" anchor="ctr" anchorCtr="0" forceAA="0" compatLnSpc="1">
+            <a:prstTxWarp prst="textNoShape">
+              <a:avLst/>
+            </a:prstTxWarp>
+            <a:noAutofit/>
+          </a:bodyPr>
+          <a:lstStyle/>
+          <a:p>
+            <a:pPr marL="0" marR="0" lvl="0" indent="0" algn="ctr" defTabSz="914102" rtl="0" eaLnBrk="1" fontAlgn="base" latinLnBrk="0" hangingPunct="1">
+              <a:lnSpc>
+                <a:spcPct val="90000"/>
+              </a:lnSpc>
+              <a:spcBef>
+                <a:spcPct val="0"/>
+              </a:spcBef>
+              <a:spcAft>
+                <a:spcPct val="0"/>
+              </a:spcAft>
+              <a:buClrTx/>
+              <a:buSzTx/>
+              <a:buFontTx/>
+              <a:buNone/>
+              <a:tabLst/>
+              <a:defRPr/>
+            </a:pPr>
+            <a:endParaRPr kumimoji="0" lang="en-US" sz="1176" b="0" i="0" u="none" strike="noStrike" kern="1200" cap="none" spc="0" normalizeH="0" baseline="0" noProof="0" dirty="0">
+              <a:ln>
+                <a:noFill/>
+              </a:ln>
+              <a:solidFill>
+                <a:srgbClr val="3C3C41"/>
+              </a:solidFill>
+              <a:effectLst/>
+              <a:uLnTx/>
+              <a:uFillTx/>
+              <a:latin typeface="Segoe UI"/>
+              <a:ea typeface="+mn-ea"/>
+              <a:cs typeface="Segoe UI" pitchFamily="34" charset="0"/>
+            </a:endParaRPr>
+          </a:p>
+        </p:txBody>
+      </p:sp>
+      <p:sp>
+        <p:nvSpPr>
+          <p:cNvPr id="9" name="Title 1">
+            <a:extLst>
+              <a:ext uri="{FF2B5EF4-FFF2-40B4-BE49-F238E27FC236}">
+                <a16:creationId xmlns:a16="http://schemas.microsoft.com/office/drawing/2014/main" id="{01EBD47A-E37A-A04A-BA15-B2A04E3FA0E4}"/>
+              </a:ext>
+            </a:extLst>
+          </p:cNvPr>
+          <p:cNvSpPr txBox="1">
+            <a:spLocks/>
+          </p:cNvSpPr>
+          <p:nvPr/>
+        </p:nvSpPr>
+        <p:spPr>
+          <a:xfrm>
+            <a:off x="5258988" y="528705"/>
+            <a:ext cx="1670849" cy="215444"/>
+          </a:xfrm>
+          <a:prstGeom prst="rect">
+            <a:avLst/>
+          </a:prstGeom>
+        </p:spPr>
+        <p:txBody>
+          <a:bodyPr vert="horz" wrap="square" lIns="0" tIns="0" rIns="0" bIns="0" rtlCol="0" anchor="b">
+            <a:spAutoFit/>
+          </a:bodyPr>
+          <a:lstStyle>
+            <a:lvl1pPr algn="l" defTabSz="932742" rtl="0" eaLnBrk="1" latinLnBrk="0" hangingPunct="1">
+              <a:lnSpc>
+                <a:spcPct val="90000"/>
+              </a:lnSpc>
+              <a:spcBef>
+                <a:spcPct val="0"/>
+              </a:spcBef>
+              <a:buNone/>
+              <a:defRPr lang="en-US" sz="5400" b="0" kern="1200" cap="none" spc="-102" baseline="0">
+                <a:ln w="3175">
+                  <a:noFill/>
+                </a:ln>
+                <a:gradFill>
+                  <a:gsLst>
+                    <a:gs pos="2655">
+                      <a:schemeClr val="tx1"/>
+                    </a:gs>
+                    <a:gs pos="31000">
+                      <a:schemeClr val="tx1"/>
+                    </a:gs>
+                  </a:gsLst>
+                  <a:lin ang="5400000" scaled="0"/>
+                </a:gradFill>
+                <a:effectLst/>
+                <a:latin typeface="+mj-lt"/>
+                <a:ea typeface="+mn-ea"/>
+                <a:cs typeface="Segoe UI" pitchFamily="34" charset="0"/>
+              </a:defRPr>
+            </a:lvl1pPr>
+          </a:lstStyle>
+          <a:p>
+            <a:pPr marL="0" marR="0" lvl="0" indent="0" algn="ctr" defTabSz="914367" rtl="0" eaLnBrk="1" fontAlgn="auto" latinLnBrk="0" hangingPunct="1">
+              <a:lnSpc>
+                <a:spcPct val="100000"/>
+              </a:lnSpc>
+              <a:spcBef>
+                <a:spcPct val="0"/>
+              </a:spcBef>
+              <a:spcAft>
+                <a:spcPts val="0"/>
+              </a:spcAft>
+              <a:buClrTx/>
+              <a:buSzTx/>
+              <a:buFontTx/>
+              <a:buNone/>
+              <a:tabLst/>
+              <a:defRPr/>
+            </a:pPr>
+            <a:r>
+              <a:rPr kumimoji="0" lang="en-US" sz="1400" b="0" i="0" u="none" strike="noStrike" kern="1200" cap="none" spc="0" normalizeH="0" baseline="0" noProof="0" dirty="0">
+                <a:ln w="3175">
+                  <a:noFill/>
+                </a:ln>
+                <a:solidFill>
+                  <a:srgbClr val="000000"/>
+                </a:solidFill>
+                <a:effectLst/>
+                <a:uLnTx/>
+                <a:uFillTx/>
+                <a:latin typeface="Segoe UI Semibold" panose="020B0702040204020203" pitchFamily="34" charset="0"/>
+                <a:ea typeface="+mn-ea"/>
+                <a:cs typeface="Segoe UI Semibold" panose="020B0702040204020203" pitchFamily="34" charset="0"/>
+              </a:rPr>
+              <a:t>Kubernetes cluster</a:t>
+            </a:r>
+          </a:p>
+        </p:txBody>
+      </p:sp>
       <p:grpSp>
         <p:nvGrpSpPr>
-          <p:cNvPr id="4" name="Group 3">
-            <a:extLst>
-              <a:ext uri="{FF2B5EF4-FFF2-40B4-BE49-F238E27FC236}">
-                <a16:creationId xmlns:a16="http://schemas.microsoft.com/office/drawing/2014/main" id="{E527EDEE-5B1C-48F8-B419-4C329519FECE}"/>
+          <p:cNvPr id="10" name="Group 9">
+            <a:extLst>
+              <a:ext uri="{FF2B5EF4-FFF2-40B4-BE49-F238E27FC236}">
+                <a16:creationId xmlns:a16="http://schemas.microsoft.com/office/drawing/2014/main" id="{2A809BC8-CAA7-DF49-A687-389A6537A27A}"/>
               </a:ext>
             </a:extLst>
           </p:cNvPr>
@@ -3340,18 +3703,18 @@
         </p:nvGrpSpPr>
         <p:grpSpPr>
           <a:xfrm>
-            <a:off x="2665432" y="518520"/>
-            <a:ext cx="6861136" cy="5820960"/>
-            <a:chOff x="2930712" y="951400"/>
-            <a:chExt cx="6861136" cy="5820960"/>
+            <a:off x="5565845" y="5015433"/>
+            <a:ext cx="1049934" cy="918594"/>
+            <a:chOff x="6339270" y="2492543"/>
+            <a:chExt cx="1049934" cy="918594"/>
           </a:xfrm>
         </p:grpSpPr>
         <p:sp>
           <p:nvSpPr>
-            <p:cNvPr id="5" name="Oval 4">
+            <p:cNvPr id="11" name="Rectangle: Rounded Corners 118">
               <a:extLst>
                 <a:ext uri="{FF2B5EF4-FFF2-40B4-BE49-F238E27FC236}">
-                  <a16:creationId xmlns:a16="http://schemas.microsoft.com/office/drawing/2014/main" id="{82FF9C6A-14FF-48AB-97F3-BAF4784FC063}"/>
+                  <a16:creationId xmlns:a16="http://schemas.microsoft.com/office/drawing/2014/main" id="{5BD3C190-DA5F-B449-AC4F-E61141132B6A}"/>
                 </a:ext>
               </a:extLst>
             </p:cNvPr>
@@ -3360,18 +3723,20 @@
           </p:nvSpPr>
           <p:spPr bwMode="auto">
             <a:xfrm>
-              <a:off x="3597744" y="1285960"/>
-              <a:ext cx="5486400" cy="5486400"/>
+              <a:off x="6546125" y="2492543"/>
+              <a:ext cx="539562" cy="539562"/>
             </a:xfrm>
-            <a:prstGeom prst="ellipse">
-              <a:avLst/>
+            <a:prstGeom prst="roundRect">
+              <a:avLst>
+                <a:gd name="adj" fmla="val 3125"/>
+              </a:avLst>
             </a:prstGeom>
             <a:solidFill>
-              <a:srgbClr val="FCFDFE"/>
+              <a:srgbClr val="FFFFFF"/>
             </a:solidFill>
-            <a:ln w="19050">
+            <a:ln w="12700">
               <a:solidFill>
-                <a:schemeClr val="tx1"/>
+                <a:srgbClr val="000000"/>
               </a:solidFill>
               <a:headEnd type="none" w="med" len="med"/>
               <a:tailEnd type="none" w="med" len="med"/>
@@ -3418,7 +3783,7 @@
                 <a:tabLst/>
                 <a:defRPr/>
               </a:pPr>
-              <a:endParaRPr kumimoji="0" lang="en-US" sz="1176" b="0" i="0" u="none" strike="noStrike" kern="1200" cap="none" spc="0" normalizeH="0" baseline="0" noProof="0" dirty="0">
+              <a:endParaRPr kumimoji="0" lang="en-US" sz="1176" b="0" i="0" u="none" strike="noStrike" kern="1200" cap="none" spc="0" normalizeH="0" baseline="0" noProof="0">
                 <a:ln>
                   <a:noFill/>
                 </a:ln>
@@ -3437,72 +3802,70 @@
         </p:sp>
         <p:sp>
           <p:nvSpPr>
-            <p:cNvPr id="6" name="Title 1">
+            <p:cNvPr id="12" name="Rectangle: Rounded Corners 118">
               <a:extLst>
                 <a:ext uri="{FF2B5EF4-FFF2-40B4-BE49-F238E27FC236}">
-                  <a16:creationId xmlns:a16="http://schemas.microsoft.com/office/drawing/2014/main" id="{098AC9D2-0890-4341-88E4-F16934EE8865}"/>
+                  <a16:creationId xmlns:a16="http://schemas.microsoft.com/office/drawing/2014/main" id="{1FBB7124-74E2-F045-A25F-6509A9F58D43}"/>
                 </a:ext>
               </a:extLst>
             </p:cNvPr>
-            <p:cNvSpPr txBox="1">
-              <a:spLocks/>
-            </p:cNvSpPr>
+            <p:cNvSpPr/>
             <p:nvPr/>
           </p:nvSpPr>
-          <p:spPr>
+          <p:spPr bwMode="auto">
             <a:xfrm>
-              <a:off x="5503932" y="951400"/>
-              <a:ext cx="1670849" cy="215444"/>
+              <a:off x="6623664" y="2543485"/>
+              <a:ext cx="539562" cy="539562"/>
             </a:xfrm>
-            <a:prstGeom prst="rect">
-              <a:avLst/>
+            <a:prstGeom prst="roundRect">
+              <a:avLst>
+                <a:gd name="adj" fmla="val 3125"/>
+              </a:avLst>
             </a:prstGeom>
+            <a:solidFill>
+              <a:srgbClr val="FFFFFF"/>
+            </a:solidFill>
+            <a:ln w="12700">
+              <a:solidFill>
+                <a:srgbClr val="000000"/>
+              </a:solidFill>
+              <a:headEnd type="none" w="med" len="med"/>
+              <a:tailEnd type="none" w="med" len="med"/>
+            </a:ln>
+            <a:effectLst/>
           </p:spPr>
+          <p:style>
+            <a:lnRef idx="1">
+              <a:schemeClr val="accent2"/>
+            </a:lnRef>
+            <a:fillRef idx="3">
+              <a:schemeClr val="accent2"/>
+            </a:fillRef>
+            <a:effectRef idx="2">
+              <a:schemeClr val="accent2"/>
+            </a:effectRef>
+            <a:fontRef idx="minor">
+              <a:schemeClr val="lt1"/>
+            </a:fontRef>
+          </p:style>
           <p:txBody>
-            <a:bodyPr vert="horz" wrap="square" lIns="0" tIns="0" rIns="0" bIns="0" rtlCol="0" anchor="b">
-              <a:spAutoFit/>
+            <a:bodyPr rot="0" spcFirstLastPara="0" vertOverflow="overflow" horzOverflow="overflow" vert="horz" wrap="square" lIns="179285" tIns="143428" rIns="179285" bIns="143428" numCol="1" spcCol="0" rtlCol="0" fromWordArt="0" anchor="ctr" anchorCtr="0" forceAA="0" compatLnSpc="1">
+              <a:prstTxWarp prst="textNoShape">
+                <a:avLst/>
+              </a:prstTxWarp>
+              <a:noAutofit/>
             </a:bodyPr>
-            <a:lstStyle>
-              <a:lvl1pPr algn="l" defTabSz="932742" rtl="0" eaLnBrk="1" latinLnBrk="0" hangingPunct="1">
+            <a:lstStyle/>
+            <a:p>
+              <a:pPr marL="0" marR="0" lvl="0" indent="0" algn="ctr" defTabSz="914102" rtl="0" eaLnBrk="1" fontAlgn="base" latinLnBrk="0" hangingPunct="1">
                 <a:lnSpc>
                   <a:spcPct val="90000"/>
                 </a:lnSpc>
                 <a:spcBef>
                   <a:spcPct val="0"/>
                 </a:spcBef>
-                <a:buNone/>
-                <a:defRPr lang="en-US" sz="5400" b="0" kern="1200" cap="none" spc="-102" baseline="0">
-                  <a:ln w="3175">
-                    <a:noFill/>
-                  </a:ln>
-                  <a:gradFill>
-                    <a:gsLst>
-                      <a:gs pos="2655">
-                        <a:schemeClr val="tx1"/>
-                      </a:gs>
-                      <a:gs pos="31000">
-                        <a:schemeClr val="tx1"/>
-                      </a:gs>
-                    </a:gsLst>
-                    <a:lin ang="5400000" scaled="0"/>
-                  </a:gradFill>
-                  <a:effectLst/>
-                  <a:latin typeface="+mj-lt"/>
-                  <a:ea typeface="+mn-ea"/>
-                  <a:cs typeface="Segoe UI" pitchFamily="34" charset="0"/>
-                </a:defRPr>
-              </a:lvl1pPr>
-            </a:lstStyle>
-            <a:p>
-              <a:pPr marL="0" marR="0" lvl="0" indent="0" algn="ctr" defTabSz="914367" rtl="0" eaLnBrk="1" fontAlgn="auto" latinLnBrk="0" hangingPunct="1">
-                <a:lnSpc>
-                  <a:spcPct val="100000"/>
-                </a:lnSpc>
-                <a:spcBef>
+                <a:spcAft>
                   <a:spcPct val="0"/>
-                </a:spcBef>
-                <a:spcAft>
-                  <a:spcPts val="0"/>
                 </a:spcAft>
                 <a:buClrTx/>
                 <a:buSzTx/>
@@ -3511,32 +3874,29 @@
                 <a:tabLst/>
                 <a:defRPr/>
               </a:pPr>
-              <a:r>
-                <a:rPr kumimoji="0" lang="en-US" sz="1400" b="0" i="0" u="none" strike="noStrike" kern="1200" cap="none" spc="0" normalizeH="0" baseline="0" noProof="0" dirty="0">
-                  <a:ln w="3175">
-                    <a:noFill/>
-                  </a:ln>
-                  <a:solidFill>
-                    <a:srgbClr val="000000"/>
-                  </a:solidFill>
-                  <a:effectLst/>
-                  <a:uLnTx/>
-                  <a:uFillTx/>
-                  <a:latin typeface="Segoe UI Semibold" panose="020B0702040204020203" pitchFamily="34" charset="0"/>
-                  <a:ea typeface="+mn-ea"/>
-                  <a:cs typeface="Segoe UI Semibold" panose="020B0702040204020203" pitchFamily="34" charset="0"/>
-                </a:rPr>
-                <a:t>Kubernetes cluster</a:t>
-              </a:r>
+              <a:endParaRPr kumimoji="0" lang="en-US" sz="1176" b="0" i="0" u="none" strike="noStrike" kern="1200" cap="none" spc="0" normalizeH="0" baseline="0" noProof="0">
+                <a:ln>
+                  <a:noFill/>
+                </a:ln>
+                <a:solidFill>
+                  <a:srgbClr val="3C3C41"/>
+                </a:solidFill>
+                <a:effectLst/>
+                <a:uLnTx/>
+                <a:uFillTx/>
+                <a:latin typeface="Segoe UI"/>
+                <a:ea typeface="+mn-ea"/>
+                <a:cs typeface="Segoe UI" pitchFamily="34" charset="0"/>
+              </a:endParaRPr>
             </a:p>
           </p:txBody>
         </p:sp>
         <p:grpSp>
           <p:nvGrpSpPr>
-            <p:cNvPr id="7" name="Group 6">
+            <p:cNvPr id="13" name="Group 12">
               <a:extLst>
                 <a:ext uri="{FF2B5EF4-FFF2-40B4-BE49-F238E27FC236}">
-                  <a16:creationId xmlns:a16="http://schemas.microsoft.com/office/drawing/2014/main" id="{125FA0EC-3DAD-4CF9-8A31-08732040AC0D}"/>
+                  <a16:creationId xmlns:a16="http://schemas.microsoft.com/office/drawing/2014/main" id="{D40986FC-2A9D-374E-92E9-6407E40187F0}"/>
                 </a:ext>
               </a:extLst>
             </p:cNvPr>
@@ -3545,18 +3905,18 @@
           </p:nvGrpSpPr>
           <p:grpSpPr>
             <a:xfrm>
-              <a:off x="5810789" y="5438128"/>
-              <a:ext cx="1049934" cy="918594"/>
-              <a:chOff x="6339270" y="2492543"/>
-              <a:chExt cx="1049934" cy="918594"/>
+              <a:off x="6701203" y="2594427"/>
+              <a:ext cx="539562" cy="539562"/>
+              <a:chOff x="5992023" y="2961705"/>
+              <a:chExt cx="685800" cy="685800"/>
             </a:xfrm>
           </p:grpSpPr>
           <p:sp>
             <p:nvSpPr>
-              <p:cNvPr id="34" name="Rectangle: Rounded Corners 118">
+              <p:cNvPr id="15" name="Rectangle: Rounded Corners 118">
                 <a:extLst>
                   <a:ext uri="{FF2B5EF4-FFF2-40B4-BE49-F238E27FC236}">
-                    <a16:creationId xmlns:a16="http://schemas.microsoft.com/office/drawing/2014/main" id="{4021077E-0A2A-45D9-B847-4A8BDFBE280D}"/>
+                    <a16:creationId xmlns:a16="http://schemas.microsoft.com/office/drawing/2014/main" id="{9F9C78F0-3D25-B044-B5B6-8AF0BBCBCC8F}"/>
                   </a:ext>
                 </a:extLst>
               </p:cNvPr>
@@ -3565,8 +3925,8 @@
             </p:nvSpPr>
             <p:spPr bwMode="auto">
               <a:xfrm>
-                <a:off x="6546125" y="2492543"/>
-                <a:ext cx="539562" cy="539562"/>
+                <a:off x="5992023" y="2961705"/>
+                <a:ext cx="685800" cy="685800"/>
               </a:xfrm>
               <a:prstGeom prst="roundRect">
                 <a:avLst>
@@ -3642,341 +4002,364 @@
               </a:p>
             </p:txBody>
           </p:sp>
-          <p:sp>
-            <p:nvSpPr>
-              <p:cNvPr id="35" name="Rectangle: Rounded Corners 118">
+          <p:pic>
+            <p:nvPicPr>
+              <p:cNvPr id="16" name="Picture 15">
                 <a:extLst>
                   <a:ext uri="{FF2B5EF4-FFF2-40B4-BE49-F238E27FC236}">
-                    <a16:creationId xmlns:a16="http://schemas.microsoft.com/office/drawing/2014/main" id="{53ADE2A7-D70E-4006-87D3-AA9B65CE60AA}"/>
+                    <a16:creationId xmlns:a16="http://schemas.microsoft.com/office/drawing/2014/main" id="{9B23E256-AF09-4841-B269-2081D96922AD}"/>
                   </a:ext>
                 </a:extLst>
               </p:cNvPr>
-              <p:cNvSpPr/>
+              <p:cNvPicPr>
+                <a:picLocks noChangeAspect="1"/>
+              </p:cNvPicPr>
               <p:nvPr/>
-            </p:nvSpPr>
-            <p:spPr bwMode="auto">
-              <a:xfrm>
-                <a:off x="6623664" y="2543485"/>
-                <a:ext cx="539562" cy="539562"/>
-              </a:xfrm>
-              <a:prstGeom prst="roundRect">
-                <a:avLst>
-                  <a:gd name="adj" fmla="val 3125"/>
-                </a:avLst>
-              </a:prstGeom>
-              <a:solidFill>
-                <a:srgbClr val="FFFFFF"/>
-              </a:solidFill>
-              <a:ln w="12700">
-                <a:solidFill>
-                  <a:srgbClr val="000000"/>
-                </a:solidFill>
-                <a:headEnd type="none" w="med" len="med"/>
-                <a:tailEnd type="none" w="med" len="med"/>
-              </a:ln>
-              <a:effectLst/>
-            </p:spPr>
-            <p:style>
-              <a:lnRef idx="1">
-                <a:schemeClr val="accent2"/>
-              </a:lnRef>
-              <a:fillRef idx="3">
-                <a:schemeClr val="accent2"/>
-              </a:fillRef>
-              <a:effectRef idx="2">
-                <a:schemeClr val="accent2"/>
-              </a:effectRef>
-              <a:fontRef idx="minor">
-                <a:schemeClr val="lt1"/>
-              </a:fontRef>
-            </p:style>
-            <p:txBody>
-              <a:bodyPr rot="0" spcFirstLastPara="0" vertOverflow="overflow" horzOverflow="overflow" vert="horz" wrap="square" lIns="179285" tIns="143428" rIns="179285" bIns="143428" numCol="1" spcCol="0" rtlCol="0" fromWordArt="0" anchor="ctr" anchorCtr="0" forceAA="0" compatLnSpc="1">
-                <a:prstTxWarp prst="textNoShape">
-                  <a:avLst/>
-                </a:prstTxWarp>
-                <a:noAutofit/>
-              </a:bodyPr>
-              <a:lstStyle/>
-              <a:p>
-                <a:pPr marL="0" marR="0" lvl="0" indent="0" algn="ctr" defTabSz="914102" rtl="0" eaLnBrk="1" fontAlgn="base" latinLnBrk="0" hangingPunct="1">
-                  <a:lnSpc>
-                    <a:spcPct val="90000"/>
-                  </a:lnSpc>
-                  <a:spcBef>
-                    <a:spcPct val="0"/>
-                  </a:spcBef>
-                  <a:spcAft>
-                    <a:spcPct val="0"/>
-                  </a:spcAft>
-                  <a:buClrTx/>
-                  <a:buSzTx/>
-                  <a:buFontTx/>
-                  <a:buNone/>
-                  <a:tabLst/>
-                  <a:defRPr/>
-                </a:pPr>
-                <a:endParaRPr kumimoji="0" lang="en-US" sz="1176" b="0" i="0" u="none" strike="noStrike" kern="1200" cap="none" spc="0" normalizeH="0" baseline="0" noProof="0">
-                  <a:ln>
-                    <a:noFill/>
-                  </a:ln>
-                  <a:solidFill>
-                    <a:srgbClr val="3C3C41"/>
-                  </a:solidFill>
-                  <a:effectLst/>
-                  <a:uLnTx/>
-                  <a:uFillTx/>
-                  <a:latin typeface="Segoe UI"/>
-                  <a:ea typeface="+mn-ea"/>
-                  <a:cs typeface="Segoe UI" pitchFamily="34" charset="0"/>
-                </a:endParaRPr>
-              </a:p>
-            </p:txBody>
-          </p:sp>
-          <p:grpSp>
-            <p:nvGrpSpPr>
-              <p:cNvPr id="36" name="Group 35">
-                <a:extLst>
-                  <a:ext uri="{FF2B5EF4-FFF2-40B4-BE49-F238E27FC236}">
-                    <a16:creationId xmlns:a16="http://schemas.microsoft.com/office/drawing/2014/main" id="{4E65B26B-19E7-4C3B-B1C7-018256A8525E}"/>
-                  </a:ext>
-                </a:extLst>
-              </p:cNvPr>
-              <p:cNvGrpSpPr/>
-              <p:nvPr/>
-            </p:nvGrpSpPr>
-            <p:grpSpPr>
-              <a:xfrm>
-                <a:off x="6701203" y="2594427"/>
-                <a:ext cx="539562" cy="539562"/>
-                <a:chOff x="5992023" y="2961705"/>
-                <a:chExt cx="685800" cy="685800"/>
-              </a:xfrm>
-            </p:grpSpPr>
-            <p:sp>
-              <p:nvSpPr>
-                <p:cNvPr id="38" name="Rectangle: Rounded Corners 118">
-                  <a:extLst>
-                    <a:ext uri="{FF2B5EF4-FFF2-40B4-BE49-F238E27FC236}">
-                      <a16:creationId xmlns:a16="http://schemas.microsoft.com/office/drawing/2014/main" id="{3193163B-FB06-4B31-9ECB-09B62A2D0497}"/>
-                    </a:ext>
-                  </a:extLst>
-                </p:cNvPr>
-                <p:cNvSpPr/>
-                <p:nvPr/>
-              </p:nvSpPr>
-              <p:spPr bwMode="auto">
-                <a:xfrm>
-                  <a:off x="5992023" y="2961705"/>
-                  <a:ext cx="685800" cy="685800"/>
-                </a:xfrm>
-                <a:prstGeom prst="roundRect">
-                  <a:avLst>
-                    <a:gd name="adj" fmla="val 3125"/>
-                  </a:avLst>
-                </a:prstGeom>
-                <a:solidFill>
-                  <a:srgbClr val="FFFFFF"/>
-                </a:solidFill>
-                <a:ln w="12700">
-                  <a:solidFill>
-                    <a:srgbClr val="000000"/>
-                  </a:solidFill>
-                  <a:headEnd type="none" w="med" len="med"/>
-                  <a:tailEnd type="none" w="med" len="med"/>
-                </a:ln>
-                <a:effectLst/>
-              </p:spPr>
-              <p:style>
-                <a:lnRef idx="1">
-                  <a:schemeClr val="accent2"/>
-                </a:lnRef>
-                <a:fillRef idx="3">
-                  <a:schemeClr val="accent2"/>
-                </a:fillRef>
-                <a:effectRef idx="2">
-                  <a:schemeClr val="accent2"/>
-                </a:effectRef>
-                <a:fontRef idx="minor">
-                  <a:schemeClr val="lt1"/>
-                </a:fontRef>
-              </p:style>
-              <p:txBody>
-                <a:bodyPr rot="0" spcFirstLastPara="0" vertOverflow="overflow" horzOverflow="overflow" vert="horz" wrap="square" lIns="179285" tIns="143428" rIns="179285" bIns="143428" numCol="1" spcCol="0" rtlCol="0" fromWordArt="0" anchor="ctr" anchorCtr="0" forceAA="0" compatLnSpc="1">
-                  <a:prstTxWarp prst="textNoShape">
-                    <a:avLst/>
-                  </a:prstTxWarp>
-                  <a:noAutofit/>
-                </a:bodyPr>
-                <a:lstStyle/>
-                <a:p>
-                  <a:pPr marL="0" marR="0" lvl="0" indent="0" algn="ctr" defTabSz="914102" rtl="0" eaLnBrk="1" fontAlgn="base" latinLnBrk="0" hangingPunct="1">
-                    <a:lnSpc>
-                      <a:spcPct val="90000"/>
-                    </a:lnSpc>
-                    <a:spcBef>
-                      <a:spcPct val="0"/>
-                    </a:spcBef>
-                    <a:spcAft>
-                      <a:spcPct val="0"/>
-                    </a:spcAft>
-                    <a:buClrTx/>
-                    <a:buSzTx/>
-                    <a:buFontTx/>
-                    <a:buNone/>
-                    <a:tabLst/>
-                    <a:defRPr/>
-                  </a:pPr>
-                  <a:endParaRPr kumimoji="0" lang="en-US" sz="1176" b="0" i="0" u="none" strike="noStrike" kern="1200" cap="none" spc="0" normalizeH="0" baseline="0" noProof="0">
-                    <a:ln>
-                      <a:noFill/>
-                    </a:ln>
-                    <a:solidFill>
-                      <a:srgbClr val="3C3C41"/>
-                    </a:solidFill>
-                    <a:effectLst/>
-                    <a:uLnTx/>
-                    <a:uFillTx/>
-                    <a:latin typeface="Segoe UI"/>
-                    <a:ea typeface="+mn-ea"/>
-                    <a:cs typeface="Segoe UI" pitchFamily="34" charset="0"/>
-                  </a:endParaRPr>
-                </a:p>
-              </p:txBody>
-            </p:sp>
-            <p:pic>
-              <p:nvPicPr>
-                <p:cNvPr id="39" name="Picture 38">
-                  <a:extLst>
-                    <a:ext uri="{FF2B5EF4-FFF2-40B4-BE49-F238E27FC236}">
-                      <a16:creationId xmlns:a16="http://schemas.microsoft.com/office/drawing/2014/main" id="{0030DE25-DA76-4194-94AA-A07572DA29E2}"/>
-                    </a:ext>
-                  </a:extLst>
-                </p:cNvPr>
-                <p:cNvPicPr>
-                  <a:picLocks noChangeAspect="1"/>
-                </p:cNvPicPr>
-                <p:nvPr/>
-              </p:nvPicPr>
-              <p:blipFill rotWithShape="1">
-                <a:blip r:embed="rId2"/>
-                <a:srcRect l="17556" t="20554" r="29194" b="26091"/>
-                <a:stretch/>
-              </p:blipFill>
-              <p:spPr>
-                <a:xfrm>
-                  <a:off x="6084191" y="3141085"/>
-                  <a:ext cx="501465" cy="327041"/>
-                </a:xfrm>
-                <a:prstGeom prst="rect">
-                  <a:avLst/>
-                </a:prstGeom>
-              </p:spPr>
-            </p:pic>
-          </p:grpSp>
-          <p:sp>
-            <p:nvSpPr>
-              <p:cNvPr id="37" name="Title 1">
-                <a:extLst>
-                  <a:ext uri="{FF2B5EF4-FFF2-40B4-BE49-F238E27FC236}">
-                    <a16:creationId xmlns:a16="http://schemas.microsoft.com/office/drawing/2014/main" id="{6AC2A3ED-2AA2-4511-8850-B2BB9D1846B8}"/>
-                  </a:ext>
-                </a:extLst>
-              </p:cNvPr>
-              <p:cNvSpPr txBox="1">
-                <a:spLocks/>
-              </p:cNvSpPr>
-              <p:nvPr/>
-            </p:nvSpPr>
+            </p:nvPicPr>
+            <p:blipFill rotWithShape="1">
+              <a:blip r:embed="rId2"/>
+              <a:srcRect l="17556" t="20554" r="29194" b="26091"/>
+              <a:stretch/>
+            </p:blipFill>
             <p:spPr>
               <a:xfrm>
-                <a:off x="6339270" y="3184931"/>
-                <a:ext cx="1049934" cy="226206"/>
+                <a:off x="6084191" y="3141085"/>
+                <a:ext cx="501465" cy="327041"/>
               </a:xfrm>
               <a:prstGeom prst="rect">
                 <a:avLst/>
               </a:prstGeom>
             </p:spPr>
-            <p:txBody>
-              <a:bodyPr vert="horz" wrap="square" lIns="0" tIns="44821" rIns="0" bIns="0" rtlCol="0" anchor="b">
-                <a:spAutoFit/>
-              </a:bodyPr>
-              <a:lstStyle>
-                <a:lvl1pPr algn="l" defTabSz="932742" rtl="0" eaLnBrk="1" latinLnBrk="0" hangingPunct="1">
-                  <a:lnSpc>
-                    <a:spcPct val="90000"/>
-                  </a:lnSpc>
-                  <a:spcBef>
-                    <a:spcPct val="0"/>
-                  </a:spcBef>
-                  <a:buNone/>
-                  <a:defRPr lang="en-US" sz="5400" b="0" kern="1200" cap="none" spc="-102" baseline="0">
-                    <a:ln w="3175">
-                      <a:noFill/>
-                    </a:ln>
-                    <a:gradFill>
-                      <a:gsLst>
-                        <a:gs pos="2655">
-                          <a:schemeClr val="tx1"/>
-                        </a:gs>
-                        <a:gs pos="31000">
-                          <a:schemeClr val="tx1"/>
-                        </a:gs>
-                      </a:gsLst>
-                      <a:lin ang="5400000" scaled="0"/>
-                    </a:gradFill>
-                    <a:effectLst/>
-                    <a:latin typeface="+mj-lt"/>
-                    <a:ea typeface="+mn-ea"/>
-                    <a:cs typeface="Segoe UI" pitchFamily="34" charset="0"/>
-                  </a:defRPr>
-                </a:lvl1pPr>
-              </a:lstStyle>
-              <a:p>
-                <a:pPr marL="0" marR="0" lvl="0" indent="0" algn="ctr" defTabSz="914367" rtl="0" eaLnBrk="1" fontAlgn="auto" latinLnBrk="0" hangingPunct="1">
-                  <a:lnSpc>
-                    <a:spcPct val="100000"/>
-                  </a:lnSpc>
-                  <a:spcBef>
-                    <a:spcPct val="0"/>
-                  </a:spcBef>
-                  <a:spcAft>
-                    <a:spcPts val="0"/>
-                  </a:spcAft>
-                  <a:buClrTx/>
-                  <a:buSzTx/>
-                  <a:buFontTx/>
-                  <a:buNone/>
-                  <a:tabLst/>
-                  <a:defRPr/>
-                </a:pPr>
-                <a:r>
-                  <a:rPr kumimoji="0" lang="en-US" sz="1176" b="0" i="0" u="none" strike="noStrike" kern="1200" cap="none" spc="0" normalizeH="0" baseline="0" noProof="0" dirty="0">
-                    <a:ln w="3175">
-                      <a:noFill/>
-                    </a:ln>
-                    <a:solidFill>
-                      <a:srgbClr val="000000"/>
-                    </a:solidFill>
-                    <a:effectLst/>
-                    <a:uLnTx/>
-                    <a:uFillTx/>
-                    <a:latin typeface="Segoe UI Semibold" panose="020B0702040204020203" pitchFamily="34" charset="0"/>
-                    <a:ea typeface="+mn-ea"/>
-                    <a:cs typeface="Segoe UI Semibold" panose="020B0702040204020203" pitchFamily="34" charset="0"/>
-                  </a:rPr>
-                  <a:t>Function pods</a:t>
-                </a:r>
-              </a:p>
-            </p:txBody>
-          </p:sp>
+          </p:pic>
         </p:grpSp>
         <p:sp>
           <p:nvSpPr>
-            <p:cNvPr id="8" name="Rectangle: Rounded Corners 118">
+            <p:cNvPr id="14" name="Title 1">
               <a:extLst>
                 <a:ext uri="{FF2B5EF4-FFF2-40B4-BE49-F238E27FC236}">
-                  <a16:creationId xmlns:a16="http://schemas.microsoft.com/office/drawing/2014/main" id="{D1A32EB4-189E-4C9A-8A13-462E1584CD57}"/>
+                  <a16:creationId xmlns:a16="http://schemas.microsoft.com/office/drawing/2014/main" id="{F3AE3AB6-4F21-6A48-89E6-2DB813AB4ED8}"/>
+                </a:ext>
+              </a:extLst>
+            </p:cNvPr>
+            <p:cNvSpPr txBox="1">
+              <a:spLocks/>
+            </p:cNvSpPr>
+            <p:nvPr/>
+          </p:nvSpPr>
+          <p:spPr>
+            <a:xfrm>
+              <a:off x="6339270" y="3184931"/>
+              <a:ext cx="1049934" cy="226206"/>
+            </a:xfrm>
+            <a:prstGeom prst="rect">
+              <a:avLst/>
+            </a:prstGeom>
+          </p:spPr>
+          <p:txBody>
+            <a:bodyPr vert="horz" wrap="square" lIns="0" tIns="44821" rIns="0" bIns="0" rtlCol="0" anchor="b">
+              <a:spAutoFit/>
+            </a:bodyPr>
+            <a:lstStyle>
+              <a:lvl1pPr algn="l" defTabSz="932742" rtl="0" eaLnBrk="1" latinLnBrk="0" hangingPunct="1">
+                <a:lnSpc>
+                  <a:spcPct val="90000"/>
+                </a:lnSpc>
+                <a:spcBef>
+                  <a:spcPct val="0"/>
+                </a:spcBef>
+                <a:buNone/>
+                <a:defRPr lang="en-US" sz="5400" b="0" kern="1200" cap="none" spc="-102" baseline="0">
+                  <a:ln w="3175">
+                    <a:noFill/>
+                  </a:ln>
+                  <a:gradFill>
+                    <a:gsLst>
+                      <a:gs pos="2655">
+                        <a:schemeClr val="tx1"/>
+                      </a:gs>
+                      <a:gs pos="31000">
+                        <a:schemeClr val="tx1"/>
+                      </a:gs>
+                    </a:gsLst>
+                    <a:lin ang="5400000" scaled="0"/>
+                  </a:gradFill>
+                  <a:effectLst/>
+                  <a:latin typeface="+mj-lt"/>
+                  <a:ea typeface="+mn-ea"/>
+                  <a:cs typeface="Segoe UI" pitchFamily="34" charset="0"/>
+                </a:defRPr>
+              </a:lvl1pPr>
+            </a:lstStyle>
+            <a:p>
+              <a:pPr marL="0" marR="0" lvl="0" indent="0" algn="ctr" defTabSz="914367" rtl="0" eaLnBrk="1" fontAlgn="auto" latinLnBrk="0" hangingPunct="1">
+                <a:lnSpc>
+                  <a:spcPct val="100000"/>
+                </a:lnSpc>
+                <a:spcBef>
+                  <a:spcPct val="0"/>
+                </a:spcBef>
+                <a:spcAft>
+                  <a:spcPts val="0"/>
+                </a:spcAft>
+                <a:buClrTx/>
+                <a:buSzTx/>
+                <a:buFontTx/>
+                <a:buNone/>
+                <a:tabLst/>
+                <a:defRPr/>
+              </a:pPr>
+              <a:r>
+                <a:rPr kumimoji="0" lang="en-US" sz="1176" b="0" i="0" u="none" strike="noStrike" kern="1200" cap="none" spc="0" normalizeH="0" baseline="0" noProof="0" dirty="0">
+                  <a:ln w="3175">
+                    <a:noFill/>
+                  </a:ln>
+                  <a:solidFill>
+                    <a:srgbClr val="000000"/>
+                  </a:solidFill>
+                  <a:effectLst/>
+                  <a:uLnTx/>
+                  <a:uFillTx/>
+                  <a:latin typeface="Segoe UI Semibold" panose="020B0702040204020203" pitchFamily="34" charset="0"/>
+                  <a:ea typeface="+mn-ea"/>
+                  <a:cs typeface="Segoe UI Semibold" panose="020B0702040204020203" pitchFamily="34" charset="0"/>
+                </a:rPr>
+                <a:t>Workload</a:t>
+              </a:r>
+            </a:p>
+          </p:txBody>
+        </p:sp>
+      </p:grpSp>
+      <p:sp>
+        <p:nvSpPr>
+          <p:cNvPr id="17" name="Rectangle: Rounded Corners 118">
+            <a:extLst>
+              <a:ext uri="{FF2B5EF4-FFF2-40B4-BE49-F238E27FC236}">
+                <a16:creationId xmlns:a16="http://schemas.microsoft.com/office/drawing/2014/main" id="{878DDE77-7EF3-DD4B-86B3-B3298E3BE5AA}"/>
+              </a:ext>
+            </a:extLst>
+          </p:cNvPr>
+          <p:cNvSpPr/>
+          <p:nvPr/>
+        </p:nvSpPr>
+        <p:spPr bwMode="auto">
+          <a:xfrm>
+            <a:off x="3548768" y="3093346"/>
+            <a:ext cx="1196534" cy="683749"/>
+          </a:xfrm>
+          <a:prstGeom prst="roundRect">
+            <a:avLst>
+              <a:gd name="adj" fmla="val 3125"/>
+            </a:avLst>
+          </a:prstGeom>
+          <a:solidFill>
+            <a:srgbClr val="FFFFFF"/>
+          </a:solidFill>
+          <a:ln w="12700">
+            <a:solidFill>
+              <a:srgbClr val="000000"/>
+            </a:solidFill>
+            <a:headEnd type="none" w="med" len="med"/>
+            <a:tailEnd type="none" w="med" len="med"/>
+          </a:ln>
+          <a:effectLst/>
+        </p:spPr>
+        <p:style>
+          <a:lnRef idx="1">
+            <a:schemeClr val="accent2"/>
+          </a:lnRef>
+          <a:fillRef idx="3">
+            <a:schemeClr val="accent2"/>
+          </a:fillRef>
+          <a:effectRef idx="2">
+            <a:schemeClr val="accent2"/>
+          </a:effectRef>
+          <a:fontRef idx="minor">
+            <a:schemeClr val="lt1"/>
+          </a:fontRef>
+        </p:style>
+        <p:txBody>
+          <a:bodyPr rot="0" spcFirstLastPara="0" vertOverflow="overflow" horzOverflow="overflow" vert="horz" wrap="square" lIns="179285" tIns="143428" rIns="179285" bIns="143428" numCol="1" spcCol="0" rtlCol="0" fromWordArt="0" anchor="ctr" anchorCtr="0" forceAA="0" compatLnSpc="1">
+            <a:prstTxWarp prst="textNoShape">
+              <a:avLst/>
+            </a:prstTxWarp>
+            <a:noAutofit/>
+          </a:bodyPr>
+          <a:lstStyle/>
+          <a:p>
+            <a:pPr lvl="0" algn="ctr" defTabSz="914367">
+              <a:spcBef>
+                <a:spcPct val="0"/>
+              </a:spcBef>
+              <a:defRPr/>
+            </a:pPr>
+            <a:r>
+              <a:rPr lang="en-US" sz="1176" dirty="0">
+                <a:ln w="3175">
+                  <a:noFill/>
+                </a:ln>
+                <a:solidFill>
+                  <a:srgbClr val="000000"/>
+                </a:solidFill>
+                <a:latin typeface="Segoe UI Semibold" panose="020B0702040204020203" pitchFamily="34" charset="0"/>
+                <a:cs typeface="Segoe UI Semibold" panose="020B0702040204020203" pitchFamily="34" charset="0"/>
+              </a:rPr>
+              <a:t>Horizontal</a:t>
+            </a:r>
+          </a:p>
+          <a:p>
+            <a:pPr lvl="0" algn="ctr" defTabSz="914367">
+              <a:spcBef>
+                <a:spcPct val="0"/>
+              </a:spcBef>
+              <a:defRPr/>
+            </a:pPr>
+            <a:r>
+              <a:rPr lang="en-US" sz="1176" dirty="0">
+                <a:ln w="3175">
+                  <a:noFill/>
+                </a:ln>
+                <a:solidFill>
+                  <a:srgbClr val="000000"/>
+                </a:solidFill>
+                <a:latin typeface="Segoe UI Semibold" panose="020B0702040204020203" pitchFamily="34" charset="0"/>
+                <a:cs typeface="Segoe UI Semibold" panose="020B0702040204020203" pitchFamily="34" charset="0"/>
+              </a:rPr>
+              <a:t>pod autoscaler</a:t>
+            </a:r>
+          </a:p>
+        </p:txBody>
+      </p:sp>
+      <p:sp>
+        <p:nvSpPr>
+          <p:cNvPr id="18" name="Cylinder 83">
+            <a:extLst>
+              <a:ext uri="{FF2B5EF4-FFF2-40B4-BE49-F238E27FC236}">
+                <a16:creationId xmlns:a16="http://schemas.microsoft.com/office/drawing/2014/main" id="{27040FDA-C58E-9E4A-8D3A-57E09678A7D7}"/>
+              </a:ext>
+            </a:extLst>
+          </p:cNvPr>
+          <p:cNvSpPr/>
+          <p:nvPr/>
+        </p:nvSpPr>
+        <p:spPr bwMode="auto">
+          <a:xfrm>
+            <a:off x="5745185" y="1459708"/>
+            <a:ext cx="1421236" cy="754061"/>
+          </a:xfrm>
+          <a:prstGeom prst="can">
+            <a:avLst/>
+          </a:prstGeom>
+          <a:noFill/>
+          <a:ln w="19050">
+            <a:solidFill>
+              <a:schemeClr val="tx1"/>
+            </a:solidFill>
+            <a:headEnd type="none" w="med" len="med"/>
+            <a:tailEnd type="none" w="med" len="med"/>
+          </a:ln>
+          <a:effectLst/>
+        </p:spPr>
+        <p:style>
+          <a:lnRef idx="1">
+            <a:schemeClr val="accent2"/>
+          </a:lnRef>
+          <a:fillRef idx="3">
+            <a:schemeClr val="accent2"/>
+          </a:fillRef>
+          <a:effectRef idx="2">
+            <a:schemeClr val="accent2"/>
+          </a:effectRef>
+          <a:fontRef idx="minor">
+            <a:schemeClr val="lt1"/>
+          </a:fontRef>
+        </p:style>
+        <p:txBody>
+          <a:bodyPr rot="0" spcFirstLastPara="0" vertOverflow="overflow" horzOverflow="overflow" vert="horz" wrap="square" lIns="182880" tIns="146304" rIns="182880" bIns="146304" numCol="1" spcCol="0" rtlCol="0" fromWordArt="0" anchor="ctr" anchorCtr="0" forceAA="0" compatLnSpc="1">
+            <a:prstTxWarp prst="textNoShape">
+              <a:avLst/>
+            </a:prstTxWarp>
+            <a:noAutofit/>
+          </a:bodyPr>
+          <a:lstStyle/>
+          <a:p>
+            <a:pPr algn="ctr" defTabSz="932472" fontAlgn="base">
+              <a:lnSpc>
+                <a:spcPct val="90000"/>
+              </a:lnSpc>
+              <a:spcBef>
+                <a:spcPct val="0"/>
+              </a:spcBef>
+              <a:spcAft>
+                <a:spcPct val="0"/>
+              </a:spcAft>
+            </a:pPr>
+            <a:r>
+              <a:rPr lang="en-US" sz="1176" dirty="0">
+                <a:ln w="3175">
+                  <a:noFill/>
+                </a:ln>
+                <a:solidFill>
+                  <a:srgbClr val="000000"/>
+                </a:solidFill>
+                <a:latin typeface="Segoe UI Semibold" panose="020B0702040204020203" pitchFamily="34" charset="0"/>
+                <a:cs typeface="Segoe UI Semibold" panose="020B0702040204020203" pitchFamily="34" charset="0"/>
+              </a:rPr>
+              <a:t>Kubernetes</a:t>
+            </a:r>
+            <a:br>
+              <a:rPr lang="en-US" sz="1176" dirty="0">
+                <a:ln w="3175">
+                  <a:noFill/>
+                </a:ln>
+                <a:solidFill>
+                  <a:srgbClr val="000000"/>
+                </a:solidFill>
+                <a:latin typeface="Segoe UI Semibold" panose="020B0702040204020203" pitchFamily="34" charset="0"/>
+                <a:cs typeface="Segoe UI Semibold" panose="020B0702040204020203" pitchFamily="34" charset="0"/>
+              </a:rPr>
+            </a:br>
+            <a:r>
+              <a:rPr lang="en-US" sz="1176" dirty="0">
+                <a:ln w="3175">
+                  <a:noFill/>
+                </a:ln>
+                <a:solidFill>
+                  <a:srgbClr val="000000"/>
+                </a:solidFill>
+                <a:latin typeface="Segoe UI Semibold" panose="020B0702040204020203" pitchFamily="34" charset="0"/>
+                <a:cs typeface="Segoe UI Semibold" panose="020B0702040204020203" pitchFamily="34" charset="0"/>
+              </a:rPr>
+              <a:t>API Server</a:t>
+            </a:r>
+          </a:p>
+        </p:txBody>
+      </p:sp>
+      <p:grpSp>
+        <p:nvGrpSpPr>
+          <p:cNvPr id="19" name="Group 18">
+            <a:extLst>
+              <a:ext uri="{FF2B5EF4-FFF2-40B4-BE49-F238E27FC236}">
+                <a16:creationId xmlns:a16="http://schemas.microsoft.com/office/drawing/2014/main" id="{F5F1290B-E62C-D94B-B0A8-26AEA324FF5A}"/>
+              </a:ext>
+            </a:extLst>
+          </p:cNvPr>
+          <p:cNvGrpSpPr/>
+          <p:nvPr/>
+        </p:nvGrpSpPr>
+        <p:grpSpPr>
+          <a:xfrm>
+            <a:off x="5175067" y="2810211"/>
+            <a:ext cx="4325970" cy="1244374"/>
+            <a:chOff x="4606693" y="4671875"/>
+            <a:chExt cx="4325970" cy="1244374"/>
+          </a:xfrm>
+        </p:grpSpPr>
+        <p:sp>
+          <p:nvSpPr>
+            <p:cNvPr id="20" name="Rectangle: Rounded Corners 118">
+              <a:extLst>
+                <a:ext uri="{FF2B5EF4-FFF2-40B4-BE49-F238E27FC236}">
+                  <a16:creationId xmlns:a16="http://schemas.microsoft.com/office/drawing/2014/main" id="{AB5EF35D-E7F9-E84C-A08E-45200C3D8921}"/>
                 </a:ext>
               </a:extLst>
             </p:cNvPr>
@@ -3985,8 +4368,8 @@
           </p:nvSpPr>
           <p:spPr bwMode="auto">
             <a:xfrm>
-              <a:off x="3793712" y="3516041"/>
-              <a:ext cx="1196534" cy="683749"/>
+              <a:off x="4606693" y="4671875"/>
+              <a:ext cx="4325970" cy="1244374"/>
             </a:xfrm>
             <a:prstGeom prst="roundRect">
               <a:avLst>
@@ -3994,11 +4377,11 @@
               </a:avLst>
             </a:prstGeom>
             <a:solidFill>
-              <a:srgbClr val="FFFFFF"/>
+              <a:srgbClr val="FCFDFE"/>
             </a:solidFill>
-            <a:ln w="12700">
+            <a:ln w="25400">
               <a:solidFill>
-                <a:srgbClr val="000000"/>
+                <a:srgbClr val="0F78D4"/>
               </a:solidFill>
               <a:headEnd type="none" w="med" len="med"/>
               <a:tailEnd type="none" w="med" len="med"/>
@@ -4028,55 +4411,46 @@
             </a:bodyPr>
             <a:lstStyle/>
             <a:p>
-              <a:pPr lvl="0" algn="ctr" defTabSz="914367">
+              <a:pPr marL="0" marR="0" lvl="0" indent="0" algn="ctr" defTabSz="914102" rtl="0" eaLnBrk="1" fontAlgn="base" latinLnBrk="0" hangingPunct="1">
+                <a:lnSpc>
+                  <a:spcPct val="90000"/>
+                </a:lnSpc>
                 <a:spcBef>
                   <a:spcPct val="0"/>
                 </a:spcBef>
+                <a:spcAft>
+                  <a:spcPct val="0"/>
+                </a:spcAft>
+                <a:buClrTx/>
+                <a:buSzTx/>
+                <a:buFontTx/>
+                <a:buNone/>
+                <a:tabLst/>
                 <a:defRPr/>
               </a:pPr>
-              <a:r>
-                <a:rPr lang="en-US" sz="1176" dirty="0">
-                  <a:ln w="3175">
-                    <a:noFill/>
-                  </a:ln>
-                  <a:solidFill>
-                    <a:srgbClr val="000000"/>
-                  </a:solidFill>
-                  <a:latin typeface="Segoe UI Semibold" panose="020B0702040204020203" pitchFamily="34" charset="0"/>
-                  <a:cs typeface="Segoe UI Semibold" panose="020B0702040204020203" pitchFamily="34" charset="0"/>
-                </a:rPr>
-                <a:t>Horizontal</a:t>
-              </a:r>
-            </a:p>
-            <a:p>
-              <a:pPr lvl="0" algn="ctr" defTabSz="914367">
-                <a:spcBef>
-                  <a:spcPct val="0"/>
-                </a:spcBef>
-                <a:defRPr/>
-              </a:pPr>
-              <a:r>
-                <a:rPr lang="en-US" sz="1176" dirty="0">
-                  <a:ln w="3175">
-                    <a:noFill/>
-                  </a:ln>
-                  <a:solidFill>
-                    <a:srgbClr val="000000"/>
-                  </a:solidFill>
-                  <a:latin typeface="Segoe UI Semibold" panose="020B0702040204020203" pitchFamily="34" charset="0"/>
-                  <a:cs typeface="Segoe UI Semibold" panose="020B0702040204020203" pitchFamily="34" charset="0"/>
-                </a:rPr>
-                <a:t>pod autoscaler</a:t>
-              </a:r>
+              <a:endParaRPr kumimoji="0" lang="en-US" sz="1176" b="0" i="0" u="none" strike="noStrike" kern="1200" cap="none" spc="0" normalizeH="0" baseline="0" noProof="0" dirty="0">
+                <a:ln>
+                  <a:noFill/>
+                </a:ln>
+                <a:solidFill>
+                  <a:srgbClr val="3C3C41"/>
+                </a:solidFill>
+                <a:effectLst/>
+                <a:uLnTx/>
+                <a:uFillTx/>
+                <a:latin typeface="Segoe UI"/>
+                <a:ea typeface="+mn-ea"/>
+                <a:cs typeface="Segoe UI" pitchFamily="34" charset="0"/>
+              </a:endParaRPr>
             </a:p>
           </p:txBody>
         </p:sp>
         <p:sp>
           <p:nvSpPr>
-            <p:cNvPr id="9" name="Cylinder 8">
+            <p:cNvPr id="22" name="Rectangle: Rounded Corners 118">
               <a:extLst>
                 <a:ext uri="{FF2B5EF4-FFF2-40B4-BE49-F238E27FC236}">
-                  <a16:creationId xmlns:a16="http://schemas.microsoft.com/office/drawing/2014/main" id="{9D86C537-453F-4873-8F27-424FF02E53B8}"/>
+                  <a16:creationId xmlns:a16="http://schemas.microsoft.com/office/drawing/2014/main" id="{D8B22BC6-443F-8148-8612-5D9865278EBB}"/>
                 </a:ext>
               </a:extLst>
             </p:cNvPr>
@@ -4085,16 +4459,20 @@
           </p:nvSpPr>
           <p:spPr bwMode="auto">
             <a:xfrm>
-              <a:off x="5624369" y="1882403"/>
-              <a:ext cx="1421236" cy="754061"/>
+              <a:off x="4701752" y="5030333"/>
+              <a:ext cx="914400" cy="548640"/>
             </a:xfrm>
-            <a:prstGeom prst="can">
-              <a:avLst/>
+            <a:prstGeom prst="roundRect">
+              <a:avLst>
+                <a:gd name="adj" fmla="val 3125"/>
+              </a:avLst>
             </a:prstGeom>
-            <a:noFill/>
-            <a:ln w="19050">
+            <a:solidFill>
+              <a:srgbClr val="FCFDFE"/>
+            </a:solidFill>
+            <a:ln w="12700">
               <a:solidFill>
-                <a:schemeClr val="tx1"/>
+                <a:srgbClr val="0F78D4"/>
               </a:solidFill>
               <a:headEnd type="none" w="med" len="med"/>
               <a:tailEnd type="none" w="med" len="med"/>
@@ -4116,7 +4494,406 @@
             </a:fontRef>
           </p:style>
           <p:txBody>
-            <a:bodyPr rot="0" spcFirstLastPara="0" vertOverflow="overflow" horzOverflow="overflow" vert="horz" wrap="square" lIns="182880" tIns="146304" rIns="182880" bIns="146304" numCol="1" spcCol="0" rtlCol="0" fromWordArt="0" anchor="ctr" anchorCtr="0" forceAA="0" compatLnSpc="1">
+            <a:bodyPr rot="0" spcFirstLastPara="0" vertOverflow="overflow" horzOverflow="overflow" vert="horz" wrap="square" lIns="179285" tIns="143428" rIns="179285" bIns="143428" numCol="1" spcCol="0" rtlCol="0" fromWordArt="0" anchor="ctr" anchorCtr="0" forceAA="0" compatLnSpc="1">
+              <a:prstTxWarp prst="textNoShape">
+                <a:avLst/>
+              </a:prstTxWarp>
+              <a:noAutofit/>
+            </a:bodyPr>
+            <a:lstStyle/>
+            <a:p>
+              <a:pPr algn="ctr" defTabSz="914102" fontAlgn="base">
+                <a:lnSpc>
+                  <a:spcPct val="90000"/>
+                </a:lnSpc>
+                <a:spcBef>
+                  <a:spcPct val="0"/>
+                </a:spcBef>
+                <a:spcAft>
+                  <a:spcPct val="0"/>
+                </a:spcAft>
+              </a:pPr>
+              <a:r>
+                <a:rPr lang="en-US" sz="1176" dirty="0">
+                  <a:solidFill>
+                    <a:srgbClr val="3C3C41"/>
+                  </a:solidFill>
+                  <a:latin typeface="Segoe UI"/>
+                  <a:cs typeface="Segoe UI" pitchFamily="34" charset="0"/>
+                </a:rPr>
+                <a:t>Metrics adapter</a:t>
+              </a:r>
+            </a:p>
+          </p:txBody>
+        </p:sp>
+        <p:sp>
+          <p:nvSpPr>
+            <p:cNvPr id="23" name="Rectangle: Rounded Corners 118">
+              <a:extLst>
+                <a:ext uri="{FF2B5EF4-FFF2-40B4-BE49-F238E27FC236}">
+                  <a16:creationId xmlns:a16="http://schemas.microsoft.com/office/drawing/2014/main" id="{1E1E78BA-4440-3945-8D03-230852143A61}"/>
+                </a:ext>
+              </a:extLst>
+            </p:cNvPr>
+            <p:cNvSpPr/>
+            <p:nvPr/>
+          </p:nvSpPr>
+          <p:spPr bwMode="auto">
+            <a:xfrm>
+              <a:off x="6818486" y="5030333"/>
+              <a:ext cx="914400" cy="548640"/>
+            </a:xfrm>
+            <a:prstGeom prst="roundRect">
+              <a:avLst>
+                <a:gd name="adj" fmla="val 3125"/>
+              </a:avLst>
+            </a:prstGeom>
+            <a:solidFill>
+              <a:srgbClr val="FCFDFE"/>
+            </a:solidFill>
+            <a:ln w="12700">
+              <a:solidFill>
+                <a:srgbClr val="0F78D4"/>
+              </a:solidFill>
+              <a:headEnd type="none" w="med" len="med"/>
+              <a:tailEnd type="none" w="med" len="med"/>
+            </a:ln>
+            <a:effectLst/>
+          </p:spPr>
+          <p:style>
+            <a:lnRef idx="1">
+              <a:schemeClr val="accent2"/>
+            </a:lnRef>
+            <a:fillRef idx="3">
+              <a:schemeClr val="accent2"/>
+            </a:fillRef>
+            <a:effectRef idx="2">
+              <a:schemeClr val="accent2"/>
+            </a:effectRef>
+            <a:fontRef idx="minor">
+              <a:schemeClr val="lt1"/>
+            </a:fontRef>
+          </p:style>
+          <p:txBody>
+            <a:bodyPr rot="0" spcFirstLastPara="0" vertOverflow="overflow" horzOverflow="overflow" vert="horz" wrap="square" lIns="179285" tIns="143428" rIns="179285" bIns="143428" numCol="1" spcCol="0" rtlCol="0" fromWordArt="0" anchor="ctr" anchorCtr="0" forceAA="0" compatLnSpc="1">
+              <a:prstTxWarp prst="textNoShape">
+                <a:avLst/>
+              </a:prstTxWarp>
+              <a:noAutofit/>
+            </a:bodyPr>
+            <a:lstStyle/>
+            <a:p>
+              <a:pPr algn="ctr" defTabSz="914102" fontAlgn="base">
+                <a:lnSpc>
+                  <a:spcPct val="90000"/>
+                </a:lnSpc>
+                <a:spcBef>
+                  <a:spcPct val="0"/>
+                </a:spcBef>
+                <a:spcAft>
+                  <a:spcPct val="0"/>
+                </a:spcAft>
+              </a:pPr>
+              <a:r>
+                <a:rPr lang="en-US" sz="1176" dirty="0">
+                  <a:solidFill>
+                    <a:srgbClr val="3C3C41"/>
+                  </a:solidFill>
+                  <a:latin typeface="Segoe UI"/>
+                  <a:cs typeface="Segoe UI" pitchFamily="34" charset="0"/>
+                </a:rPr>
+                <a:t>Scaler</a:t>
+              </a:r>
+            </a:p>
+          </p:txBody>
+        </p:sp>
+        <p:sp>
+          <p:nvSpPr>
+            <p:cNvPr id="24" name="Rectangle: Rounded Corners 118">
+              <a:extLst>
+                <a:ext uri="{FF2B5EF4-FFF2-40B4-BE49-F238E27FC236}">
+                  <a16:creationId xmlns:a16="http://schemas.microsoft.com/office/drawing/2014/main" id="{10D497FE-EAFC-DF41-9A46-2AFA59670EA5}"/>
+                </a:ext>
+              </a:extLst>
+            </p:cNvPr>
+            <p:cNvSpPr/>
+            <p:nvPr/>
+          </p:nvSpPr>
+          <p:spPr bwMode="auto">
+            <a:xfrm>
+              <a:off x="5668679" y="5030333"/>
+              <a:ext cx="1097280" cy="548640"/>
+            </a:xfrm>
+            <a:prstGeom prst="roundRect">
+              <a:avLst>
+                <a:gd name="adj" fmla="val 3125"/>
+              </a:avLst>
+            </a:prstGeom>
+            <a:solidFill>
+              <a:srgbClr val="FCFDFE"/>
+            </a:solidFill>
+            <a:ln w="12700">
+              <a:solidFill>
+                <a:srgbClr val="0F78D4"/>
+              </a:solidFill>
+              <a:headEnd type="none" w="med" len="med"/>
+              <a:tailEnd type="none" w="med" len="med"/>
+            </a:ln>
+            <a:effectLst/>
+          </p:spPr>
+          <p:style>
+            <a:lnRef idx="1">
+              <a:schemeClr val="accent2"/>
+            </a:lnRef>
+            <a:fillRef idx="3">
+              <a:schemeClr val="accent2"/>
+            </a:fillRef>
+            <a:effectRef idx="2">
+              <a:schemeClr val="accent2"/>
+            </a:effectRef>
+            <a:fontRef idx="minor">
+              <a:schemeClr val="lt1"/>
+            </a:fontRef>
+          </p:style>
+          <p:txBody>
+            <a:bodyPr rot="0" spcFirstLastPara="0" vertOverflow="overflow" horzOverflow="overflow" vert="horz" wrap="square" lIns="179285" tIns="143428" rIns="179285" bIns="143428" numCol="1" spcCol="0" rtlCol="0" fromWordArt="0" anchor="ctr" anchorCtr="0" forceAA="0" compatLnSpc="1">
+              <a:prstTxWarp prst="textNoShape">
+                <a:avLst/>
+              </a:prstTxWarp>
+              <a:noAutofit/>
+            </a:bodyPr>
+            <a:lstStyle/>
+            <a:p>
+              <a:pPr algn="ctr" defTabSz="914102" fontAlgn="base">
+                <a:lnSpc>
+                  <a:spcPct val="90000"/>
+                </a:lnSpc>
+                <a:spcBef>
+                  <a:spcPct val="0"/>
+                </a:spcBef>
+                <a:spcAft>
+                  <a:spcPct val="0"/>
+                </a:spcAft>
+              </a:pPr>
+              <a:r>
+                <a:rPr lang="en-US" sz="1176" dirty="0">
+                  <a:solidFill>
+                    <a:srgbClr val="3C3C41"/>
+                  </a:solidFill>
+                  <a:latin typeface="Segoe UI"/>
+                  <a:cs typeface="Segoe UI" pitchFamily="34" charset="0"/>
+                </a:rPr>
+                <a:t>Controller</a:t>
+              </a:r>
+            </a:p>
+          </p:txBody>
+        </p:sp>
+      </p:grpSp>
+      <p:cxnSp>
+        <p:nvCxnSpPr>
+          <p:cNvPr id="25" name="Straight Arrow Connector 24">
+            <a:extLst>
+              <a:ext uri="{FF2B5EF4-FFF2-40B4-BE49-F238E27FC236}">
+                <a16:creationId xmlns:a16="http://schemas.microsoft.com/office/drawing/2014/main" id="{C8CB2121-F469-C342-B673-70B651941620}"/>
+              </a:ext>
+            </a:extLst>
+          </p:cNvPr>
+          <p:cNvCxnSpPr>
+            <a:cxnSpLocks/>
+            <a:stCxn id="29" idx="6"/>
+            <a:endCxn id="18" idx="2"/>
+          </p:cNvCxnSpPr>
+          <p:nvPr/>
+        </p:nvCxnSpPr>
+        <p:spPr>
+          <a:xfrm>
+            <a:off x="4504295" y="1836738"/>
+            <a:ext cx="1240890" cy="1"/>
+          </a:xfrm>
+          <a:prstGeom prst="straightConnector1">
+            <a:avLst/>
+          </a:prstGeom>
+          <a:ln w="19050">
+            <a:solidFill>
+              <a:srgbClr val="0099CC"/>
+            </a:solidFill>
+            <a:headEnd type="none"/>
+            <a:tailEnd type="triangle"/>
+          </a:ln>
+        </p:spPr>
+        <p:style>
+          <a:lnRef idx="1">
+            <a:schemeClr val="accent1"/>
+          </a:lnRef>
+          <a:fillRef idx="0">
+            <a:schemeClr val="accent1"/>
+          </a:fillRef>
+          <a:effectRef idx="0">
+            <a:schemeClr val="accent1"/>
+          </a:effectRef>
+          <a:fontRef idx="minor">
+            <a:schemeClr val="tx1"/>
+          </a:fontRef>
+        </p:style>
+      </p:cxnSp>
+      <p:cxnSp>
+        <p:nvCxnSpPr>
+          <p:cNvPr id="26" name="Straight Arrow Connector 25">
+            <a:extLst>
+              <a:ext uri="{FF2B5EF4-FFF2-40B4-BE49-F238E27FC236}">
+                <a16:creationId xmlns:a16="http://schemas.microsoft.com/office/drawing/2014/main" id="{672BB67B-6BAE-3E4E-A950-F9D340F8DE98}"/>
+              </a:ext>
+            </a:extLst>
+          </p:cNvPr>
+          <p:cNvCxnSpPr>
+            <a:stCxn id="18" idx="3"/>
+          </p:cNvCxnSpPr>
+          <p:nvPr/>
+        </p:nvCxnSpPr>
+        <p:spPr>
+          <a:xfrm>
+            <a:off x="6455803" y="2213769"/>
+            <a:ext cx="5957" cy="596442"/>
+          </a:xfrm>
+          <a:prstGeom prst="straightConnector1">
+            <a:avLst/>
+          </a:prstGeom>
+          <a:ln w="19050">
+            <a:solidFill>
+              <a:srgbClr val="0099CC"/>
+            </a:solidFill>
+            <a:headEnd type="none"/>
+            <a:tailEnd type="triangle"/>
+          </a:ln>
+        </p:spPr>
+        <p:style>
+          <a:lnRef idx="1">
+            <a:schemeClr val="accent1"/>
+          </a:lnRef>
+          <a:fillRef idx="0">
+            <a:schemeClr val="accent1"/>
+          </a:fillRef>
+          <a:effectRef idx="0">
+            <a:schemeClr val="accent1"/>
+          </a:effectRef>
+          <a:fontRef idx="minor">
+            <a:schemeClr val="tx1"/>
+          </a:fontRef>
+        </p:style>
+      </p:cxnSp>
+      <p:cxnSp>
+        <p:nvCxnSpPr>
+          <p:cNvPr id="27" name="Straight Arrow Connector 26">
+            <a:extLst>
+              <a:ext uri="{FF2B5EF4-FFF2-40B4-BE49-F238E27FC236}">
+                <a16:creationId xmlns:a16="http://schemas.microsoft.com/office/drawing/2014/main" id="{8E13B20C-BF0E-A44A-8F04-5BF1F1EF019C}"/>
+              </a:ext>
+            </a:extLst>
+          </p:cNvPr>
+          <p:cNvCxnSpPr>
+            <a:cxnSpLocks/>
+            <a:stCxn id="20" idx="1"/>
+            <a:endCxn id="17" idx="3"/>
+          </p:cNvCxnSpPr>
+          <p:nvPr/>
+        </p:nvCxnSpPr>
+        <p:spPr>
+          <a:xfrm flipH="1">
+            <a:off x="4745302" y="3432398"/>
+            <a:ext cx="429765" cy="2823"/>
+          </a:xfrm>
+          <a:prstGeom prst="straightConnector1">
+            <a:avLst/>
+          </a:prstGeom>
+          <a:ln w="19050">
+            <a:solidFill>
+              <a:srgbClr val="0099CC"/>
+            </a:solidFill>
+            <a:headEnd type="none"/>
+            <a:tailEnd type="triangle"/>
+          </a:ln>
+        </p:spPr>
+        <p:style>
+          <a:lnRef idx="1">
+            <a:schemeClr val="accent1"/>
+          </a:lnRef>
+          <a:fillRef idx="0">
+            <a:schemeClr val="accent1"/>
+          </a:fillRef>
+          <a:effectRef idx="0">
+            <a:schemeClr val="accent1"/>
+          </a:effectRef>
+          <a:fontRef idx="minor">
+            <a:schemeClr val="tx1"/>
+          </a:fontRef>
+        </p:style>
+      </p:cxnSp>
+      <p:grpSp>
+        <p:nvGrpSpPr>
+          <p:cNvPr id="28" name="Group 27">
+            <a:extLst>
+              <a:ext uri="{FF2B5EF4-FFF2-40B4-BE49-F238E27FC236}">
+                <a16:creationId xmlns:a16="http://schemas.microsoft.com/office/drawing/2014/main" id="{6CBC04D2-3274-7F4B-9812-4F02C6CABAAF}"/>
+              </a:ext>
+            </a:extLst>
+          </p:cNvPr>
+          <p:cNvGrpSpPr/>
+          <p:nvPr/>
+        </p:nvGrpSpPr>
+        <p:grpSpPr>
+          <a:xfrm>
+            <a:off x="2414933" y="1288098"/>
+            <a:ext cx="2089362" cy="1097280"/>
+            <a:chOff x="2536377" y="1615543"/>
+            <a:chExt cx="2089362" cy="1097280"/>
+          </a:xfrm>
+        </p:grpSpPr>
+        <p:sp>
+          <p:nvSpPr>
+            <p:cNvPr id="29" name="Oval 28">
+              <a:extLst>
+                <a:ext uri="{FF2B5EF4-FFF2-40B4-BE49-F238E27FC236}">
+                  <a16:creationId xmlns:a16="http://schemas.microsoft.com/office/drawing/2014/main" id="{3A89EC61-F9A5-674D-A7E0-BC925B327B58}"/>
+                </a:ext>
+              </a:extLst>
+            </p:cNvPr>
+            <p:cNvSpPr/>
+            <p:nvPr/>
+          </p:nvSpPr>
+          <p:spPr bwMode="auto">
+            <a:xfrm>
+              <a:off x="3528459" y="1615543"/>
+              <a:ext cx="1097280" cy="1097280"/>
+            </a:xfrm>
+            <a:prstGeom prst="ellipse">
+              <a:avLst/>
+            </a:prstGeom>
+            <a:solidFill>
+              <a:schemeClr val="accent1"/>
+            </a:solidFill>
+            <a:ln>
+              <a:noFill/>
+              <a:headEnd type="none" w="med" len="med"/>
+              <a:tailEnd type="none" w="med" len="med"/>
+            </a:ln>
+            <a:effectLst/>
+          </p:spPr>
+          <p:style>
+            <a:lnRef idx="1">
+              <a:schemeClr val="accent2"/>
+            </a:lnRef>
+            <a:fillRef idx="3">
+              <a:schemeClr val="accent2"/>
+            </a:fillRef>
+            <a:effectRef idx="2">
+              <a:schemeClr val="accent2"/>
+            </a:effectRef>
+            <a:fontRef idx="minor">
+              <a:schemeClr val="lt1"/>
+            </a:fontRef>
+          </p:style>
+          <p:txBody>
+            <a:bodyPr rot="0" spcFirstLastPara="0" vertOverflow="overflow" horzOverflow="overflow" vert="horz" wrap="square" lIns="182880" tIns="146304" rIns="182880" bIns="146304" numCol="1" spcCol="0" rtlCol="0" fromWordArt="0" anchor="t" anchorCtr="0" forceAA="0" compatLnSpc="1">
               <a:prstTxWarp prst="textNoShape">
                 <a:avLst/>
               </a:prstTxWarp>
@@ -4135,2457 +4912,2011 @@
                   <a:spcPct val="0"/>
                 </a:spcAft>
               </a:pPr>
+              <a:endParaRPr lang="en-US" sz="2400" dirty="0" err="1">
+                <a:gradFill>
+                  <a:gsLst>
+                    <a:gs pos="0">
+                      <a:srgbClr val="FFFFFF"/>
+                    </a:gs>
+                    <a:gs pos="100000">
+                      <a:srgbClr val="FFFFFF"/>
+                    </a:gs>
+                  </a:gsLst>
+                  <a:lin ang="5400000" scaled="0"/>
+                </a:gradFill>
+                <a:ea typeface="Segoe UI" pitchFamily="34" charset="0"/>
+                <a:cs typeface="Segoe UI" pitchFamily="34" charset="0"/>
+              </a:endParaRPr>
+            </a:p>
+          </p:txBody>
+        </p:sp>
+        <p:sp>
+          <p:nvSpPr>
+            <p:cNvPr id="30" name="Title 1">
+              <a:extLst>
+                <a:ext uri="{FF2B5EF4-FFF2-40B4-BE49-F238E27FC236}">
+                  <a16:creationId xmlns:a16="http://schemas.microsoft.com/office/drawing/2014/main" id="{C134DE1A-3F8A-5147-8A05-A900E59FB4C5}"/>
+                </a:ext>
+              </a:extLst>
+            </p:cNvPr>
+            <p:cNvSpPr txBox="1">
+              <a:spLocks/>
+            </p:cNvSpPr>
+            <p:nvPr/>
+          </p:nvSpPr>
+          <p:spPr>
+            <a:xfrm>
+              <a:off x="2536377" y="2073709"/>
+              <a:ext cx="910759" cy="180947"/>
+            </a:xfrm>
+            <a:prstGeom prst="rect">
+              <a:avLst/>
+            </a:prstGeom>
+          </p:spPr>
+          <p:txBody>
+            <a:bodyPr vert="horz" wrap="square" lIns="0" tIns="0" rIns="0" bIns="0" rtlCol="0" anchor="b">
+              <a:spAutoFit/>
+            </a:bodyPr>
+            <a:lstStyle>
+              <a:lvl1pPr algn="l" defTabSz="932742" rtl="0" eaLnBrk="1" latinLnBrk="0" hangingPunct="1">
+                <a:lnSpc>
+                  <a:spcPct val="90000"/>
+                </a:lnSpc>
+                <a:spcBef>
+                  <a:spcPct val="0"/>
+                </a:spcBef>
+                <a:buNone/>
+                <a:defRPr lang="en-US" sz="5400" b="0" kern="1200" cap="none" spc="-102" baseline="0">
+                  <a:ln w="3175">
+                    <a:noFill/>
+                  </a:ln>
+                  <a:gradFill>
+                    <a:gsLst>
+                      <a:gs pos="2655">
+                        <a:schemeClr val="tx1"/>
+                      </a:gs>
+                      <a:gs pos="31000">
+                        <a:schemeClr val="tx1"/>
+                      </a:gs>
+                    </a:gsLst>
+                    <a:lin ang="5400000" scaled="0"/>
+                  </a:gradFill>
+                  <a:effectLst/>
+                  <a:latin typeface="+mj-lt"/>
+                  <a:ea typeface="+mn-ea"/>
+                  <a:cs typeface="Segoe UI" pitchFamily="34" charset="0"/>
+                </a:defRPr>
+              </a:lvl1pPr>
+            </a:lstStyle>
+            <a:p>
+              <a:pPr marL="0" marR="0" lvl="0" indent="0" algn="ctr" defTabSz="914367" rtl="0" eaLnBrk="1" fontAlgn="auto" latinLnBrk="0" hangingPunct="1">
+                <a:lnSpc>
+                  <a:spcPct val="100000"/>
+                </a:lnSpc>
+                <a:spcBef>
+                  <a:spcPct val="0"/>
+                </a:spcBef>
+                <a:spcAft>
+                  <a:spcPts val="0"/>
+                </a:spcAft>
+                <a:buClrTx/>
+                <a:buSzTx/>
+                <a:buFontTx/>
+                <a:buNone/>
+                <a:tabLst/>
+                <a:defRPr/>
+              </a:pPr>
               <a:r>
-                <a:rPr lang="en-US" sz="1176" dirty="0">
+                <a:rPr lang="en-US" sz="1176" spc="0" dirty="0" err="1">
+                  <a:solidFill>
+                    <a:srgbClr val="000000"/>
+                  </a:solidFill>
+                  <a:latin typeface="Segoe UI Semibold" panose="020B0702040204020203" pitchFamily="34" charset="0"/>
+                  <a:cs typeface="Segoe UI Semibold" panose="020B0702040204020203" pitchFamily="34" charset="0"/>
+                </a:rPr>
+                <a:t>ScaledObject</a:t>
+              </a:r>
+              <a:endParaRPr kumimoji="0" lang="en-US" sz="1176" b="0" i="0" u="none" strike="noStrike" kern="1200" cap="none" spc="0" normalizeH="0" baseline="0" noProof="0" dirty="0">
+                <a:ln w="3175">
+                  <a:noFill/>
+                </a:ln>
+                <a:solidFill>
+                  <a:srgbClr val="000000"/>
+                </a:solidFill>
+                <a:effectLst/>
+                <a:uLnTx/>
+                <a:uFillTx/>
+                <a:latin typeface="Segoe UI Semibold" panose="020B0702040204020203" pitchFamily="34" charset="0"/>
+                <a:ea typeface="+mn-ea"/>
+                <a:cs typeface="Segoe UI Semibold" panose="020B0702040204020203" pitchFamily="34" charset="0"/>
+              </a:endParaRPr>
+            </a:p>
+          </p:txBody>
+        </p:sp>
+        <p:sp>
+          <p:nvSpPr>
+            <p:cNvPr id="31" name="binary" title="Icon of binary code, ones and zeros">
+              <a:extLst>
+                <a:ext uri="{FF2B5EF4-FFF2-40B4-BE49-F238E27FC236}">
+                  <a16:creationId xmlns:a16="http://schemas.microsoft.com/office/drawing/2014/main" id="{2A38E096-2326-9445-A9A6-3D94002AD802}"/>
+                </a:ext>
+              </a:extLst>
+            </p:cNvPr>
+            <p:cNvSpPr>
+              <a:spLocks noChangeAspect="1" noEditPoints="1"/>
+            </p:cNvSpPr>
+            <p:nvPr/>
+          </p:nvSpPr>
+          <p:spPr bwMode="auto">
+            <a:xfrm>
+              <a:off x="3812361" y="1935583"/>
+              <a:ext cx="529476" cy="457200"/>
+            </a:xfrm>
+            <a:custGeom>
+              <a:avLst/>
+              <a:gdLst>
+                <a:gd name="T0" fmla="*/ 0 w 245"/>
+                <a:gd name="T1" fmla="*/ 48 h 212"/>
+                <a:gd name="T2" fmla="*/ 92 w 245"/>
+                <a:gd name="T3" fmla="*/ 48 h 212"/>
+                <a:gd name="T4" fmla="*/ 183 w 245"/>
+                <a:gd name="T5" fmla="*/ 48 h 212"/>
+                <a:gd name="T6" fmla="*/ 62 w 245"/>
+                <a:gd name="T7" fmla="*/ 15 h 212"/>
+                <a:gd name="T8" fmla="*/ 46 w 245"/>
+                <a:gd name="T9" fmla="*/ 0 h 212"/>
+                <a:gd name="T10" fmla="*/ 30 w 245"/>
+                <a:gd name="T11" fmla="*/ 33 h 212"/>
+                <a:gd name="T12" fmla="*/ 46 w 245"/>
+                <a:gd name="T13" fmla="*/ 49 h 212"/>
+                <a:gd name="T14" fmla="*/ 153 w 245"/>
+                <a:gd name="T15" fmla="*/ 33 h 212"/>
+                <a:gd name="T16" fmla="*/ 137 w 245"/>
+                <a:gd name="T17" fmla="*/ 0 h 212"/>
+                <a:gd name="T18" fmla="*/ 122 w 245"/>
+                <a:gd name="T19" fmla="*/ 15 h 212"/>
+                <a:gd name="T20" fmla="*/ 137 w 245"/>
+                <a:gd name="T21" fmla="*/ 49 h 212"/>
+                <a:gd name="T22" fmla="*/ 153 w 245"/>
+                <a:gd name="T23" fmla="*/ 33 h 212"/>
+                <a:gd name="T24" fmla="*/ 245 w 245"/>
+                <a:gd name="T25" fmla="*/ 15 h 212"/>
+                <a:gd name="T26" fmla="*/ 229 w 245"/>
+                <a:gd name="T27" fmla="*/ 0 h 212"/>
+                <a:gd name="T28" fmla="*/ 213 w 245"/>
+                <a:gd name="T29" fmla="*/ 33 h 212"/>
+                <a:gd name="T30" fmla="*/ 229 w 245"/>
+                <a:gd name="T31" fmla="*/ 49 h 212"/>
+                <a:gd name="T32" fmla="*/ 0 w 245"/>
+                <a:gd name="T33" fmla="*/ 163 h 212"/>
+                <a:gd name="T34" fmla="*/ 92 w 245"/>
+                <a:gd name="T35" fmla="*/ 163 h 212"/>
+                <a:gd name="T36" fmla="*/ 183 w 245"/>
+                <a:gd name="T37" fmla="*/ 163 h 212"/>
+                <a:gd name="T38" fmla="*/ 62 w 245"/>
+                <a:gd name="T39" fmla="*/ 196 h 212"/>
+                <a:gd name="T40" fmla="*/ 46 w 245"/>
+                <a:gd name="T41" fmla="*/ 163 h 212"/>
+                <a:gd name="T42" fmla="*/ 30 w 245"/>
+                <a:gd name="T43" fmla="*/ 179 h 212"/>
+                <a:gd name="T44" fmla="*/ 46 w 245"/>
+                <a:gd name="T45" fmla="*/ 212 h 212"/>
+                <a:gd name="T46" fmla="*/ 62 w 245"/>
+                <a:gd name="T47" fmla="*/ 196 h 212"/>
+                <a:gd name="T48" fmla="*/ 153 w 245"/>
+                <a:gd name="T49" fmla="*/ 179 h 212"/>
+                <a:gd name="T50" fmla="*/ 137 w 245"/>
+                <a:gd name="T51" fmla="*/ 163 h 212"/>
+                <a:gd name="T52" fmla="*/ 122 w 245"/>
+                <a:gd name="T53" fmla="*/ 196 h 212"/>
+                <a:gd name="T54" fmla="*/ 137 w 245"/>
+                <a:gd name="T55" fmla="*/ 212 h 212"/>
+                <a:gd name="T56" fmla="*/ 245 w 245"/>
+                <a:gd name="T57" fmla="*/ 196 h 212"/>
+                <a:gd name="T58" fmla="*/ 229 w 245"/>
+                <a:gd name="T59" fmla="*/ 163 h 212"/>
+                <a:gd name="T60" fmla="*/ 213 w 245"/>
+                <a:gd name="T61" fmla="*/ 179 h 212"/>
+                <a:gd name="T62" fmla="*/ 229 w 245"/>
+                <a:gd name="T63" fmla="*/ 212 h 212"/>
+                <a:gd name="T64" fmla="*/ 245 w 245"/>
+                <a:gd name="T65" fmla="*/ 196 h 212"/>
+                <a:gd name="T66" fmla="*/ 62 w 245"/>
+                <a:gd name="T67" fmla="*/ 131 h 212"/>
+                <a:gd name="T68" fmla="*/ 153 w 245"/>
+                <a:gd name="T69" fmla="*/ 131 h 212"/>
+                <a:gd name="T70" fmla="*/ 32 w 245"/>
+                <a:gd name="T71" fmla="*/ 98 h 212"/>
+                <a:gd name="T72" fmla="*/ 16 w 245"/>
+                <a:gd name="T73" fmla="*/ 83 h 212"/>
+                <a:gd name="T74" fmla="*/ 0 w 245"/>
+                <a:gd name="T75" fmla="*/ 116 h 212"/>
+                <a:gd name="T76" fmla="*/ 16 w 245"/>
+                <a:gd name="T77" fmla="*/ 132 h 212"/>
+                <a:gd name="T78" fmla="*/ 123 w 245"/>
+                <a:gd name="T79" fmla="*/ 116 h 212"/>
+                <a:gd name="T80" fmla="*/ 107 w 245"/>
+                <a:gd name="T81" fmla="*/ 83 h 212"/>
+                <a:gd name="T82" fmla="*/ 92 w 245"/>
+                <a:gd name="T83" fmla="*/ 98 h 212"/>
+                <a:gd name="T84" fmla="*/ 107 w 245"/>
+                <a:gd name="T85" fmla="*/ 132 h 212"/>
+                <a:gd name="T86" fmla="*/ 123 w 245"/>
+                <a:gd name="T87" fmla="*/ 116 h 212"/>
+                <a:gd name="T88" fmla="*/ 215 w 245"/>
+                <a:gd name="T89" fmla="*/ 98 h 212"/>
+                <a:gd name="T90" fmla="*/ 199 w 245"/>
+                <a:gd name="T91" fmla="*/ 83 h 212"/>
+                <a:gd name="T92" fmla="*/ 183 w 245"/>
+                <a:gd name="T93" fmla="*/ 116 h 212"/>
+                <a:gd name="T94" fmla="*/ 199 w 245"/>
+                <a:gd name="T95" fmla="*/ 132 h 212"/>
+                <a:gd name="T96" fmla="*/ 245 w 245"/>
+                <a:gd name="T97" fmla="*/ 83 h 212"/>
+              </a:gdLst>
+              <a:ahLst/>
+              <a:cxnLst>
+                <a:cxn ang="0">
+                  <a:pos x="T0" y="T1"/>
+                </a:cxn>
+                <a:cxn ang="0">
+                  <a:pos x="T2" y="T3"/>
+                </a:cxn>
+                <a:cxn ang="0">
+                  <a:pos x="T4" y="T5"/>
+                </a:cxn>
+                <a:cxn ang="0">
+                  <a:pos x="T6" y="T7"/>
+                </a:cxn>
+                <a:cxn ang="0">
+                  <a:pos x="T8" y="T9"/>
+                </a:cxn>
+                <a:cxn ang="0">
+                  <a:pos x="T10" y="T11"/>
+                </a:cxn>
+                <a:cxn ang="0">
+                  <a:pos x="T12" y="T13"/>
+                </a:cxn>
+                <a:cxn ang="0">
+                  <a:pos x="T14" y="T15"/>
+                </a:cxn>
+                <a:cxn ang="0">
+                  <a:pos x="T16" y="T17"/>
+                </a:cxn>
+                <a:cxn ang="0">
+                  <a:pos x="T18" y="T19"/>
+                </a:cxn>
+                <a:cxn ang="0">
+                  <a:pos x="T20" y="T21"/>
+                </a:cxn>
+                <a:cxn ang="0">
+                  <a:pos x="T22" y="T23"/>
+                </a:cxn>
+                <a:cxn ang="0">
+                  <a:pos x="T24" y="T25"/>
+                </a:cxn>
+                <a:cxn ang="0">
+                  <a:pos x="T26" y="T27"/>
+                </a:cxn>
+                <a:cxn ang="0">
+                  <a:pos x="T28" y="T29"/>
+                </a:cxn>
+                <a:cxn ang="0">
+                  <a:pos x="T30" y="T31"/>
+                </a:cxn>
+                <a:cxn ang="0">
+                  <a:pos x="T32" y="T33"/>
+                </a:cxn>
+                <a:cxn ang="0">
+                  <a:pos x="T34" y="T35"/>
+                </a:cxn>
+                <a:cxn ang="0">
+                  <a:pos x="T36" y="T37"/>
+                </a:cxn>
+                <a:cxn ang="0">
+                  <a:pos x="T38" y="T39"/>
+                </a:cxn>
+                <a:cxn ang="0">
+                  <a:pos x="T40" y="T41"/>
+                </a:cxn>
+                <a:cxn ang="0">
+                  <a:pos x="T42" y="T43"/>
+                </a:cxn>
+                <a:cxn ang="0">
+                  <a:pos x="T44" y="T45"/>
+                </a:cxn>
+                <a:cxn ang="0">
+                  <a:pos x="T46" y="T47"/>
+                </a:cxn>
+                <a:cxn ang="0">
+                  <a:pos x="T48" y="T49"/>
+                </a:cxn>
+                <a:cxn ang="0">
+                  <a:pos x="T50" y="T51"/>
+                </a:cxn>
+                <a:cxn ang="0">
+                  <a:pos x="T52" y="T53"/>
+                </a:cxn>
+                <a:cxn ang="0">
+                  <a:pos x="T54" y="T55"/>
+                </a:cxn>
+                <a:cxn ang="0">
+                  <a:pos x="T56" y="T57"/>
+                </a:cxn>
+                <a:cxn ang="0">
+                  <a:pos x="T58" y="T59"/>
+                </a:cxn>
+                <a:cxn ang="0">
+                  <a:pos x="T60" y="T61"/>
+                </a:cxn>
+                <a:cxn ang="0">
+                  <a:pos x="T62" y="T63"/>
+                </a:cxn>
+                <a:cxn ang="0">
+                  <a:pos x="T64" y="T65"/>
+                </a:cxn>
+                <a:cxn ang="0">
+                  <a:pos x="T66" y="T67"/>
+                </a:cxn>
+                <a:cxn ang="0">
+                  <a:pos x="T68" y="T69"/>
+                </a:cxn>
+                <a:cxn ang="0">
+                  <a:pos x="T70" y="T71"/>
+                </a:cxn>
+                <a:cxn ang="0">
+                  <a:pos x="T72" y="T73"/>
+                </a:cxn>
+                <a:cxn ang="0">
+                  <a:pos x="T74" y="T75"/>
+                </a:cxn>
+                <a:cxn ang="0">
+                  <a:pos x="T76" y="T77"/>
+                </a:cxn>
+                <a:cxn ang="0">
+                  <a:pos x="T78" y="T79"/>
+                </a:cxn>
+                <a:cxn ang="0">
+                  <a:pos x="T80" y="T81"/>
+                </a:cxn>
+                <a:cxn ang="0">
+                  <a:pos x="T82" y="T83"/>
+                </a:cxn>
+                <a:cxn ang="0">
+                  <a:pos x="T84" y="T85"/>
+                </a:cxn>
+                <a:cxn ang="0">
+                  <a:pos x="T86" y="T87"/>
+                </a:cxn>
+                <a:cxn ang="0">
+                  <a:pos x="T88" y="T89"/>
+                </a:cxn>
+                <a:cxn ang="0">
+                  <a:pos x="T90" y="T91"/>
+                </a:cxn>
+                <a:cxn ang="0">
+                  <a:pos x="T92" y="T93"/>
+                </a:cxn>
+                <a:cxn ang="0">
+                  <a:pos x="T94" y="T95"/>
+                </a:cxn>
+                <a:cxn ang="0">
+                  <a:pos x="T96" y="T97"/>
+                </a:cxn>
+              </a:cxnLst>
+              <a:rect l="0" t="0" r="r" b="b"/>
+              <a:pathLst>
+                <a:path w="245" h="212">
+                  <a:moveTo>
+                    <a:pt x="0" y="0"/>
+                  </a:moveTo>
+                  <a:cubicBezTo>
+                    <a:pt x="0" y="48"/>
+                    <a:pt x="0" y="48"/>
+                    <a:pt x="0" y="48"/>
+                  </a:cubicBezTo>
+                  <a:moveTo>
+                    <a:pt x="92" y="0"/>
+                  </a:moveTo>
+                  <a:cubicBezTo>
+                    <a:pt x="92" y="48"/>
+                    <a:pt x="92" y="48"/>
+                    <a:pt x="92" y="48"/>
+                  </a:cubicBezTo>
+                  <a:moveTo>
+                    <a:pt x="183" y="0"/>
+                  </a:moveTo>
+                  <a:cubicBezTo>
+                    <a:pt x="183" y="48"/>
+                    <a:pt x="183" y="48"/>
+                    <a:pt x="183" y="48"/>
+                  </a:cubicBezTo>
+                  <a:moveTo>
+                    <a:pt x="62" y="33"/>
+                  </a:moveTo>
+                  <a:cubicBezTo>
+                    <a:pt x="62" y="15"/>
+                    <a:pt x="62" y="15"/>
+                    <a:pt x="62" y="15"/>
+                  </a:cubicBezTo>
+                  <a:cubicBezTo>
+                    <a:pt x="62" y="7"/>
+                    <a:pt x="55" y="0"/>
+                    <a:pt x="46" y="0"/>
+                  </a:cubicBezTo>
+                  <a:cubicBezTo>
+                    <a:pt x="46" y="0"/>
+                    <a:pt x="46" y="0"/>
+                    <a:pt x="46" y="0"/>
+                  </a:cubicBezTo>
+                  <a:cubicBezTo>
+                    <a:pt x="37" y="0"/>
+                    <a:pt x="30" y="7"/>
+                    <a:pt x="30" y="15"/>
+                  </a:cubicBezTo>
+                  <a:cubicBezTo>
+                    <a:pt x="30" y="33"/>
+                    <a:pt x="30" y="33"/>
+                    <a:pt x="30" y="33"/>
+                  </a:cubicBezTo>
+                  <a:cubicBezTo>
+                    <a:pt x="30" y="41"/>
+                    <a:pt x="37" y="49"/>
+                    <a:pt x="46" y="49"/>
+                  </a:cubicBezTo>
+                  <a:cubicBezTo>
+                    <a:pt x="46" y="49"/>
+                    <a:pt x="46" y="49"/>
+                    <a:pt x="46" y="49"/>
+                  </a:cubicBezTo>
+                  <a:cubicBezTo>
+                    <a:pt x="55" y="49"/>
+                    <a:pt x="62" y="41"/>
+                    <a:pt x="62" y="33"/>
+                  </a:cubicBezTo>
+                  <a:close/>
+                  <a:moveTo>
+                    <a:pt x="153" y="33"/>
+                  </a:moveTo>
+                  <a:cubicBezTo>
+                    <a:pt x="153" y="15"/>
+                    <a:pt x="153" y="15"/>
+                    <a:pt x="153" y="15"/>
+                  </a:cubicBezTo>
+                  <a:cubicBezTo>
+                    <a:pt x="153" y="7"/>
+                    <a:pt x="146" y="0"/>
+                    <a:pt x="137" y="0"/>
+                  </a:cubicBezTo>
+                  <a:cubicBezTo>
+                    <a:pt x="137" y="0"/>
+                    <a:pt x="137" y="0"/>
+                    <a:pt x="137" y="0"/>
+                  </a:cubicBezTo>
+                  <a:cubicBezTo>
+                    <a:pt x="129" y="0"/>
+                    <a:pt x="122" y="7"/>
+                    <a:pt x="122" y="15"/>
+                  </a:cubicBezTo>
+                  <a:cubicBezTo>
+                    <a:pt x="122" y="33"/>
+                    <a:pt x="122" y="33"/>
+                    <a:pt x="122" y="33"/>
+                  </a:cubicBezTo>
+                  <a:cubicBezTo>
+                    <a:pt x="122" y="41"/>
+                    <a:pt x="129" y="49"/>
+                    <a:pt x="137" y="49"/>
+                  </a:cubicBezTo>
+                  <a:cubicBezTo>
+                    <a:pt x="137" y="49"/>
+                    <a:pt x="137" y="49"/>
+                    <a:pt x="137" y="49"/>
+                  </a:cubicBezTo>
+                  <a:cubicBezTo>
+                    <a:pt x="146" y="49"/>
+                    <a:pt x="153" y="41"/>
+                    <a:pt x="153" y="33"/>
+                  </a:cubicBezTo>
+                  <a:close/>
+                  <a:moveTo>
+                    <a:pt x="245" y="33"/>
+                  </a:moveTo>
+                  <a:cubicBezTo>
+                    <a:pt x="245" y="15"/>
+                    <a:pt x="245" y="15"/>
+                    <a:pt x="245" y="15"/>
+                  </a:cubicBezTo>
+                  <a:cubicBezTo>
+                    <a:pt x="245" y="7"/>
+                    <a:pt x="237" y="0"/>
+                    <a:pt x="229" y="0"/>
+                  </a:cubicBezTo>
+                  <a:cubicBezTo>
+                    <a:pt x="229" y="0"/>
+                    <a:pt x="229" y="0"/>
+                    <a:pt x="229" y="0"/>
+                  </a:cubicBezTo>
+                  <a:cubicBezTo>
+                    <a:pt x="220" y="0"/>
+                    <a:pt x="213" y="7"/>
+                    <a:pt x="213" y="15"/>
+                  </a:cubicBezTo>
+                  <a:cubicBezTo>
+                    <a:pt x="213" y="33"/>
+                    <a:pt x="213" y="33"/>
+                    <a:pt x="213" y="33"/>
+                  </a:cubicBezTo>
+                  <a:cubicBezTo>
+                    <a:pt x="213" y="41"/>
+                    <a:pt x="220" y="49"/>
+                    <a:pt x="229" y="49"/>
+                  </a:cubicBezTo>
+                  <a:cubicBezTo>
+                    <a:pt x="229" y="49"/>
+                    <a:pt x="229" y="49"/>
+                    <a:pt x="229" y="49"/>
+                  </a:cubicBezTo>
+                  <a:cubicBezTo>
+                    <a:pt x="237" y="49"/>
+                    <a:pt x="245" y="41"/>
+                    <a:pt x="245" y="33"/>
+                  </a:cubicBezTo>
+                  <a:close/>
+                  <a:moveTo>
+                    <a:pt x="0" y="163"/>
+                  </a:moveTo>
+                  <a:cubicBezTo>
+                    <a:pt x="0" y="212"/>
+                    <a:pt x="0" y="212"/>
+                    <a:pt x="0" y="212"/>
+                  </a:cubicBezTo>
+                  <a:moveTo>
+                    <a:pt x="92" y="163"/>
+                  </a:moveTo>
+                  <a:cubicBezTo>
+                    <a:pt x="92" y="212"/>
+                    <a:pt x="92" y="212"/>
+                    <a:pt x="92" y="212"/>
+                  </a:cubicBezTo>
+                  <a:moveTo>
+                    <a:pt x="183" y="163"/>
+                  </a:moveTo>
+                  <a:cubicBezTo>
+                    <a:pt x="183" y="212"/>
+                    <a:pt x="183" y="212"/>
+                    <a:pt x="183" y="212"/>
+                  </a:cubicBezTo>
+                  <a:moveTo>
+                    <a:pt x="62" y="196"/>
+                  </a:moveTo>
+                  <a:cubicBezTo>
+                    <a:pt x="62" y="179"/>
+                    <a:pt x="62" y="179"/>
+                    <a:pt x="62" y="179"/>
+                  </a:cubicBezTo>
+                  <a:cubicBezTo>
+                    <a:pt x="62" y="170"/>
+                    <a:pt x="55" y="163"/>
+                    <a:pt x="46" y="163"/>
+                  </a:cubicBezTo>
+                  <a:cubicBezTo>
+                    <a:pt x="46" y="163"/>
+                    <a:pt x="46" y="163"/>
+                    <a:pt x="46" y="163"/>
+                  </a:cubicBezTo>
+                  <a:cubicBezTo>
+                    <a:pt x="37" y="163"/>
+                    <a:pt x="30" y="170"/>
+                    <a:pt x="30" y="179"/>
+                  </a:cubicBezTo>
+                  <a:cubicBezTo>
+                    <a:pt x="30" y="196"/>
+                    <a:pt x="30" y="196"/>
+                    <a:pt x="30" y="196"/>
+                  </a:cubicBezTo>
+                  <a:cubicBezTo>
+                    <a:pt x="30" y="205"/>
+                    <a:pt x="37" y="212"/>
+                    <a:pt x="46" y="212"/>
+                  </a:cubicBezTo>
+                  <a:cubicBezTo>
+                    <a:pt x="46" y="212"/>
+                    <a:pt x="46" y="212"/>
+                    <a:pt x="46" y="212"/>
+                  </a:cubicBezTo>
+                  <a:cubicBezTo>
+                    <a:pt x="55" y="212"/>
+                    <a:pt x="62" y="205"/>
+                    <a:pt x="62" y="196"/>
+                  </a:cubicBezTo>
+                  <a:close/>
+                  <a:moveTo>
+                    <a:pt x="153" y="196"/>
+                  </a:moveTo>
+                  <a:cubicBezTo>
+                    <a:pt x="153" y="179"/>
+                    <a:pt x="153" y="179"/>
+                    <a:pt x="153" y="179"/>
+                  </a:cubicBezTo>
+                  <a:cubicBezTo>
+                    <a:pt x="153" y="170"/>
+                    <a:pt x="146" y="163"/>
+                    <a:pt x="137" y="163"/>
+                  </a:cubicBezTo>
+                  <a:cubicBezTo>
+                    <a:pt x="137" y="163"/>
+                    <a:pt x="137" y="163"/>
+                    <a:pt x="137" y="163"/>
+                  </a:cubicBezTo>
+                  <a:cubicBezTo>
+                    <a:pt x="129" y="163"/>
+                    <a:pt x="122" y="170"/>
+                    <a:pt x="122" y="179"/>
+                  </a:cubicBezTo>
+                  <a:cubicBezTo>
+                    <a:pt x="122" y="196"/>
+                    <a:pt x="122" y="196"/>
+                    <a:pt x="122" y="196"/>
+                  </a:cubicBezTo>
+                  <a:cubicBezTo>
+                    <a:pt x="122" y="205"/>
+                    <a:pt x="129" y="212"/>
+                    <a:pt x="137" y="212"/>
+                  </a:cubicBezTo>
+                  <a:cubicBezTo>
+                    <a:pt x="137" y="212"/>
+                    <a:pt x="137" y="212"/>
+                    <a:pt x="137" y="212"/>
+                  </a:cubicBezTo>
+                  <a:cubicBezTo>
+                    <a:pt x="146" y="212"/>
+                    <a:pt x="153" y="205"/>
+                    <a:pt x="153" y="196"/>
+                  </a:cubicBezTo>
+                  <a:close/>
+                  <a:moveTo>
+                    <a:pt x="245" y="196"/>
+                  </a:moveTo>
+                  <a:cubicBezTo>
+                    <a:pt x="245" y="179"/>
+                    <a:pt x="245" y="179"/>
+                    <a:pt x="245" y="179"/>
+                  </a:cubicBezTo>
+                  <a:cubicBezTo>
+                    <a:pt x="245" y="170"/>
+                    <a:pt x="237" y="163"/>
+                    <a:pt x="229" y="163"/>
+                  </a:cubicBezTo>
+                  <a:cubicBezTo>
+                    <a:pt x="229" y="163"/>
+                    <a:pt x="229" y="163"/>
+                    <a:pt x="229" y="163"/>
+                  </a:cubicBezTo>
+                  <a:cubicBezTo>
+                    <a:pt x="220" y="163"/>
+                    <a:pt x="213" y="170"/>
+                    <a:pt x="213" y="179"/>
+                  </a:cubicBezTo>
+                  <a:cubicBezTo>
+                    <a:pt x="213" y="196"/>
+                    <a:pt x="213" y="196"/>
+                    <a:pt x="213" y="196"/>
+                  </a:cubicBezTo>
+                  <a:cubicBezTo>
+                    <a:pt x="213" y="205"/>
+                    <a:pt x="220" y="212"/>
+                    <a:pt x="229" y="212"/>
+                  </a:cubicBezTo>
+                  <a:cubicBezTo>
+                    <a:pt x="229" y="212"/>
+                    <a:pt x="229" y="212"/>
+                    <a:pt x="229" y="212"/>
+                  </a:cubicBezTo>
+                  <a:cubicBezTo>
+                    <a:pt x="237" y="212"/>
+                    <a:pt x="245" y="205"/>
+                    <a:pt x="245" y="196"/>
+                  </a:cubicBezTo>
+                  <a:close/>
+                  <a:moveTo>
+                    <a:pt x="62" y="83"/>
+                  </a:moveTo>
+                  <a:cubicBezTo>
+                    <a:pt x="62" y="131"/>
+                    <a:pt x="62" y="131"/>
+                    <a:pt x="62" y="131"/>
+                  </a:cubicBezTo>
+                  <a:moveTo>
+                    <a:pt x="153" y="83"/>
+                  </a:moveTo>
+                  <a:cubicBezTo>
+                    <a:pt x="153" y="131"/>
+                    <a:pt x="153" y="131"/>
+                    <a:pt x="153" y="131"/>
+                  </a:cubicBezTo>
+                  <a:moveTo>
+                    <a:pt x="32" y="116"/>
+                  </a:moveTo>
+                  <a:cubicBezTo>
+                    <a:pt x="32" y="98"/>
+                    <a:pt x="32" y="98"/>
+                    <a:pt x="32" y="98"/>
+                  </a:cubicBezTo>
+                  <a:cubicBezTo>
+                    <a:pt x="32" y="90"/>
+                    <a:pt x="25" y="83"/>
+                    <a:pt x="16" y="83"/>
+                  </a:cubicBezTo>
+                  <a:cubicBezTo>
+                    <a:pt x="16" y="83"/>
+                    <a:pt x="16" y="83"/>
+                    <a:pt x="16" y="83"/>
+                  </a:cubicBezTo>
+                  <a:cubicBezTo>
+                    <a:pt x="7" y="83"/>
+                    <a:pt x="0" y="90"/>
+                    <a:pt x="0" y="98"/>
+                  </a:cubicBezTo>
+                  <a:cubicBezTo>
+                    <a:pt x="0" y="116"/>
+                    <a:pt x="0" y="116"/>
+                    <a:pt x="0" y="116"/>
+                  </a:cubicBezTo>
+                  <a:cubicBezTo>
+                    <a:pt x="0" y="124"/>
+                    <a:pt x="7" y="132"/>
+                    <a:pt x="16" y="132"/>
+                  </a:cubicBezTo>
+                  <a:cubicBezTo>
+                    <a:pt x="16" y="132"/>
+                    <a:pt x="16" y="132"/>
+                    <a:pt x="16" y="132"/>
+                  </a:cubicBezTo>
+                  <a:cubicBezTo>
+                    <a:pt x="25" y="132"/>
+                    <a:pt x="32" y="124"/>
+                    <a:pt x="32" y="116"/>
+                  </a:cubicBezTo>
+                  <a:close/>
+                  <a:moveTo>
+                    <a:pt x="123" y="116"/>
+                  </a:moveTo>
+                  <a:cubicBezTo>
+                    <a:pt x="123" y="98"/>
+                    <a:pt x="123" y="98"/>
+                    <a:pt x="123" y="98"/>
+                  </a:cubicBezTo>
+                  <a:cubicBezTo>
+                    <a:pt x="123" y="90"/>
+                    <a:pt x="116" y="83"/>
+                    <a:pt x="107" y="83"/>
+                  </a:cubicBezTo>
+                  <a:cubicBezTo>
+                    <a:pt x="107" y="83"/>
+                    <a:pt x="107" y="83"/>
+                    <a:pt x="107" y="83"/>
+                  </a:cubicBezTo>
+                  <a:cubicBezTo>
+                    <a:pt x="99" y="83"/>
+                    <a:pt x="92" y="90"/>
+                    <a:pt x="92" y="98"/>
+                  </a:cubicBezTo>
+                  <a:cubicBezTo>
+                    <a:pt x="92" y="116"/>
+                    <a:pt x="92" y="116"/>
+                    <a:pt x="92" y="116"/>
+                  </a:cubicBezTo>
+                  <a:cubicBezTo>
+                    <a:pt x="92" y="124"/>
+                    <a:pt x="99" y="132"/>
+                    <a:pt x="107" y="132"/>
+                  </a:cubicBezTo>
+                  <a:cubicBezTo>
+                    <a:pt x="107" y="132"/>
+                    <a:pt x="107" y="132"/>
+                    <a:pt x="107" y="132"/>
+                  </a:cubicBezTo>
+                  <a:cubicBezTo>
+                    <a:pt x="116" y="132"/>
+                    <a:pt x="123" y="124"/>
+                    <a:pt x="123" y="116"/>
+                  </a:cubicBezTo>
+                  <a:close/>
+                  <a:moveTo>
+                    <a:pt x="215" y="116"/>
+                  </a:moveTo>
+                  <a:cubicBezTo>
+                    <a:pt x="215" y="98"/>
+                    <a:pt x="215" y="98"/>
+                    <a:pt x="215" y="98"/>
+                  </a:cubicBezTo>
+                  <a:cubicBezTo>
+                    <a:pt x="215" y="90"/>
+                    <a:pt x="207" y="83"/>
+                    <a:pt x="199" y="83"/>
+                  </a:cubicBezTo>
+                  <a:cubicBezTo>
+                    <a:pt x="199" y="83"/>
+                    <a:pt x="199" y="83"/>
+                    <a:pt x="199" y="83"/>
+                  </a:cubicBezTo>
+                  <a:cubicBezTo>
+                    <a:pt x="190" y="83"/>
+                    <a:pt x="183" y="90"/>
+                    <a:pt x="183" y="98"/>
+                  </a:cubicBezTo>
+                  <a:cubicBezTo>
+                    <a:pt x="183" y="116"/>
+                    <a:pt x="183" y="116"/>
+                    <a:pt x="183" y="116"/>
+                  </a:cubicBezTo>
+                  <a:cubicBezTo>
+                    <a:pt x="183" y="124"/>
+                    <a:pt x="190" y="132"/>
+                    <a:pt x="199" y="132"/>
+                  </a:cubicBezTo>
+                  <a:cubicBezTo>
+                    <a:pt x="199" y="132"/>
+                    <a:pt x="199" y="132"/>
+                    <a:pt x="199" y="132"/>
+                  </a:cubicBezTo>
+                  <a:cubicBezTo>
+                    <a:pt x="207" y="132"/>
+                    <a:pt x="215" y="124"/>
+                    <a:pt x="215" y="116"/>
+                  </a:cubicBezTo>
+                  <a:close/>
+                  <a:moveTo>
+                    <a:pt x="245" y="83"/>
+                  </a:moveTo>
+                  <a:cubicBezTo>
+                    <a:pt x="245" y="131"/>
+                    <a:pt x="245" y="131"/>
+                    <a:pt x="245" y="131"/>
+                  </a:cubicBezTo>
+                </a:path>
+              </a:pathLst>
+            </a:custGeom>
+            <a:noFill/>
+            <a:ln w="28575" cap="sq">
+              <a:solidFill>
+                <a:srgbClr val="000000"/>
+              </a:solidFill>
+              <a:prstDash val="solid"/>
+              <a:miter lim="800000"/>
+              <a:headEnd/>
+              <a:tailEnd/>
+            </a:ln>
+            <a:extLst>
+              <a:ext uri="{909E8E84-426E-40DD-AFC4-6F175D3DCCD1}">
+                <a14:hiddenFill xmlns:a14="http://schemas.microsoft.com/office/drawing/2010/main">
+                  <a:solidFill>
+                    <a:srgbClr val="FFFFFF"/>
+                  </a:solidFill>
+                </a14:hiddenFill>
+              </a:ext>
+            </a:extLst>
+          </p:spPr>
+          <p:txBody>
+            <a:bodyPr vert="horz" wrap="square" lIns="89642" tIns="44821" rIns="89642" bIns="44821" numCol="1" anchor="t" anchorCtr="0" compatLnSpc="1">
+              <a:prstTxWarp prst="textNoShape">
+                <a:avLst/>
+              </a:prstTxWarp>
+            </a:bodyPr>
+            <a:lstStyle/>
+            <a:p>
+              <a:pPr marL="0" marR="0" lvl="0" indent="0" algn="l" defTabSz="914367" rtl="0" eaLnBrk="1" fontAlgn="auto" latinLnBrk="0" hangingPunct="1">
+                <a:lnSpc>
+                  <a:spcPct val="100000"/>
+                </a:lnSpc>
+                <a:spcBef>
+                  <a:spcPts val="0"/>
+                </a:spcBef>
+                <a:spcAft>
+                  <a:spcPts val="0"/>
+                </a:spcAft>
+                <a:buClrTx/>
+                <a:buSzTx/>
+                <a:buFontTx/>
+                <a:buNone/>
+                <a:tabLst/>
+                <a:defRPr/>
+              </a:pPr>
+              <a:endParaRPr kumimoji="0" lang="en-US" sz="1765" b="0" i="0" u="none" strike="noStrike" kern="1200" cap="none" spc="0" normalizeH="0" baseline="0" noProof="0">
+                <a:ln>
+                  <a:noFill/>
+                </a:ln>
+                <a:solidFill>
+                  <a:srgbClr val="3C3C41"/>
+                </a:solidFill>
+                <a:effectLst/>
+                <a:uLnTx/>
+                <a:uFillTx/>
+                <a:latin typeface="Segoe UI"/>
+                <a:ea typeface="+mn-ea"/>
+                <a:cs typeface="+mn-cs"/>
+              </a:endParaRPr>
+            </a:p>
+          </p:txBody>
+        </p:sp>
+      </p:grpSp>
+      <p:cxnSp>
+        <p:nvCxnSpPr>
+          <p:cNvPr id="32" name="Straight Arrow Connector 31">
+            <a:extLst>
+              <a:ext uri="{FF2B5EF4-FFF2-40B4-BE49-F238E27FC236}">
+                <a16:creationId xmlns:a16="http://schemas.microsoft.com/office/drawing/2014/main" id="{EBDD762A-D892-7649-89F9-2A1B32A394F4}"/>
+              </a:ext>
+            </a:extLst>
+          </p:cNvPr>
+          <p:cNvCxnSpPr>
+            <a:stCxn id="40" idx="0"/>
+          </p:cNvCxnSpPr>
+          <p:nvPr/>
+        </p:nvCxnSpPr>
+        <p:spPr>
+          <a:xfrm flipV="1">
+            <a:off x="8177348" y="4054586"/>
+            <a:ext cx="0" cy="873144"/>
+          </a:xfrm>
+          <a:prstGeom prst="straightConnector1">
+            <a:avLst/>
+          </a:prstGeom>
+          <a:ln w="25400">
+            <a:solidFill>
+              <a:schemeClr val="tx2"/>
+            </a:solidFill>
+            <a:headEnd type="triangle"/>
+            <a:tailEnd type="triangle"/>
+          </a:ln>
+        </p:spPr>
+        <p:style>
+          <a:lnRef idx="1">
+            <a:schemeClr val="accent1"/>
+          </a:lnRef>
+          <a:fillRef idx="0">
+            <a:schemeClr val="accent1"/>
+          </a:fillRef>
+          <a:effectRef idx="0">
+            <a:schemeClr val="accent1"/>
+          </a:effectRef>
+          <a:fontRef idx="minor">
+            <a:schemeClr val="tx1"/>
+          </a:fontRef>
+        </p:style>
+      </p:cxnSp>
+      <p:cxnSp>
+        <p:nvCxnSpPr>
+          <p:cNvPr id="33" name="Connector: Elbow 90">
+            <a:extLst>
+              <a:ext uri="{FF2B5EF4-FFF2-40B4-BE49-F238E27FC236}">
+                <a16:creationId xmlns:a16="http://schemas.microsoft.com/office/drawing/2014/main" id="{705159DC-F963-8941-8F3B-4AB2E18483EA}"/>
+              </a:ext>
+            </a:extLst>
+          </p:cNvPr>
+          <p:cNvCxnSpPr>
+            <a:cxnSpLocks/>
+            <a:stCxn id="20" idx="2"/>
+            <a:endCxn id="11" idx="0"/>
+          </p:cNvCxnSpPr>
+          <p:nvPr/>
+        </p:nvCxnSpPr>
+        <p:spPr>
+          <a:xfrm rot="5400000">
+            <a:off x="6209843" y="3887224"/>
+            <a:ext cx="960848" cy="1295571"/>
+          </a:xfrm>
+          <a:prstGeom prst="bentConnector3">
+            <a:avLst>
+              <a:gd name="adj1" fmla="val 50000"/>
+            </a:avLst>
+          </a:prstGeom>
+          <a:ln w="25400">
+            <a:solidFill>
+              <a:schemeClr val="tx2">
+                <a:lumMod val="60000"/>
+                <a:lumOff val="40000"/>
+              </a:schemeClr>
+            </a:solidFill>
+            <a:headEnd type="none"/>
+            <a:tailEnd type="triangle"/>
+          </a:ln>
+        </p:spPr>
+        <p:style>
+          <a:lnRef idx="1">
+            <a:schemeClr val="accent1"/>
+          </a:lnRef>
+          <a:fillRef idx="0">
+            <a:schemeClr val="accent1"/>
+          </a:fillRef>
+          <a:effectRef idx="0">
+            <a:schemeClr val="accent1"/>
+          </a:effectRef>
+          <a:fontRef idx="minor">
+            <a:schemeClr val="tx1"/>
+          </a:fontRef>
+        </p:style>
+      </p:cxnSp>
+      <p:cxnSp>
+        <p:nvCxnSpPr>
+          <p:cNvPr id="34" name="Connector: Elbow 91">
+            <a:extLst>
+              <a:ext uri="{FF2B5EF4-FFF2-40B4-BE49-F238E27FC236}">
+                <a16:creationId xmlns:a16="http://schemas.microsoft.com/office/drawing/2014/main" id="{B789D0AA-13F8-2147-876B-7FA5EDCC5819}"/>
+              </a:ext>
+            </a:extLst>
+          </p:cNvPr>
+          <p:cNvCxnSpPr>
+            <a:cxnSpLocks/>
+            <a:stCxn id="17" idx="2"/>
+          </p:cNvCxnSpPr>
+          <p:nvPr/>
+        </p:nvCxnSpPr>
+        <p:spPr>
+          <a:xfrm rot="16200000" flipH="1">
+            <a:off x="4712899" y="3211230"/>
+            <a:ext cx="754047" cy="1885775"/>
+          </a:xfrm>
+          <a:prstGeom prst="bentConnector2">
+            <a:avLst/>
+          </a:prstGeom>
+          <a:ln w="25400">
+            <a:solidFill>
+              <a:srgbClr val="FF9900"/>
+            </a:solidFill>
+            <a:headEnd type="none"/>
+            <a:tailEnd type="none"/>
+          </a:ln>
+        </p:spPr>
+        <p:style>
+          <a:lnRef idx="1">
+            <a:schemeClr val="accent1"/>
+          </a:lnRef>
+          <a:fillRef idx="0">
+            <a:schemeClr val="accent1"/>
+          </a:fillRef>
+          <a:effectRef idx="0">
+            <a:schemeClr val="accent1"/>
+          </a:effectRef>
+          <a:fontRef idx="minor">
+            <a:schemeClr val="tx1"/>
+          </a:fontRef>
+        </p:style>
+      </p:cxnSp>
+      <p:sp>
+        <p:nvSpPr>
+          <p:cNvPr id="35" name="TextBox 34">
+            <a:extLst>
+              <a:ext uri="{FF2B5EF4-FFF2-40B4-BE49-F238E27FC236}">
+                <a16:creationId xmlns:a16="http://schemas.microsoft.com/office/drawing/2014/main" id="{34F5E086-BD57-5E4B-99B2-69A9DACE083F}"/>
+              </a:ext>
+            </a:extLst>
+          </p:cNvPr>
+          <p:cNvSpPr txBox="1"/>
+          <p:nvPr/>
+        </p:nvSpPr>
+        <p:spPr>
+          <a:xfrm>
+            <a:off x="4368575" y="4435657"/>
+            <a:ext cx="1226939" cy="458331"/>
+          </a:xfrm>
+          <a:prstGeom prst="rect">
+            <a:avLst/>
+          </a:prstGeom>
+          <a:noFill/>
+        </p:spPr>
+        <p:txBody>
+          <a:bodyPr wrap="none" lIns="182880" tIns="146304" rIns="182880" bIns="146304" rtlCol="0">
+            <a:spAutoFit/>
+          </a:bodyPr>
+          <a:lstStyle/>
+          <a:p>
+            <a:pPr>
+              <a:lnSpc>
+                <a:spcPct val="90000"/>
+              </a:lnSpc>
+              <a:spcAft>
+                <a:spcPts val="600"/>
+              </a:spcAft>
+            </a:pPr>
+            <a:r>
+              <a:rPr lang="en-US" sz="1176" b="1" dirty="0">
+                <a:ln w="3175">
+                  <a:noFill/>
+                </a:ln>
+                <a:solidFill>
+                  <a:srgbClr val="FF9900"/>
+                </a:solidFill>
+                <a:latin typeface="Segoe UI Semibold" panose="020B0702040204020203" pitchFamily="34" charset="0"/>
+                <a:cs typeface="Segoe UI Semibold" panose="020B0702040204020203" pitchFamily="34" charset="0"/>
+              </a:rPr>
+              <a:t>1-&gt;n or n-&gt;1</a:t>
+            </a:r>
+          </a:p>
+        </p:txBody>
+      </p:sp>
+      <p:sp>
+        <p:nvSpPr>
+          <p:cNvPr id="36" name="TextBox 35">
+            <a:extLst>
+              <a:ext uri="{FF2B5EF4-FFF2-40B4-BE49-F238E27FC236}">
+                <a16:creationId xmlns:a16="http://schemas.microsoft.com/office/drawing/2014/main" id="{4421F7CC-366D-EE41-8873-6707B85CE7DD}"/>
+              </a:ext>
+            </a:extLst>
+          </p:cNvPr>
+          <p:cNvSpPr txBox="1"/>
+          <p:nvPr/>
+        </p:nvSpPr>
+        <p:spPr>
+          <a:xfrm>
+            <a:off x="5997819" y="4435657"/>
+            <a:ext cx="1217321" cy="458331"/>
+          </a:xfrm>
+          <a:prstGeom prst="rect">
+            <a:avLst/>
+          </a:prstGeom>
+          <a:noFill/>
+        </p:spPr>
+        <p:txBody>
+          <a:bodyPr wrap="none" lIns="182880" tIns="146304" rIns="182880" bIns="146304" rtlCol="0">
+            <a:spAutoFit/>
+          </a:bodyPr>
+          <a:lstStyle/>
+          <a:p>
+            <a:pPr>
+              <a:lnSpc>
+                <a:spcPct val="90000"/>
+              </a:lnSpc>
+              <a:spcAft>
+                <a:spcPts val="600"/>
+              </a:spcAft>
+            </a:pPr>
+            <a:r>
+              <a:rPr lang="en-US" sz="1176" b="1" dirty="0">
+                <a:ln w="3175">
+                  <a:noFill/>
+                </a:ln>
+                <a:solidFill>
+                  <a:schemeClr val="tx2">
+                    <a:lumMod val="60000"/>
+                    <a:lumOff val="40000"/>
+                  </a:schemeClr>
+                </a:solidFill>
+                <a:latin typeface="Segoe UI Semibold" panose="020B0702040204020203" pitchFamily="34" charset="0"/>
+                <a:cs typeface="Segoe UI Semibold" panose="020B0702040204020203" pitchFamily="34" charset="0"/>
+              </a:rPr>
+              <a:t>0-&gt;1 or 1-&gt;0</a:t>
+            </a:r>
+          </a:p>
+        </p:txBody>
+      </p:sp>
+      <p:sp>
+        <p:nvSpPr>
+          <p:cNvPr id="37" name="TextBox 36">
+            <a:extLst>
+              <a:ext uri="{FF2B5EF4-FFF2-40B4-BE49-F238E27FC236}">
+                <a16:creationId xmlns:a16="http://schemas.microsoft.com/office/drawing/2014/main" id="{6E109E41-5C9F-0D43-B817-3927012106A1}"/>
+              </a:ext>
+            </a:extLst>
+          </p:cNvPr>
+          <p:cNvSpPr txBox="1"/>
+          <p:nvPr/>
+        </p:nvSpPr>
+        <p:spPr>
+          <a:xfrm>
+            <a:off x="7424556" y="4128328"/>
+            <a:ext cx="935099" cy="621196"/>
+          </a:xfrm>
+          <a:prstGeom prst="rect">
+            <a:avLst/>
+          </a:prstGeom>
+          <a:noFill/>
+        </p:spPr>
+        <p:txBody>
+          <a:bodyPr wrap="square" lIns="182880" tIns="146304" rIns="182880" bIns="146304" rtlCol="0">
+            <a:spAutoFit/>
+          </a:bodyPr>
+          <a:lstStyle/>
+          <a:p>
+            <a:pPr>
+              <a:lnSpc>
+                <a:spcPct val="90000"/>
+              </a:lnSpc>
+              <a:spcAft>
+                <a:spcPts val="600"/>
+              </a:spcAft>
+            </a:pPr>
+            <a:r>
+              <a:rPr lang="en-US" sz="1176" b="1" dirty="0">
+                <a:ln w="3175">
+                  <a:noFill/>
+                </a:ln>
+                <a:solidFill>
+                  <a:schemeClr val="tx2"/>
+                </a:solidFill>
+                <a:latin typeface="Segoe UI Semibold" panose="020B0702040204020203" pitchFamily="34" charset="0"/>
+                <a:cs typeface="Segoe UI Semibold" panose="020B0702040204020203" pitchFamily="34" charset="0"/>
+              </a:rPr>
+              <a:t>Any events?</a:t>
+            </a:r>
+          </a:p>
+        </p:txBody>
+      </p:sp>
+      <p:sp>
+        <p:nvSpPr>
+          <p:cNvPr id="38" name="TextBox 37">
+            <a:extLst>
+              <a:ext uri="{FF2B5EF4-FFF2-40B4-BE49-F238E27FC236}">
+                <a16:creationId xmlns:a16="http://schemas.microsoft.com/office/drawing/2014/main" id="{272C930A-6BFC-6844-8DE2-D5B9F560347F}"/>
+              </a:ext>
+            </a:extLst>
+          </p:cNvPr>
+          <p:cNvSpPr txBox="1"/>
+          <p:nvPr/>
+        </p:nvSpPr>
+        <p:spPr>
+          <a:xfrm>
+            <a:off x="4347544" y="2119681"/>
+            <a:ext cx="1617146" cy="784061"/>
+          </a:xfrm>
+          <a:prstGeom prst="rect">
+            <a:avLst/>
+          </a:prstGeom>
+          <a:noFill/>
+        </p:spPr>
+        <p:txBody>
+          <a:bodyPr wrap="square" lIns="182880" tIns="146304" rIns="182880" bIns="146304" rtlCol="0">
+            <a:spAutoFit/>
+          </a:bodyPr>
+          <a:lstStyle/>
+          <a:p>
+            <a:pPr>
+              <a:lnSpc>
+                <a:spcPct val="90000"/>
+              </a:lnSpc>
+            </a:pPr>
+            <a:r>
+              <a:rPr lang="en-US" sz="1176" b="1" dirty="0">
+                <a:ln w="3175">
+                  <a:noFill/>
+                </a:ln>
+                <a:solidFill>
+                  <a:srgbClr val="0099CC"/>
+                </a:solidFill>
+                <a:latin typeface="Segoe UI Semibold" panose="020B0702040204020203" pitchFamily="34" charset="0"/>
+                <a:cs typeface="Segoe UI Semibold" panose="020B0702040204020203" pitchFamily="34" charset="0"/>
+              </a:rPr>
+              <a:t>Register +</a:t>
+            </a:r>
+          </a:p>
+          <a:p>
+            <a:pPr>
+              <a:lnSpc>
+                <a:spcPct val="90000"/>
+              </a:lnSpc>
+            </a:pPr>
+            <a:r>
+              <a:rPr lang="en-US" sz="1176" b="1" dirty="0">
+                <a:ln w="3175">
+                  <a:noFill/>
+                </a:ln>
+                <a:solidFill>
+                  <a:srgbClr val="0099CC"/>
+                </a:solidFill>
+                <a:latin typeface="Segoe UI Semibold" panose="020B0702040204020203" pitchFamily="34" charset="0"/>
+                <a:cs typeface="Segoe UI Semibold" panose="020B0702040204020203" pitchFamily="34" charset="0"/>
+              </a:rPr>
+              <a:t>trigger and</a:t>
+            </a:r>
+          </a:p>
+          <a:p>
+            <a:pPr>
+              <a:lnSpc>
+                <a:spcPct val="90000"/>
+              </a:lnSpc>
+            </a:pPr>
+            <a:r>
+              <a:rPr lang="en-US" sz="1176" b="1" dirty="0">
+                <a:ln w="3175">
+                  <a:noFill/>
+                </a:ln>
+                <a:solidFill>
+                  <a:srgbClr val="0099CC"/>
+                </a:solidFill>
+                <a:latin typeface="Segoe UI Semibold" panose="020B0702040204020203" pitchFamily="34" charset="0"/>
+                <a:cs typeface="Segoe UI Semibold" panose="020B0702040204020203" pitchFamily="34" charset="0"/>
+              </a:rPr>
+              <a:t>scaling definition</a:t>
+            </a:r>
+          </a:p>
+        </p:txBody>
+      </p:sp>
+      <p:grpSp>
+        <p:nvGrpSpPr>
+          <p:cNvPr id="39" name="Group 38">
+            <a:extLst>
+              <a:ext uri="{FF2B5EF4-FFF2-40B4-BE49-F238E27FC236}">
+                <a16:creationId xmlns:a16="http://schemas.microsoft.com/office/drawing/2014/main" id="{06638BFF-08CE-C244-8D4F-84C1A3CB6FF7}"/>
+              </a:ext>
+            </a:extLst>
+          </p:cNvPr>
+          <p:cNvGrpSpPr/>
+          <p:nvPr/>
+        </p:nvGrpSpPr>
+        <p:grpSpPr>
+          <a:xfrm>
+            <a:off x="7628708" y="4927730"/>
+            <a:ext cx="1918196" cy="1097280"/>
+            <a:chOff x="7750152" y="5255175"/>
+            <a:chExt cx="1918196" cy="1097280"/>
+          </a:xfrm>
+        </p:grpSpPr>
+        <p:sp>
+          <p:nvSpPr>
+            <p:cNvPr id="40" name="Oval 39">
+              <a:extLst>
+                <a:ext uri="{FF2B5EF4-FFF2-40B4-BE49-F238E27FC236}">
+                  <a16:creationId xmlns:a16="http://schemas.microsoft.com/office/drawing/2014/main" id="{08F546FE-4826-5047-BD6F-290732746EFF}"/>
+                </a:ext>
+              </a:extLst>
+            </p:cNvPr>
+            <p:cNvSpPr/>
+            <p:nvPr/>
+          </p:nvSpPr>
+          <p:spPr bwMode="auto">
+            <a:xfrm>
+              <a:off x="7750152" y="5255175"/>
+              <a:ext cx="1097280" cy="1097280"/>
+            </a:xfrm>
+            <a:prstGeom prst="ellipse">
+              <a:avLst/>
+            </a:prstGeom>
+            <a:solidFill>
+              <a:schemeClr val="accent1"/>
+            </a:solidFill>
+            <a:ln>
+              <a:noFill/>
+              <a:headEnd type="none" w="med" len="med"/>
+              <a:tailEnd type="none" w="med" len="med"/>
+            </a:ln>
+            <a:effectLst/>
+          </p:spPr>
+          <p:style>
+            <a:lnRef idx="1">
+              <a:schemeClr val="accent2"/>
+            </a:lnRef>
+            <a:fillRef idx="3">
+              <a:schemeClr val="accent2"/>
+            </a:fillRef>
+            <a:effectRef idx="2">
+              <a:schemeClr val="accent2"/>
+            </a:effectRef>
+            <a:fontRef idx="minor">
+              <a:schemeClr val="lt1"/>
+            </a:fontRef>
+          </p:style>
+          <p:txBody>
+            <a:bodyPr rot="0" spcFirstLastPara="0" vertOverflow="overflow" horzOverflow="overflow" vert="horz" wrap="square" lIns="182880" tIns="146304" rIns="182880" bIns="146304" numCol="1" spcCol="0" rtlCol="0" fromWordArt="0" anchor="t" anchorCtr="0" forceAA="0" compatLnSpc="1">
+              <a:prstTxWarp prst="textNoShape">
+                <a:avLst/>
+              </a:prstTxWarp>
+              <a:noAutofit/>
+            </a:bodyPr>
+            <a:lstStyle/>
+            <a:p>
+              <a:pPr algn="ctr" defTabSz="932472" fontAlgn="base">
+                <a:lnSpc>
+                  <a:spcPct val="90000"/>
+                </a:lnSpc>
+                <a:spcBef>
+                  <a:spcPct val="0"/>
+                </a:spcBef>
+                <a:spcAft>
+                  <a:spcPct val="0"/>
+                </a:spcAft>
+              </a:pPr>
+              <a:endParaRPr lang="en-US" sz="2400" dirty="0" err="1">
+                <a:gradFill>
+                  <a:gsLst>
+                    <a:gs pos="0">
+                      <a:srgbClr val="FFFFFF"/>
+                    </a:gs>
+                    <a:gs pos="100000">
+                      <a:srgbClr val="FFFFFF"/>
+                    </a:gs>
+                  </a:gsLst>
+                  <a:lin ang="5400000" scaled="0"/>
+                </a:gradFill>
+                <a:ea typeface="Segoe UI" pitchFamily="34" charset="0"/>
+                <a:cs typeface="Segoe UI" pitchFamily="34" charset="0"/>
+              </a:endParaRPr>
+            </a:p>
+          </p:txBody>
+        </p:sp>
+        <p:sp>
+          <p:nvSpPr>
+            <p:cNvPr id="41" name="Title 1">
+              <a:extLst>
+                <a:ext uri="{FF2B5EF4-FFF2-40B4-BE49-F238E27FC236}">
+                  <a16:creationId xmlns:a16="http://schemas.microsoft.com/office/drawing/2014/main" id="{1ACA60F5-6617-5C4B-A95F-6370C7E078F1}"/>
+                </a:ext>
+              </a:extLst>
+            </p:cNvPr>
+            <p:cNvSpPr txBox="1">
+              <a:spLocks/>
+            </p:cNvSpPr>
+            <p:nvPr/>
+          </p:nvSpPr>
+          <p:spPr>
+            <a:xfrm>
+              <a:off x="8757589" y="5530755"/>
+              <a:ext cx="910759" cy="542841"/>
+            </a:xfrm>
+            <a:prstGeom prst="rect">
+              <a:avLst/>
+            </a:prstGeom>
+          </p:spPr>
+          <p:txBody>
+            <a:bodyPr vert="horz" wrap="square" lIns="0" tIns="0" rIns="0" bIns="0" rtlCol="0" anchor="b">
+              <a:spAutoFit/>
+            </a:bodyPr>
+            <a:lstStyle>
+              <a:lvl1pPr algn="l" defTabSz="932742" rtl="0" eaLnBrk="1" latinLnBrk="0" hangingPunct="1">
+                <a:lnSpc>
+                  <a:spcPct val="90000"/>
+                </a:lnSpc>
+                <a:spcBef>
+                  <a:spcPct val="0"/>
+                </a:spcBef>
+                <a:buNone/>
+                <a:defRPr lang="en-US" sz="5400" b="0" kern="1200" cap="none" spc="-102" baseline="0">
+                  <a:ln w="3175">
+                    <a:noFill/>
+                  </a:ln>
+                  <a:gradFill>
+                    <a:gsLst>
+                      <a:gs pos="2655">
+                        <a:schemeClr val="tx1"/>
+                      </a:gs>
+                      <a:gs pos="31000">
+                        <a:schemeClr val="tx1"/>
+                      </a:gs>
+                    </a:gsLst>
+                    <a:lin ang="5400000" scaled="0"/>
+                  </a:gradFill>
+                  <a:effectLst/>
+                  <a:latin typeface="+mj-lt"/>
+                  <a:ea typeface="+mn-ea"/>
+                  <a:cs typeface="Segoe UI" pitchFamily="34" charset="0"/>
+                </a:defRPr>
+              </a:lvl1pPr>
+            </a:lstStyle>
+            <a:p>
+              <a:pPr marL="0" marR="0" lvl="0" indent="0" algn="ctr" defTabSz="914367" rtl="0" eaLnBrk="1" fontAlgn="auto" latinLnBrk="0" hangingPunct="1">
+                <a:lnSpc>
+                  <a:spcPct val="100000"/>
+                </a:lnSpc>
+                <a:spcBef>
+                  <a:spcPct val="0"/>
+                </a:spcBef>
+                <a:spcAft>
+                  <a:spcPts val="0"/>
+                </a:spcAft>
+                <a:buClrTx/>
+                <a:buSzTx/>
+                <a:buFontTx/>
+                <a:buNone/>
+                <a:tabLst/>
+                <a:defRPr/>
+              </a:pPr>
+              <a:r>
+                <a:rPr kumimoji="0" lang="en-US" sz="1176" b="0" i="0" u="none" strike="noStrike" kern="1200" cap="none" spc="0" normalizeH="0" baseline="0" noProof="0" dirty="0">
                   <a:ln w="3175">
                     <a:noFill/>
                   </a:ln>
                   <a:solidFill>
                     <a:srgbClr val="000000"/>
                   </a:solidFill>
+                  <a:effectLst/>
+                  <a:uLnTx/>
+                  <a:uFillTx/>
                   <a:latin typeface="Segoe UI Semibold" panose="020B0702040204020203" pitchFamily="34" charset="0"/>
+                  <a:ea typeface="+mn-ea"/>
                   <a:cs typeface="Segoe UI Semibold" panose="020B0702040204020203" pitchFamily="34" charset="0"/>
                 </a:rPr>
-                <a:t>Kubernetes</a:t>
+                <a:t>External </a:t>
               </a:r>
-              <a:br>
-                <a:rPr lang="en-US" sz="1176" dirty="0">
+            </a:p>
+            <a:p>
+              <a:pPr marL="0" marR="0" lvl="0" indent="0" algn="ctr" defTabSz="914367" rtl="0" eaLnBrk="1" fontAlgn="auto" latinLnBrk="0" hangingPunct="1">
+                <a:lnSpc>
+                  <a:spcPct val="100000"/>
+                </a:lnSpc>
+                <a:spcBef>
+                  <a:spcPct val="0"/>
+                </a:spcBef>
+                <a:spcAft>
+                  <a:spcPts val="0"/>
+                </a:spcAft>
+                <a:buClrTx/>
+                <a:buSzTx/>
+                <a:buFontTx/>
+                <a:buNone/>
+                <a:tabLst/>
+                <a:defRPr/>
+              </a:pPr>
+              <a:r>
+                <a:rPr kumimoji="0" lang="en-US" sz="1176" b="0" i="0" u="none" strike="noStrike" kern="1200" cap="none" spc="0" normalizeH="0" baseline="0" noProof="0" dirty="0">
                   <a:ln w="3175">
                     <a:noFill/>
                   </a:ln>
                   <a:solidFill>
                     <a:srgbClr val="000000"/>
                   </a:solidFill>
+                  <a:effectLst/>
+                  <a:uLnTx/>
+                  <a:uFillTx/>
                   <a:latin typeface="Segoe UI Semibold" panose="020B0702040204020203" pitchFamily="34" charset="0"/>
+                  <a:ea typeface="+mn-ea"/>
                   <a:cs typeface="Segoe UI Semibold" panose="020B0702040204020203" pitchFamily="34" charset="0"/>
                 </a:rPr>
-              </a:br>
+                <a:t>trigger </a:t>
+              </a:r>
+            </a:p>
+            <a:p>
+              <a:pPr marL="0" marR="0" lvl="0" indent="0" algn="ctr" defTabSz="914367" rtl="0" eaLnBrk="1" fontAlgn="auto" latinLnBrk="0" hangingPunct="1">
+                <a:lnSpc>
+                  <a:spcPct val="100000"/>
+                </a:lnSpc>
+                <a:spcBef>
+                  <a:spcPct val="0"/>
+                </a:spcBef>
+                <a:spcAft>
+                  <a:spcPts val="0"/>
+                </a:spcAft>
+                <a:buClrTx/>
+                <a:buSzTx/>
+                <a:buFontTx/>
+                <a:buNone/>
+                <a:tabLst/>
+                <a:defRPr/>
+              </a:pPr>
               <a:r>
-                <a:rPr lang="en-US" sz="1176" dirty="0">
+                <a:rPr kumimoji="0" lang="en-US" sz="1176" b="0" i="0" u="none" strike="noStrike" kern="1200" cap="none" spc="0" normalizeH="0" baseline="0" noProof="0" dirty="0">
                   <a:ln w="3175">
                     <a:noFill/>
                   </a:ln>
                   <a:solidFill>
                     <a:srgbClr val="000000"/>
                   </a:solidFill>
-                  <a:latin typeface="Segoe UI Semibold" panose="020B0702040204020203" pitchFamily="34" charset="0"/>
-                  <a:cs typeface="Segoe UI Semibold" panose="020B0702040204020203" pitchFamily="34" charset="0"/>
-                </a:rPr>
-                <a:t>API Server</a:t>
-              </a:r>
-            </a:p>
-          </p:txBody>
-        </p:sp>
-        <p:grpSp>
-          <p:nvGrpSpPr>
-            <p:cNvPr id="10" name="Group 9">
-              <a:extLst>
-                <a:ext uri="{FF2B5EF4-FFF2-40B4-BE49-F238E27FC236}">
-                  <a16:creationId xmlns:a16="http://schemas.microsoft.com/office/drawing/2014/main" id="{3B991429-3521-46FE-A49F-463A60ADDE24}"/>
-                </a:ext>
-              </a:extLst>
-            </p:cNvPr>
-            <p:cNvGrpSpPr/>
-            <p:nvPr/>
-          </p:nvGrpSpPr>
-          <p:grpSpPr>
-            <a:xfrm>
-              <a:off x="5602891" y="2865359"/>
-              <a:ext cx="3239282" cy="1611921"/>
-              <a:chOff x="4606693" y="4304328"/>
-              <a:chExt cx="3239282" cy="1611921"/>
-            </a:xfrm>
-          </p:grpSpPr>
-          <p:sp>
-            <p:nvSpPr>
-              <p:cNvPr id="29" name="Rectangle: Rounded Corners 118">
-                <a:extLst>
-                  <a:ext uri="{FF2B5EF4-FFF2-40B4-BE49-F238E27FC236}">
-                    <a16:creationId xmlns:a16="http://schemas.microsoft.com/office/drawing/2014/main" id="{C456CEE4-6B51-4599-933D-7CEF46D25C28}"/>
-                  </a:ext>
-                </a:extLst>
-              </p:cNvPr>
-              <p:cNvSpPr/>
-              <p:nvPr/>
-            </p:nvSpPr>
-            <p:spPr bwMode="auto">
-              <a:xfrm>
-                <a:off x="4606693" y="4671875"/>
-                <a:ext cx="3239282" cy="1244374"/>
-              </a:xfrm>
-              <a:prstGeom prst="roundRect">
-                <a:avLst>
-                  <a:gd name="adj" fmla="val 3125"/>
-                </a:avLst>
-              </a:prstGeom>
-              <a:solidFill>
-                <a:srgbClr val="FCFDFE"/>
-              </a:solidFill>
-              <a:ln w="25400">
-                <a:solidFill>
-                  <a:srgbClr val="0F78D4"/>
-                </a:solidFill>
-                <a:headEnd type="none" w="med" len="med"/>
-                <a:tailEnd type="none" w="med" len="med"/>
-              </a:ln>
-              <a:effectLst/>
-            </p:spPr>
-            <p:style>
-              <a:lnRef idx="1">
-                <a:schemeClr val="accent2"/>
-              </a:lnRef>
-              <a:fillRef idx="3">
-                <a:schemeClr val="accent2"/>
-              </a:fillRef>
-              <a:effectRef idx="2">
-                <a:schemeClr val="accent2"/>
-              </a:effectRef>
-              <a:fontRef idx="minor">
-                <a:schemeClr val="lt1"/>
-              </a:fontRef>
-            </p:style>
-            <p:txBody>
-              <a:bodyPr rot="0" spcFirstLastPara="0" vertOverflow="overflow" horzOverflow="overflow" vert="horz" wrap="square" lIns="179285" tIns="143428" rIns="179285" bIns="143428" numCol="1" spcCol="0" rtlCol="0" fromWordArt="0" anchor="ctr" anchorCtr="0" forceAA="0" compatLnSpc="1">
-                <a:prstTxWarp prst="textNoShape">
-                  <a:avLst/>
-                </a:prstTxWarp>
-                <a:noAutofit/>
-              </a:bodyPr>
-              <a:lstStyle/>
-              <a:p>
-                <a:pPr marL="0" marR="0" lvl="0" indent="0" algn="ctr" defTabSz="914102" rtl="0" eaLnBrk="1" fontAlgn="base" latinLnBrk="0" hangingPunct="1">
-                  <a:lnSpc>
-                    <a:spcPct val="90000"/>
-                  </a:lnSpc>
-                  <a:spcBef>
-                    <a:spcPct val="0"/>
-                  </a:spcBef>
-                  <a:spcAft>
-                    <a:spcPct val="0"/>
-                  </a:spcAft>
-                  <a:buClrTx/>
-                  <a:buSzTx/>
-                  <a:buFontTx/>
-                  <a:buNone/>
-                  <a:tabLst/>
-                  <a:defRPr/>
-                </a:pPr>
-                <a:endParaRPr kumimoji="0" lang="en-US" sz="1176" b="0" i="0" u="none" strike="noStrike" kern="1200" cap="none" spc="0" normalizeH="0" baseline="0" noProof="0">
-                  <a:ln>
-                    <a:noFill/>
-                  </a:ln>
-                  <a:solidFill>
-                    <a:srgbClr val="3C3C41"/>
-                  </a:solidFill>
                   <a:effectLst/>
                   <a:uLnTx/>
                   <a:uFillTx/>
-                  <a:latin typeface="Segoe UI"/>
+                  <a:latin typeface="Segoe UI Semibold" panose="020B0702040204020203" pitchFamily="34" charset="0"/>
                   <a:ea typeface="+mn-ea"/>
-                  <a:cs typeface="Segoe UI" pitchFamily="34" charset="0"/>
-                </a:endParaRPr>
-              </a:p>
-            </p:txBody>
-          </p:sp>
-          <p:sp>
-            <p:nvSpPr>
-              <p:cNvPr id="30" name="Title 1">
-                <a:extLst>
-                  <a:ext uri="{FF2B5EF4-FFF2-40B4-BE49-F238E27FC236}">
-                    <a16:creationId xmlns:a16="http://schemas.microsoft.com/office/drawing/2014/main" id="{67C56E30-D9AF-48C2-A802-1E29D0859505}"/>
-                  </a:ext>
-                </a:extLst>
-              </p:cNvPr>
-              <p:cNvSpPr txBox="1">
-                <a:spLocks/>
-              </p:cNvSpPr>
-              <p:nvPr/>
-            </p:nvSpPr>
-            <p:spPr>
-              <a:xfrm>
-                <a:off x="5657074" y="4304328"/>
-                <a:ext cx="1138520" cy="276999"/>
-              </a:xfrm>
-              <a:prstGeom prst="rect">
-                <a:avLst/>
-              </a:prstGeom>
-            </p:spPr>
-            <p:txBody>
-              <a:bodyPr vert="horz" wrap="square" lIns="0" tIns="0" rIns="0" bIns="0" rtlCol="0" anchor="b">
-                <a:spAutoFit/>
-              </a:bodyPr>
-              <a:lstStyle>
-                <a:lvl1pPr algn="l" defTabSz="932742" rtl="0" eaLnBrk="1" latinLnBrk="0" hangingPunct="1">
-                  <a:lnSpc>
-                    <a:spcPct val="90000"/>
-                  </a:lnSpc>
-                  <a:spcBef>
-                    <a:spcPct val="0"/>
-                  </a:spcBef>
-                  <a:buNone/>
-                  <a:defRPr lang="en-US" sz="5400" b="0" kern="1200" cap="none" spc="-102" baseline="0">
-                    <a:ln w="3175">
-                      <a:noFill/>
-                    </a:ln>
-                    <a:gradFill>
-                      <a:gsLst>
-                        <a:gs pos="2655">
-                          <a:schemeClr val="tx1"/>
-                        </a:gs>
-                        <a:gs pos="31000">
-                          <a:schemeClr val="tx1"/>
-                        </a:gs>
-                      </a:gsLst>
-                      <a:lin ang="5400000" scaled="0"/>
-                    </a:gradFill>
-                    <a:effectLst/>
-                    <a:latin typeface="+mj-lt"/>
-                    <a:ea typeface="+mn-ea"/>
-                    <a:cs typeface="Segoe UI" pitchFamily="34" charset="0"/>
-                  </a:defRPr>
-                </a:lvl1pPr>
-              </a:lstStyle>
-              <a:p>
-                <a:pPr marL="0" marR="0" lvl="0" indent="0" algn="ctr" defTabSz="914367" rtl="0" eaLnBrk="1" fontAlgn="auto" latinLnBrk="0" hangingPunct="1">
-                  <a:lnSpc>
-                    <a:spcPct val="100000"/>
-                  </a:lnSpc>
-                  <a:spcBef>
-                    <a:spcPct val="0"/>
-                  </a:spcBef>
-                  <a:spcAft>
-                    <a:spcPts val="0"/>
-                  </a:spcAft>
-                  <a:buClrTx/>
-                  <a:buSzTx/>
-                  <a:buFontTx/>
-                  <a:buNone/>
-                  <a:tabLst/>
-                  <a:defRPr/>
-                </a:pPr>
-                <a:r>
-                  <a:rPr kumimoji="0" lang="en-US" sz="1800" b="0" i="0" u="none" strike="noStrike" kern="1200" cap="none" spc="0" normalizeH="0" baseline="0" noProof="0" dirty="0">
-                    <a:ln w="3175">
-                      <a:noFill/>
-                    </a:ln>
-                    <a:solidFill>
-                      <a:srgbClr val="000000"/>
-                    </a:solidFill>
-                    <a:effectLst/>
-                    <a:uLnTx/>
-                    <a:uFillTx/>
-                    <a:latin typeface="Segoe UI Semibold" panose="020B0702040204020203" pitchFamily="34" charset="0"/>
-                    <a:ea typeface="+mn-ea"/>
-                    <a:cs typeface="Segoe UI Semibold" panose="020B0702040204020203" pitchFamily="34" charset="0"/>
-                  </a:rPr>
-                  <a:t>KEDA</a:t>
-                </a:r>
-              </a:p>
-            </p:txBody>
-          </p:sp>
-          <p:sp>
-            <p:nvSpPr>
-              <p:cNvPr id="31" name="Rectangle: Rounded Corners 118">
-                <a:extLst>
-                  <a:ext uri="{FF2B5EF4-FFF2-40B4-BE49-F238E27FC236}">
-                    <a16:creationId xmlns:a16="http://schemas.microsoft.com/office/drawing/2014/main" id="{1D63A2C6-B388-4805-B77F-EE01E8ECAB7D}"/>
-                  </a:ext>
-                </a:extLst>
-              </p:cNvPr>
-              <p:cNvSpPr/>
-              <p:nvPr/>
-            </p:nvSpPr>
-            <p:spPr bwMode="auto">
-              <a:xfrm>
-                <a:off x="4701752" y="5030333"/>
-                <a:ext cx="914400" cy="548640"/>
-              </a:xfrm>
-              <a:prstGeom prst="roundRect">
-                <a:avLst>
-                  <a:gd name="adj" fmla="val 3125"/>
-                </a:avLst>
-              </a:prstGeom>
-              <a:solidFill>
-                <a:srgbClr val="FCFDFE"/>
-              </a:solidFill>
-              <a:ln w="12700">
-                <a:solidFill>
-                  <a:srgbClr val="0F78D4"/>
-                </a:solidFill>
-                <a:headEnd type="none" w="med" len="med"/>
-                <a:tailEnd type="none" w="med" len="med"/>
-              </a:ln>
-              <a:effectLst/>
-            </p:spPr>
-            <p:style>
-              <a:lnRef idx="1">
-                <a:schemeClr val="accent2"/>
-              </a:lnRef>
-              <a:fillRef idx="3">
-                <a:schemeClr val="accent2"/>
-              </a:fillRef>
-              <a:effectRef idx="2">
-                <a:schemeClr val="accent2"/>
-              </a:effectRef>
-              <a:fontRef idx="minor">
-                <a:schemeClr val="lt1"/>
-              </a:fontRef>
-            </p:style>
-            <p:txBody>
-              <a:bodyPr rot="0" spcFirstLastPara="0" vertOverflow="overflow" horzOverflow="overflow" vert="horz" wrap="square" lIns="179285" tIns="143428" rIns="179285" bIns="143428" numCol="1" spcCol="0" rtlCol="0" fromWordArt="0" anchor="ctr" anchorCtr="0" forceAA="0" compatLnSpc="1">
-                <a:prstTxWarp prst="textNoShape">
-                  <a:avLst/>
-                </a:prstTxWarp>
-                <a:noAutofit/>
-              </a:bodyPr>
-              <a:lstStyle/>
-              <a:p>
-                <a:pPr algn="ctr" defTabSz="914102" fontAlgn="base">
-                  <a:lnSpc>
-                    <a:spcPct val="90000"/>
-                  </a:lnSpc>
-                  <a:spcBef>
-                    <a:spcPct val="0"/>
-                  </a:spcBef>
-                  <a:spcAft>
-                    <a:spcPct val="0"/>
-                  </a:spcAft>
-                </a:pPr>
-                <a:r>
-                  <a:rPr lang="en-US" sz="1176" dirty="0">
-                    <a:solidFill>
-                      <a:srgbClr val="3C3C41"/>
-                    </a:solidFill>
-                    <a:latin typeface="Segoe UI"/>
-                    <a:cs typeface="Segoe UI" pitchFamily="34" charset="0"/>
-                  </a:rPr>
-                  <a:t>Metrics adapter</a:t>
-                </a:r>
-              </a:p>
-            </p:txBody>
-          </p:sp>
-          <p:sp>
-            <p:nvSpPr>
-              <p:cNvPr id="32" name="Rectangle: Rounded Corners 118">
-                <a:extLst>
-                  <a:ext uri="{FF2B5EF4-FFF2-40B4-BE49-F238E27FC236}">
-                    <a16:creationId xmlns:a16="http://schemas.microsoft.com/office/drawing/2014/main" id="{3A87AA7B-3C07-4D39-AD16-A60A0FED6859}"/>
-                  </a:ext>
-                </a:extLst>
-              </p:cNvPr>
-              <p:cNvSpPr/>
-              <p:nvPr/>
-            </p:nvSpPr>
-            <p:spPr bwMode="auto">
-              <a:xfrm>
-                <a:off x="6828582" y="5030333"/>
-                <a:ext cx="914400" cy="548640"/>
-              </a:xfrm>
-              <a:prstGeom prst="roundRect">
-                <a:avLst>
-                  <a:gd name="adj" fmla="val 3125"/>
-                </a:avLst>
-              </a:prstGeom>
-              <a:solidFill>
-                <a:srgbClr val="FCFDFE"/>
-              </a:solidFill>
-              <a:ln w="12700">
-                <a:solidFill>
-                  <a:srgbClr val="0F78D4"/>
-                </a:solidFill>
-                <a:headEnd type="none" w="med" len="med"/>
-                <a:tailEnd type="none" w="med" len="med"/>
-              </a:ln>
-              <a:effectLst/>
-            </p:spPr>
-            <p:style>
-              <a:lnRef idx="1">
-                <a:schemeClr val="accent2"/>
-              </a:lnRef>
-              <a:fillRef idx="3">
-                <a:schemeClr val="accent2"/>
-              </a:fillRef>
-              <a:effectRef idx="2">
-                <a:schemeClr val="accent2"/>
-              </a:effectRef>
-              <a:fontRef idx="minor">
-                <a:schemeClr val="lt1"/>
-              </a:fontRef>
-            </p:style>
-            <p:txBody>
-              <a:bodyPr rot="0" spcFirstLastPara="0" vertOverflow="overflow" horzOverflow="overflow" vert="horz" wrap="square" lIns="179285" tIns="143428" rIns="179285" bIns="143428" numCol="1" spcCol="0" rtlCol="0" fromWordArt="0" anchor="ctr" anchorCtr="0" forceAA="0" compatLnSpc="1">
-                <a:prstTxWarp prst="textNoShape">
-                  <a:avLst/>
-                </a:prstTxWarp>
-                <a:noAutofit/>
-              </a:bodyPr>
-              <a:lstStyle/>
-              <a:p>
-                <a:pPr algn="ctr" defTabSz="914102" fontAlgn="base">
-                  <a:lnSpc>
-                    <a:spcPct val="90000"/>
-                  </a:lnSpc>
-                  <a:spcBef>
-                    <a:spcPct val="0"/>
-                  </a:spcBef>
-                  <a:spcAft>
-                    <a:spcPct val="0"/>
-                  </a:spcAft>
-                </a:pPr>
-                <a:r>
-                  <a:rPr lang="en-US" sz="1176" dirty="0">
-                    <a:solidFill>
-                      <a:srgbClr val="3C3C41"/>
-                    </a:solidFill>
-                    <a:latin typeface="Segoe UI"/>
-                    <a:cs typeface="Segoe UI" pitchFamily="34" charset="0"/>
-                  </a:rPr>
-                  <a:t>Scaler</a:t>
-                </a:r>
-              </a:p>
-            </p:txBody>
-          </p:sp>
-          <p:sp>
-            <p:nvSpPr>
-              <p:cNvPr id="33" name="Rectangle: Rounded Corners 118">
-                <a:extLst>
-                  <a:ext uri="{FF2B5EF4-FFF2-40B4-BE49-F238E27FC236}">
-                    <a16:creationId xmlns:a16="http://schemas.microsoft.com/office/drawing/2014/main" id="{E1C9B2FA-2C14-4000-8533-EA9DD0D8C132}"/>
-                  </a:ext>
-                </a:extLst>
-              </p:cNvPr>
-              <p:cNvSpPr/>
-              <p:nvPr/>
-            </p:nvSpPr>
-            <p:spPr bwMode="auto">
-              <a:xfrm>
-                <a:off x="5668679" y="5030333"/>
-                <a:ext cx="1097280" cy="548640"/>
-              </a:xfrm>
-              <a:prstGeom prst="roundRect">
-                <a:avLst>
-                  <a:gd name="adj" fmla="val 3125"/>
-                </a:avLst>
-              </a:prstGeom>
-              <a:solidFill>
-                <a:srgbClr val="FCFDFE"/>
-              </a:solidFill>
-              <a:ln w="12700">
-                <a:solidFill>
-                  <a:srgbClr val="0F78D4"/>
-                </a:solidFill>
-                <a:headEnd type="none" w="med" len="med"/>
-                <a:tailEnd type="none" w="med" len="med"/>
-              </a:ln>
-              <a:effectLst/>
-            </p:spPr>
-            <p:style>
-              <a:lnRef idx="1">
-                <a:schemeClr val="accent2"/>
-              </a:lnRef>
-              <a:fillRef idx="3">
-                <a:schemeClr val="accent2"/>
-              </a:fillRef>
-              <a:effectRef idx="2">
-                <a:schemeClr val="accent2"/>
-              </a:effectRef>
-              <a:fontRef idx="minor">
-                <a:schemeClr val="lt1"/>
-              </a:fontRef>
-            </p:style>
-            <p:txBody>
-              <a:bodyPr rot="0" spcFirstLastPara="0" vertOverflow="overflow" horzOverflow="overflow" vert="horz" wrap="square" lIns="179285" tIns="143428" rIns="179285" bIns="143428" numCol="1" spcCol="0" rtlCol="0" fromWordArt="0" anchor="ctr" anchorCtr="0" forceAA="0" compatLnSpc="1">
-                <a:prstTxWarp prst="textNoShape">
-                  <a:avLst/>
-                </a:prstTxWarp>
-                <a:noAutofit/>
-              </a:bodyPr>
-              <a:lstStyle/>
-              <a:p>
-                <a:pPr algn="ctr" defTabSz="914102" fontAlgn="base">
-                  <a:lnSpc>
-                    <a:spcPct val="90000"/>
-                  </a:lnSpc>
-                  <a:spcBef>
-                    <a:spcPct val="0"/>
-                  </a:spcBef>
-                  <a:spcAft>
-                    <a:spcPct val="0"/>
-                  </a:spcAft>
-                </a:pPr>
-                <a:r>
-                  <a:rPr lang="en-US" sz="1176" dirty="0">
-                    <a:solidFill>
-                      <a:srgbClr val="3C3C41"/>
-                    </a:solidFill>
-                    <a:latin typeface="Segoe UI"/>
-                    <a:cs typeface="Segoe UI" pitchFamily="34" charset="0"/>
-                  </a:rPr>
-                  <a:t>Controller</a:t>
-                </a:r>
-              </a:p>
-            </p:txBody>
-          </p:sp>
-        </p:grpSp>
-        <p:cxnSp>
-          <p:nvCxnSpPr>
-            <p:cNvPr id="11" name="Straight Arrow Connector 10">
-              <a:extLst>
-                <a:ext uri="{FF2B5EF4-FFF2-40B4-BE49-F238E27FC236}">
-                  <a16:creationId xmlns:a16="http://schemas.microsoft.com/office/drawing/2014/main" id="{3BDD34B8-FE73-4A88-B433-472E81A92C52}"/>
-                </a:ext>
-              </a:extLst>
-            </p:cNvPr>
-            <p:cNvCxnSpPr>
-              <a:stCxn id="26" idx="6"/>
-            </p:cNvCxnSpPr>
-            <p:nvPr/>
-          </p:nvCxnSpPr>
-          <p:spPr>
-            <a:xfrm>
-              <a:off x="4749239" y="2259433"/>
-              <a:ext cx="875130" cy="0"/>
-            </a:xfrm>
-            <a:prstGeom prst="straightConnector1">
-              <a:avLst/>
-            </a:prstGeom>
-            <a:ln w="19050">
-              <a:solidFill>
-                <a:srgbClr val="0099CC"/>
-              </a:solidFill>
-              <a:headEnd type="none"/>
-              <a:tailEnd type="triangle"/>
-            </a:ln>
-          </p:spPr>
-          <p:style>
-            <a:lnRef idx="1">
-              <a:schemeClr val="accent1"/>
-            </a:lnRef>
-            <a:fillRef idx="0">
-              <a:schemeClr val="accent1"/>
-            </a:fillRef>
-            <a:effectRef idx="0">
-              <a:schemeClr val="accent1"/>
-            </a:effectRef>
-            <a:fontRef idx="minor">
-              <a:schemeClr val="tx1"/>
-            </a:fontRef>
-          </p:style>
-        </p:cxnSp>
-        <p:cxnSp>
-          <p:nvCxnSpPr>
-            <p:cNvPr id="12" name="Straight Arrow Connector 11">
-              <a:extLst>
-                <a:ext uri="{FF2B5EF4-FFF2-40B4-BE49-F238E27FC236}">
-                  <a16:creationId xmlns:a16="http://schemas.microsoft.com/office/drawing/2014/main" id="{0715D3A9-F5B3-414D-8D86-D85A3915CE1E}"/>
-                </a:ext>
-              </a:extLst>
-            </p:cNvPr>
-            <p:cNvCxnSpPr>
-              <a:stCxn id="9" idx="3"/>
-            </p:cNvCxnSpPr>
-            <p:nvPr/>
-          </p:nvCxnSpPr>
-          <p:spPr>
-            <a:xfrm>
-              <a:off x="6334987" y="2636464"/>
-              <a:ext cx="5957" cy="596442"/>
-            </a:xfrm>
-            <a:prstGeom prst="straightConnector1">
-              <a:avLst/>
-            </a:prstGeom>
-            <a:ln w="19050">
-              <a:solidFill>
-                <a:srgbClr val="0099CC"/>
-              </a:solidFill>
-              <a:headEnd type="none"/>
-              <a:tailEnd type="triangle"/>
-            </a:ln>
-          </p:spPr>
-          <p:style>
-            <a:lnRef idx="1">
-              <a:schemeClr val="accent1"/>
-            </a:lnRef>
-            <a:fillRef idx="0">
-              <a:schemeClr val="accent1"/>
-            </a:fillRef>
-            <a:effectRef idx="0">
-              <a:schemeClr val="accent1"/>
-            </a:effectRef>
-            <a:fontRef idx="minor">
-              <a:schemeClr val="tx1"/>
-            </a:fontRef>
-          </p:style>
-        </p:cxnSp>
-        <p:cxnSp>
-          <p:nvCxnSpPr>
-            <p:cNvPr id="13" name="Straight Arrow Connector 12">
-              <a:extLst>
-                <a:ext uri="{FF2B5EF4-FFF2-40B4-BE49-F238E27FC236}">
-                  <a16:creationId xmlns:a16="http://schemas.microsoft.com/office/drawing/2014/main" id="{FC532346-9D8A-4869-80EE-DABA8F0E192D}"/>
-                </a:ext>
-              </a:extLst>
-            </p:cNvPr>
-            <p:cNvCxnSpPr>
-              <a:cxnSpLocks/>
-              <a:stCxn id="29" idx="1"/>
-              <a:endCxn id="8" idx="3"/>
-            </p:cNvCxnSpPr>
-            <p:nvPr/>
-          </p:nvCxnSpPr>
-          <p:spPr>
-            <a:xfrm flipH="1">
-              <a:off x="4990246" y="3855093"/>
-              <a:ext cx="612645" cy="2823"/>
-            </a:xfrm>
-            <a:prstGeom prst="straightConnector1">
-              <a:avLst/>
-            </a:prstGeom>
-            <a:ln w="19050">
-              <a:solidFill>
-                <a:srgbClr val="0099CC"/>
-              </a:solidFill>
-              <a:headEnd type="none"/>
-              <a:tailEnd type="triangle"/>
-            </a:ln>
-          </p:spPr>
-          <p:style>
-            <a:lnRef idx="1">
-              <a:schemeClr val="accent1"/>
-            </a:lnRef>
-            <a:fillRef idx="0">
-              <a:schemeClr val="accent1"/>
-            </a:fillRef>
-            <a:effectRef idx="0">
-              <a:schemeClr val="accent1"/>
-            </a:effectRef>
-            <a:fontRef idx="minor">
-              <a:schemeClr val="tx1"/>
-            </a:fontRef>
-          </p:style>
-        </p:cxnSp>
-        <p:grpSp>
-          <p:nvGrpSpPr>
-            <p:cNvPr id="14" name="Group 13">
-              <a:extLst>
-                <a:ext uri="{FF2B5EF4-FFF2-40B4-BE49-F238E27FC236}">
-                  <a16:creationId xmlns:a16="http://schemas.microsoft.com/office/drawing/2014/main" id="{78EB208F-9678-4446-8E20-226111A17159}"/>
-                </a:ext>
-              </a:extLst>
-            </p:cNvPr>
-            <p:cNvGrpSpPr/>
-            <p:nvPr/>
-          </p:nvGrpSpPr>
-          <p:grpSpPr>
-            <a:xfrm>
-              <a:off x="2930712" y="1710793"/>
-              <a:ext cx="1818527" cy="1097280"/>
-              <a:chOff x="2807212" y="1615543"/>
-              <a:chExt cx="1818527" cy="1097280"/>
-            </a:xfrm>
-          </p:grpSpPr>
-          <p:sp>
-            <p:nvSpPr>
-              <p:cNvPr id="26" name="Oval 25">
-                <a:extLst>
-                  <a:ext uri="{FF2B5EF4-FFF2-40B4-BE49-F238E27FC236}">
-                    <a16:creationId xmlns:a16="http://schemas.microsoft.com/office/drawing/2014/main" id="{9C279E68-5EE4-49DD-9CC4-59DC30AF123A}"/>
-                  </a:ext>
-                </a:extLst>
-              </p:cNvPr>
-              <p:cNvSpPr/>
-              <p:nvPr/>
-            </p:nvSpPr>
-            <p:spPr bwMode="auto">
-              <a:xfrm>
-                <a:off x="3528459" y="1615543"/>
-                <a:ext cx="1097280" cy="1097280"/>
-              </a:xfrm>
-              <a:prstGeom prst="ellipse">
-                <a:avLst/>
-              </a:prstGeom>
-              <a:solidFill>
-                <a:schemeClr val="accent3">
-                  <a:lumMod val="40000"/>
-                  <a:lumOff val="60000"/>
-                </a:schemeClr>
-              </a:solidFill>
-              <a:ln>
-                <a:noFill/>
-              </a:ln>
-            </p:spPr>
-            <p:style>
-              <a:lnRef idx="0">
-                <a:scrgbClr r="0" g="0" b="0"/>
-              </a:lnRef>
-              <a:fillRef idx="0">
-                <a:scrgbClr r="0" g="0" b="0"/>
-              </a:fillRef>
-              <a:effectRef idx="0">
-                <a:scrgbClr r="0" g="0" b="0"/>
-              </a:effectRef>
-              <a:fontRef idx="minor">
-                <a:schemeClr val="lt1"/>
-              </a:fontRef>
-            </p:style>
-            <p:txBody>
-              <a:bodyPr rot="0" spcFirstLastPara="0" vertOverflow="overflow" horzOverflow="overflow" vert="horz" wrap="square" lIns="182880" tIns="146304" rIns="182880" bIns="146304" numCol="1" spcCol="0" rtlCol="0" fromWordArt="0" anchor="t" anchorCtr="0" forceAA="0" compatLnSpc="1">
-                <a:prstTxWarp prst="textNoShape">
-                  <a:avLst/>
-                </a:prstTxWarp>
-                <a:noAutofit/>
-              </a:bodyPr>
-              <a:lstStyle/>
-              <a:p>
-                <a:pPr algn="ctr" defTabSz="932472" fontAlgn="base">
-                  <a:lnSpc>
-                    <a:spcPct val="90000"/>
-                  </a:lnSpc>
-                  <a:spcBef>
-                    <a:spcPct val="0"/>
-                  </a:spcBef>
-                  <a:spcAft>
-                    <a:spcPct val="0"/>
-                  </a:spcAft>
-                </a:pPr>
-                <a:endParaRPr lang="en-US" sz="2400" dirty="0" err="1">
-                  <a:gradFill>
-                    <a:gsLst>
-                      <a:gs pos="0">
-                        <a:srgbClr val="FFFFFF"/>
-                      </a:gs>
-                      <a:gs pos="100000">
-                        <a:srgbClr val="FFFFFF"/>
-                      </a:gs>
-                    </a:gsLst>
-                    <a:lin ang="5400000" scaled="0"/>
-                  </a:gradFill>
-                  <a:ea typeface="Segoe UI" pitchFamily="34" charset="0"/>
-                  <a:cs typeface="Segoe UI" pitchFamily="34" charset="0"/>
-                </a:endParaRPr>
-              </a:p>
-            </p:txBody>
-          </p:sp>
-          <p:sp>
-            <p:nvSpPr>
-              <p:cNvPr id="27" name="Title 1">
-                <a:extLst>
-                  <a:ext uri="{FF2B5EF4-FFF2-40B4-BE49-F238E27FC236}">
-                    <a16:creationId xmlns:a16="http://schemas.microsoft.com/office/drawing/2014/main" id="{15AF5173-10F8-4361-8D2A-E14A7ED1184E}"/>
-                  </a:ext>
-                </a:extLst>
-              </p:cNvPr>
-              <p:cNvSpPr txBox="1">
-                <a:spLocks/>
-              </p:cNvSpPr>
-              <p:nvPr/>
-            </p:nvSpPr>
-            <p:spPr>
-              <a:xfrm>
-                <a:off x="2807212" y="2073709"/>
-                <a:ext cx="910759" cy="180947"/>
-              </a:xfrm>
-              <a:prstGeom prst="rect">
-                <a:avLst/>
-              </a:prstGeom>
-            </p:spPr>
-            <p:txBody>
-              <a:bodyPr vert="horz" wrap="square" lIns="0" tIns="0" rIns="0" bIns="0" rtlCol="0" anchor="b">
-                <a:spAutoFit/>
-              </a:bodyPr>
-              <a:lstStyle>
-                <a:lvl1pPr algn="l" defTabSz="932742" rtl="0" eaLnBrk="1" latinLnBrk="0" hangingPunct="1">
-                  <a:lnSpc>
-                    <a:spcPct val="90000"/>
-                  </a:lnSpc>
-                  <a:spcBef>
-                    <a:spcPct val="0"/>
-                  </a:spcBef>
-                  <a:buNone/>
-                  <a:defRPr lang="en-US" sz="5400" b="0" kern="1200" cap="none" spc="-102" baseline="0">
-                    <a:ln w="3175">
-                      <a:noFill/>
-                    </a:ln>
-                    <a:gradFill>
-                      <a:gsLst>
-                        <a:gs pos="2655">
-                          <a:schemeClr val="tx1"/>
-                        </a:gs>
-                        <a:gs pos="31000">
-                          <a:schemeClr val="tx1"/>
-                        </a:gs>
-                      </a:gsLst>
-                      <a:lin ang="5400000" scaled="0"/>
-                    </a:gradFill>
-                    <a:effectLst/>
-                    <a:latin typeface="+mj-lt"/>
-                    <a:ea typeface="+mn-ea"/>
-                    <a:cs typeface="Segoe UI" pitchFamily="34" charset="0"/>
-                  </a:defRPr>
-                </a:lvl1pPr>
-              </a:lstStyle>
-              <a:p>
-                <a:pPr marL="0" marR="0" lvl="0" indent="0" algn="ctr" defTabSz="914367" rtl="0" eaLnBrk="1" fontAlgn="auto" latinLnBrk="0" hangingPunct="1">
-                  <a:lnSpc>
-                    <a:spcPct val="100000"/>
-                  </a:lnSpc>
-                  <a:spcBef>
-                    <a:spcPct val="0"/>
-                  </a:spcBef>
-                  <a:spcAft>
-                    <a:spcPts val="0"/>
-                  </a:spcAft>
-                  <a:buClrTx/>
-                  <a:buSzTx/>
-                  <a:buFontTx/>
-                  <a:buNone/>
-                  <a:tabLst/>
-                  <a:defRPr/>
-                </a:pPr>
-                <a:r>
-                  <a:rPr kumimoji="0" lang="en-US" sz="1176" b="0" i="0" u="none" strike="noStrike" kern="1200" cap="none" spc="0" normalizeH="0" baseline="0" noProof="0" dirty="0">
-                    <a:ln w="3175">
-                      <a:noFill/>
-                    </a:ln>
-                    <a:solidFill>
-                      <a:srgbClr val="000000"/>
-                    </a:solidFill>
-                    <a:effectLst/>
-                    <a:uLnTx/>
-                    <a:uFillTx/>
-                    <a:latin typeface="Segoe UI Semibold" panose="020B0702040204020203" pitchFamily="34" charset="0"/>
-                    <a:ea typeface="+mn-ea"/>
-                    <a:cs typeface="Segoe UI Semibold" panose="020B0702040204020203" pitchFamily="34" charset="0"/>
-                  </a:rPr>
-                  <a:t>CLI</a:t>
-                </a:r>
-              </a:p>
-            </p:txBody>
-          </p:sp>
-          <p:sp>
-            <p:nvSpPr>
-              <p:cNvPr id="28" name="binary" title="Icon of binary code, ones and zeros">
-                <a:extLst>
-                  <a:ext uri="{FF2B5EF4-FFF2-40B4-BE49-F238E27FC236}">
-                    <a16:creationId xmlns:a16="http://schemas.microsoft.com/office/drawing/2014/main" id="{A60398D4-A93C-4908-9821-B45DFF696884}"/>
-                  </a:ext>
-                </a:extLst>
-              </p:cNvPr>
-              <p:cNvSpPr>
-                <a:spLocks noChangeAspect="1" noEditPoints="1"/>
-              </p:cNvSpPr>
-              <p:nvPr/>
-            </p:nvSpPr>
-            <p:spPr bwMode="auto">
-              <a:xfrm>
-                <a:off x="3812361" y="1935583"/>
-                <a:ext cx="529476" cy="457200"/>
-              </a:xfrm>
-              <a:custGeom>
-                <a:avLst/>
-                <a:gdLst>
-                  <a:gd name="T0" fmla="*/ 0 w 245"/>
-                  <a:gd name="T1" fmla="*/ 48 h 212"/>
-                  <a:gd name="T2" fmla="*/ 92 w 245"/>
-                  <a:gd name="T3" fmla="*/ 48 h 212"/>
-                  <a:gd name="T4" fmla="*/ 183 w 245"/>
-                  <a:gd name="T5" fmla="*/ 48 h 212"/>
-                  <a:gd name="T6" fmla="*/ 62 w 245"/>
-                  <a:gd name="T7" fmla="*/ 15 h 212"/>
-                  <a:gd name="T8" fmla="*/ 46 w 245"/>
-                  <a:gd name="T9" fmla="*/ 0 h 212"/>
-                  <a:gd name="T10" fmla="*/ 30 w 245"/>
-                  <a:gd name="T11" fmla="*/ 33 h 212"/>
-                  <a:gd name="T12" fmla="*/ 46 w 245"/>
-                  <a:gd name="T13" fmla="*/ 49 h 212"/>
-                  <a:gd name="T14" fmla="*/ 153 w 245"/>
-                  <a:gd name="T15" fmla="*/ 33 h 212"/>
-                  <a:gd name="T16" fmla="*/ 137 w 245"/>
-                  <a:gd name="T17" fmla="*/ 0 h 212"/>
-                  <a:gd name="T18" fmla="*/ 122 w 245"/>
-                  <a:gd name="T19" fmla="*/ 15 h 212"/>
-                  <a:gd name="T20" fmla="*/ 137 w 245"/>
-                  <a:gd name="T21" fmla="*/ 49 h 212"/>
-                  <a:gd name="T22" fmla="*/ 153 w 245"/>
-                  <a:gd name="T23" fmla="*/ 33 h 212"/>
-                  <a:gd name="T24" fmla="*/ 245 w 245"/>
-                  <a:gd name="T25" fmla="*/ 15 h 212"/>
-                  <a:gd name="T26" fmla="*/ 229 w 245"/>
-                  <a:gd name="T27" fmla="*/ 0 h 212"/>
-                  <a:gd name="T28" fmla="*/ 213 w 245"/>
-                  <a:gd name="T29" fmla="*/ 33 h 212"/>
-                  <a:gd name="T30" fmla="*/ 229 w 245"/>
-                  <a:gd name="T31" fmla="*/ 49 h 212"/>
-                  <a:gd name="T32" fmla="*/ 0 w 245"/>
-                  <a:gd name="T33" fmla="*/ 163 h 212"/>
-                  <a:gd name="T34" fmla="*/ 92 w 245"/>
-                  <a:gd name="T35" fmla="*/ 163 h 212"/>
-                  <a:gd name="T36" fmla="*/ 183 w 245"/>
-                  <a:gd name="T37" fmla="*/ 163 h 212"/>
-                  <a:gd name="T38" fmla="*/ 62 w 245"/>
-                  <a:gd name="T39" fmla="*/ 196 h 212"/>
-                  <a:gd name="T40" fmla="*/ 46 w 245"/>
-                  <a:gd name="T41" fmla="*/ 163 h 212"/>
-                  <a:gd name="T42" fmla="*/ 30 w 245"/>
-                  <a:gd name="T43" fmla="*/ 179 h 212"/>
-                  <a:gd name="T44" fmla="*/ 46 w 245"/>
-                  <a:gd name="T45" fmla="*/ 212 h 212"/>
-                  <a:gd name="T46" fmla="*/ 62 w 245"/>
-                  <a:gd name="T47" fmla="*/ 196 h 212"/>
-                  <a:gd name="T48" fmla="*/ 153 w 245"/>
-                  <a:gd name="T49" fmla="*/ 179 h 212"/>
-                  <a:gd name="T50" fmla="*/ 137 w 245"/>
-                  <a:gd name="T51" fmla="*/ 163 h 212"/>
-                  <a:gd name="T52" fmla="*/ 122 w 245"/>
-                  <a:gd name="T53" fmla="*/ 196 h 212"/>
-                  <a:gd name="T54" fmla="*/ 137 w 245"/>
-                  <a:gd name="T55" fmla="*/ 212 h 212"/>
-                  <a:gd name="T56" fmla="*/ 245 w 245"/>
-                  <a:gd name="T57" fmla="*/ 196 h 212"/>
-                  <a:gd name="T58" fmla="*/ 229 w 245"/>
-                  <a:gd name="T59" fmla="*/ 163 h 212"/>
-                  <a:gd name="T60" fmla="*/ 213 w 245"/>
-                  <a:gd name="T61" fmla="*/ 179 h 212"/>
-                  <a:gd name="T62" fmla="*/ 229 w 245"/>
-                  <a:gd name="T63" fmla="*/ 212 h 212"/>
-                  <a:gd name="T64" fmla="*/ 245 w 245"/>
-                  <a:gd name="T65" fmla="*/ 196 h 212"/>
-                  <a:gd name="T66" fmla="*/ 62 w 245"/>
-                  <a:gd name="T67" fmla="*/ 131 h 212"/>
-                  <a:gd name="T68" fmla="*/ 153 w 245"/>
-                  <a:gd name="T69" fmla="*/ 131 h 212"/>
-                  <a:gd name="T70" fmla="*/ 32 w 245"/>
-                  <a:gd name="T71" fmla="*/ 98 h 212"/>
-                  <a:gd name="T72" fmla="*/ 16 w 245"/>
-                  <a:gd name="T73" fmla="*/ 83 h 212"/>
-                  <a:gd name="T74" fmla="*/ 0 w 245"/>
-                  <a:gd name="T75" fmla="*/ 116 h 212"/>
-                  <a:gd name="T76" fmla="*/ 16 w 245"/>
-                  <a:gd name="T77" fmla="*/ 132 h 212"/>
-                  <a:gd name="T78" fmla="*/ 123 w 245"/>
-                  <a:gd name="T79" fmla="*/ 116 h 212"/>
-                  <a:gd name="T80" fmla="*/ 107 w 245"/>
-                  <a:gd name="T81" fmla="*/ 83 h 212"/>
-                  <a:gd name="T82" fmla="*/ 92 w 245"/>
-                  <a:gd name="T83" fmla="*/ 98 h 212"/>
-                  <a:gd name="T84" fmla="*/ 107 w 245"/>
-                  <a:gd name="T85" fmla="*/ 132 h 212"/>
-                  <a:gd name="T86" fmla="*/ 123 w 245"/>
-                  <a:gd name="T87" fmla="*/ 116 h 212"/>
-                  <a:gd name="T88" fmla="*/ 215 w 245"/>
-                  <a:gd name="T89" fmla="*/ 98 h 212"/>
-                  <a:gd name="T90" fmla="*/ 199 w 245"/>
-                  <a:gd name="T91" fmla="*/ 83 h 212"/>
-                  <a:gd name="T92" fmla="*/ 183 w 245"/>
-                  <a:gd name="T93" fmla="*/ 116 h 212"/>
-                  <a:gd name="T94" fmla="*/ 199 w 245"/>
-                  <a:gd name="T95" fmla="*/ 132 h 212"/>
-                  <a:gd name="T96" fmla="*/ 245 w 245"/>
-                  <a:gd name="T97" fmla="*/ 83 h 212"/>
-                </a:gdLst>
-                <a:ahLst/>
-                <a:cxnLst>
-                  <a:cxn ang="0">
-                    <a:pos x="T0" y="T1"/>
-                  </a:cxn>
-                  <a:cxn ang="0">
-                    <a:pos x="T2" y="T3"/>
-                  </a:cxn>
-                  <a:cxn ang="0">
-                    <a:pos x="T4" y="T5"/>
-                  </a:cxn>
-                  <a:cxn ang="0">
-                    <a:pos x="T6" y="T7"/>
-                  </a:cxn>
-                  <a:cxn ang="0">
-                    <a:pos x="T8" y="T9"/>
-                  </a:cxn>
-                  <a:cxn ang="0">
-                    <a:pos x="T10" y="T11"/>
-                  </a:cxn>
-                  <a:cxn ang="0">
-                    <a:pos x="T12" y="T13"/>
-                  </a:cxn>
-                  <a:cxn ang="0">
-                    <a:pos x="T14" y="T15"/>
-                  </a:cxn>
-                  <a:cxn ang="0">
-                    <a:pos x="T16" y="T17"/>
-                  </a:cxn>
-                  <a:cxn ang="0">
-                    <a:pos x="T18" y="T19"/>
-                  </a:cxn>
-                  <a:cxn ang="0">
-                    <a:pos x="T20" y="T21"/>
-                  </a:cxn>
-                  <a:cxn ang="0">
-                    <a:pos x="T22" y="T23"/>
-                  </a:cxn>
-                  <a:cxn ang="0">
-                    <a:pos x="T24" y="T25"/>
-                  </a:cxn>
-                  <a:cxn ang="0">
-                    <a:pos x="T26" y="T27"/>
-                  </a:cxn>
-                  <a:cxn ang="0">
-                    <a:pos x="T28" y="T29"/>
-                  </a:cxn>
-                  <a:cxn ang="0">
-                    <a:pos x="T30" y="T31"/>
-                  </a:cxn>
-                  <a:cxn ang="0">
-                    <a:pos x="T32" y="T33"/>
-                  </a:cxn>
-                  <a:cxn ang="0">
-                    <a:pos x="T34" y="T35"/>
-                  </a:cxn>
-                  <a:cxn ang="0">
-                    <a:pos x="T36" y="T37"/>
-                  </a:cxn>
-                  <a:cxn ang="0">
-                    <a:pos x="T38" y="T39"/>
-                  </a:cxn>
-                  <a:cxn ang="0">
-                    <a:pos x="T40" y="T41"/>
-                  </a:cxn>
-                  <a:cxn ang="0">
-                    <a:pos x="T42" y="T43"/>
-                  </a:cxn>
-                  <a:cxn ang="0">
-                    <a:pos x="T44" y="T45"/>
-                  </a:cxn>
-                  <a:cxn ang="0">
-                    <a:pos x="T46" y="T47"/>
-                  </a:cxn>
-                  <a:cxn ang="0">
-                    <a:pos x="T48" y="T49"/>
-                  </a:cxn>
-                  <a:cxn ang="0">
-                    <a:pos x="T50" y="T51"/>
-                  </a:cxn>
-                  <a:cxn ang="0">
-                    <a:pos x="T52" y="T53"/>
-                  </a:cxn>
-                  <a:cxn ang="0">
-                    <a:pos x="T54" y="T55"/>
-                  </a:cxn>
-                  <a:cxn ang="0">
-                    <a:pos x="T56" y="T57"/>
-                  </a:cxn>
-                  <a:cxn ang="0">
-                    <a:pos x="T58" y="T59"/>
-                  </a:cxn>
-                  <a:cxn ang="0">
-                    <a:pos x="T60" y="T61"/>
-                  </a:cxn>
-                  <a:cxn ang="0">
-                    <a:pos x="T62" y="T63"/>
-                  </a:cxn>
-                  <a:cxn ang="0">
-                    <a:pos x="T64" y="T65"/>
-                  </a:cxn>
-                  <a:cxn ang="0">
-                    <a:pos x="T66" y="T67"/>
-                  </a:cxn>
-                  <a:cxn ang="0">
-                    <a:pos x="T68" y="T69"/>
-                  </a:cxn>
-                  <a:cxn ang="0">
-                    <a:pos x="T70" y="T71"/>
-                  </a:cxn>
-                  <a:cxn ang="0">
-                    <a:pos x="T72" y="T73"/>
-                  </a:cxn>
-                  <a:cxn ang="0">
-                    <a:pos x="T74" y="T75"/>
-                  </a:cxn>
-                  <a:cxn ang="0">
-                    <a:pos x="T76" y="T77"/>
-                  </a:cxn>
-                  <a:cxn ang="0">
-                    <a:pos x="T78" y="T79"/>
-                  </a:cxn>
-                  <a:cxn ang="0">
-                    <a:pos x="T80" y="T81"/>
-                  </a:cxn>
-                  <a:cxn ang="0">
-                    <a:pos x="T82" y="T83"/>
-                  </a:cxn>
-                  <a:cxn ang="0">
-                    <a:pos x="T84" y="T85"/>
-                  </a:cxn>
-                  <a:cxn ang="0">
-                    <a:pos x="T86" y="T87"/>
-                  </a:cxn>
-                  <a:cxn ang="0">
-                    <a:pos x="T88" y="T89"/>
-                  </a:cxn>
-                  <a:cxn ang="0">
-                    <a:pos x="T90" y="T91"/>
-                  </a:cxn>
-                  <a:cxn ang="0">
-                    <a:pos x="T92" y="T93"/>
-                  </a:cxn>
-                  <a:cxn ang="0">
-                    <a:pos x="T94" y="T95"/>
-                  </a:cxn>
-                  <a:cxn ang="0">
-                    <a:pos x="T96" y="T97"/>
-                  </a:cxn>
-                </a:cxnLst>
-                <a:rect l="0" t="0" r="r" b="b"/>
-                <a:pathLst>
-                  <a:path w="245" h="212">
-                    <a:moveTo>
-                      <a:pt x="0" y="0"/>
-                    </a:moveTo>
-                    <a:cubicBezTo>
-                      <a:pt x="0" y="48"/>
-                      <a:pt x="0" y="48"/>
-                      <a:pt x="0" y="48"/>
-                    </a:cubicBezTo>
-                    <a:moveTo>
-                      <a:pt x="92" y="0"/>
-                    </a:moveTo>
-                    <a:cubicBezTo>
-                      <a:pt x="92" y="48"/>
-                      <a:pt x="92" y="48"/>
-                      <a:pt x="92" y="48"/>
-                    </a:cubicBezTo>
-                    <a:moveTo>
-                      <a:pt x="183" y="0"/>
-                    </a:moveTo>
-                    <a:cubicBezTo>
-                      <a:pt x="183" y="48"/>
-                      <a:pt x="183" y="48"/>
-                      <a:pt x="183" y="48"/>
-                    </a:cubicBezTo>
-                    <a:moveTo>
-                      <a:pt x="62" y="33"/>
-                    </a:moveTo>
-                    <a:cubicBezTo>
-                      <a:pt x="62" y="15"/>
-                      <a:pt x="62" y="15"/>
-                      <a:pt x="62" y="15"/>
-                    </a:cubicBezTo>
-                    <a:cubicBezTo>
-                      <a:pt x="62" y="7"/>
-                      <a:pt x="55" y="0"/>
-                      <a:pt x="46" y="0"/>
-                    </a:cubicBezTo>
-                    <a:cubicBezTo>
-                      <a:pt x="46" y="0"/>
-                      <a:pt x="46" y="0"/>
-                      <a:pt x="46" y="0"/>
-                    </a:cubicBezTo>
-                    <a:cubicBezTo>
-                      <a:pt x="37" y="0"/>
-                      <a:pt x="30" y="7"/>
-                      <a:pt x="30" y="15"/>
-                    </a:cubicBezTo>
-                    <a:cubicBezTo>
-                      <a:pt x="30" y="33"/>
-                      <a:pt x="30" y="33"/>
-                      <a:pt x="30" y="33"/>
-                    </a:cubicBezTo>
-                    <a:cubicBezTo>
-                      <a:pt x="30" y="41"/>
-                      <a:pt x="37" y="49"/>
-                      <a:pt x="46" y="49"/>
-                    </a:cubicBezTo>
-                    <a:cubicBezTo>
-                      <a:pt x="46" y="49"/>
-                      <a:pt x="46" y="49"/>
-                      <a:pt x="46" y="49"/>
-                    </a:cubicBezTo>
-                    <a:cubicBezTo>
-                      <a:pt x="55" y="49"/>
-                      <a:pt x="62" y="41"/>
-                      <a:pt x="62" y="33"/>
-                    </a:cubicBezTo>
-                    <a:close/>
-                    <a:moveTo>
-                      <a:pt x="153" y="33"/>
-                    </a:moveTo>
-                    <a:cubicBezTo>
-                      <a:pt x="153" y="15"/>
-                      <a:pt x="153" y="15"/>
-                      <a:pt x="153" y="15"/>
-                    </a:cubicBezTo>
-                    <a:cubicBezTo>
-                      <a:pt x="153" y="7"/>
-                      <a:pt x="146" y="0"/>
-                      <a:pt x="137" y="0"/>
-                    </a:cubicBezTo>
-                    <a:cubicBezTo>
-                      <a:pt x="137" y="0"/>
-                      <a:pt x="137" y="0"/>
-                      <a:pt x="137" y="0"/>
-                    </a:cubicBezTo>
-                    <a:cubicBezTo>
-                      <a:pt x="129" y="0"/>
-                      <a:pt x="122" y="7"/>
-                      <a:pt x="122" y="15"/>
-                    </a:cubicBezTo>
-                    <a:cubicBezTo>
-                      <a:pt x="122" y="33"/>
-                      <a:pt x="122" y="33"/>
-                      <a:pt x="122" y="33"/>
-                    </a:cubicBezTo>
-                    <a:cubicBezTo>
-                      <a:pt x="122" y="41"/>
-                      <a:pt x="129" y="49"/>
-                      <a:pt x="137" y="49"/>
-                    </a:cubicBezTo>
-                    <a:cubicBezTo>
-                      <a:pt x="137" y="49"/>
-                      <a:pt x="137" y="49"/>
-                      <a:pt x="137" y="49"/>
-                    </a:cubicBezTo>
-                    <a:cubicBezTo>
-                      <a:pt x="146" y="49"/>
-                      <a:pt x="153" y="41"/>
-                      <a:pt x="153" y="33"/>
-                    </a:cubicBezTo>
-                    <a:close/>
-                    <a:moveTo>
-                      <a:pt x="245" y="33"/>
-                    </a:moveTo>
-                    <a:cubicBezTo>
-                      <a:pt x="245" y="15"/>
-                      <a:pt x="245" y="15"/>
-                      <a:pt x="245" y="15"/>
-                    </a:cubicBezTo>
-                    <a:cubicBezTo>
-                      <a:pt x="245" y="7"/>
-                      <a:pt x="237" y="0"/>
-                      <a:pt x="229" y="0"/>
-                    </a:cubicBezTo>
-                    <a:cubicBezTo>
-                      <a:pt x="229" y="0"/>
-                      <a:pt x="229" y="0"/>
-                      <a:pt x="229" y="0"/>
-                    </a:cubicBezTo>
-                    <a:cubicBezTo>
-                      <a:pt x="220" y="0"/>
-                      <a:pt x="213" y="7"/>
-                      <a:pt x="213" y="15"/>
-                    </a:cubicBezTo>
-                    <a:cubicBezTo>
-                      <a:pt x="213" y="33"/>
-                      <a:pt x="213" y="33"/>
-                      <a:pt x="213" y="33"/>
-                    </a:cubicBezTo>
-                    <a:cubicBezTo>
-                      <a:pt x="213" y="41"/>
-                      <a:pt x="220" y="49"/>
-                      <a:pt x="229" y="49"/>
-                    </a:cubicBezTo>
-                    <a:cubicBezTo>
-                      <a:pt x="229" y="49"/>
-                      <a:pt x="229" y="49"/>
-                      <a:pt x="229" y="49"/>
-                    </a:cubicBezTo>
-                    <a:cubicBezTo>
-                      <a:pt x="237" y="49"/>
-                      <a:pt x="245" y="41"/>
-                      <a:pt x="245" y="33"/>
-                    </a:cubicBezTo>
-                    <a:close/>
-                    <a:moveTo>
-                      <a:pt x="0" y="163"/>
-                    </a:moveTo>
-                    <a:cubicBezTo>
-                      <a:pt x="0" y="212"/>
-                      <a:pt x="0" y="212"/>
-                      <a:pt x="0" y="212"/>
-                    </a:cubicBezTo>
-                    <a:moveTo>
-                      <a:pt x="92" y="163"/>
-                    </a:moveTo>
-                    <a:cubicBezTo>
-                      <a:pt x="92" y="212"/>
-                      <a:pt x="92" y="212"/>
-                      <a:pt x="92" y="212"/>
-                    </a:cubicBezTo>
-                    <a:moveTo>
-                      <a:pt x="183" y="163"/>
-                    </a:moveTo>
-                    <a:cubicBezTo>
-                      <a:pt x="183" y="212"/>
-                      <a:pt x="183" y="212"/>
-                      <a:pt x="183" y="212"/>
-                    </a:cubicBezTo>
-                    <a:moveTo>
-                      <a:pt x="62" y="196"/>
-                    </a:moveTo>
-                    <a:cubicBezTo>
-                      <a:pt x="62" y="179"/>
-                      <a:pt x="62" y="179"/>
-                      <a:pt x="62" y="179"/>
-                    </a:cubicBezTo>
-                    <a:cubicBezTo>
-                      <a:pt x="62" y="170"/>
-                      <a:pt x="55" y="163"/>
-                      <a:pt x="46" y="163"/>
-                    </a:cubicBezTo>
-                    <a:cubicBezTo>
-                      <a:pt x="46" y="163"/>
-                      <a:pt x="46" y="163"/>
-                      <a:pt x="46" y="163"/>
-                    </a:cubicBezTo>
-                    <a:cubicBezTo>
-                      <a:pt x="37" y="163"/>
-                      <a:pt x="30" y="170"/>
-                      <a:pt x="30" y="179"/>
-                    </a:cubicBezTo>
-                    <a:cubicBezTo>
-                      <a:pt x="30" y="196"/>
-                      <a:pt x="30" y="196"/>
-                      <a:pt x="30" y="196"/>
-                    </a:cubicBezTo>
-                    <a:cubicBezTo>
-                      <a:pt x="30" y="205"/>
-                      <a:pt x="37" y="212"/>
-                      <a:pt x="46" y="212"/>
-                    </a:cubicBezTo>
-                    <a:cubicBezTo>
-                      <a:pt x="46" y="212"/>
-                      <a:pt x="46" y="212"/>
-                      <a:pt x="46" y="212"/>
-                    </a:cubicBezTo>
-                    <a:cubicBezTo>
-                      <a:pt x="55" y="212"/>
-                      <a:pt x="62" y="205"/>
-                      <a:pt x="62" y="196"/>
-                    </a:cubicBezTo>
-                    <a:close/>
-                    <a:moveTo>
-                      <a:pt x="153" y="196"/>
-                    </a:moveTo>
-                    <a:cubicBezTo>
-                      <a:pt x="153" y="179"/>
-                      <a:pt x="153" y="179"/>
-                      <a:pt x="153" y="179"/>
-                    </a:cubicBezTo>
-                    <a:cubicBezTo>
-                      <a:pt x="153" y="170"/>
-                      <a:pt x="146" y="163"/>
-                      <a:pt x="137" y="163"/>
-                    </a:cubicBezTo>
-                    <a:cubicBezTo>
-                      <a:pt x="137" y="163"/>
-                      <a:pt x="137" y="163"/>
-                      <a:pt x="137" y="163"/>
-                    </a:cubicBezTo>
-                    <a:cubicBezTo>
-                      <a:pt x="129" y="163"/>
-                      <a:pt x="122" y="170"/>
-                      <a:pt x="122" y="179"/>
-                    </a:cubicBezTo>
-                    <a:cubicBezTo>
-                      <a:pt x="122" y="196"/>
-                      <a:pt x="122" y="196"/>
-                      <a:pt x="122" y="196"/>
-                    </a:cubicBezTo>
-                    <a:cubicBezTo>
-                      <a:pt x="122" y="205"/>
-                      <a:pt x="129" y="212"/>
-                      <a:pt x="137" y="212"/>
-                    </a:cubicBezTo>
-                    <a:cubicBezTo>
-                      <a:pt x="137" y="212"/>
-                      <a:pt x="137" y="212"/>
-                      <a:pt x="137" y="212"/>
-                    </a:cubicBezTo>
-                    <a:cubicBezTo>
-                      <a:pt x="146" y="212"/>
-                      <a:pt x="153" y="205"/>
-                      <a:pt x="153" y="196"/>
-                    </a:cubicBezTo>
-                    <a:close/>
-                    <a:moveTo>
-                      <a:pt x="245" y="196"/>
-                    </a:moveTo>
-                    <a:cubicBezTo>
-                      <a:pt x="245" y="179"/>
-                      <a:pt x="245" y="179"/>
-                      <a:pt x="245" y="179"/>
-                    </a:cubicBezTo>
-                    <a:cubicBezTo>
-                      <a:pt x="245" y="170"/>
-                      <a:pt x="237" y="163"/>
-                      <a:pt x="229" y="163"/>
-                    </a:cubicBezTo>
-                    <a:cubicBezTo>
-                      <a:pt x="229" y="163"/>
-                      <a:pt x="229" y="163"/>
-                      <a:pt x="229" y="163"/>
-                    </a:cubicBezTo>
-                    <a:cubicBezTo>
-                      <a:pt x="220" y="163"/>
-                      <a:pt x="213" y="170"/>
-                      <a:pt x="213" y="179"/>
-                    </a:cubicBezTo>
-                    <a:cubicBezTo>
-                      <a:pt x="213" y="196"/>
-                      <a:pt x="213" y="196"/>
-                      <a:pt x="213" y="196"/>
-                    </a:cubicBezTo>
-                    <a:cubicBezTo>
-                      <a:pt x="213" y="205"/>
-                      <a:pt x="220" y="212"/>
-                      <a:pt x="229" y="212"/>
-                    </a:cubicBezTo>
-                    <a:cubicBezTo>
-                      <a:pt x="229" y="212"/>
-                      <a:pt x="229" y="212"/>
-                      <a:pt x="229" y="212"/>
-                    </a:cubicBezTo>
-                    <a:cubicBezTo>
-                      <a:pt x="237" y="212"/>
-                      <a:pt x="245" y="205"/>
-                      <a:pt x="245" y="196"/>
-                    </a:cubicBezTo>
-                    <a:close/>
-                    <a:moveTo>
-                      <a:pt x="62" y="83"/>
-                    </a:moveTo>
-                    <a:cubicBezTo>
-                      <a:pt x="62" y="131"/>
-                      <a:pt x="62" y="131"/>
-                      <a:pt x="62" y="131"/>
-                    </a:cubicBezTo>
-                    <a:moveTo>
-                      <a:pt x="153" y="83"/>
-                    </a:moveTo>
-                    <a:cubicBezTo>
-                      <a:pt x="153" y="131"/>
-                      <a:pt x="153" y="131"/>
-                      <a:pt x="153" y="131"/>
-                    </a:cubicBezTo>
-                    <a:moveTo>
-                      <a:pt x="32" y="116"/>
-                    </a:moveTo>
-                    <a:cubicBezTo>
-                      <a:pt x="32" y="98"/>
-                      <a:pt x="32" y="98"/>
-                      <a:pt x="32" y="98"/>
-                    </a:cubicBezTo>
-                    <a:cubicBezTo>
-                      <a:pt x="32" y="90"/>
-                      <a:pt x="25" y="83"/>
-                      <a:pt x="16" y="83"/>
-                    </a:cubicBezTo>
-                    <a:cubicBezTo>
-                      <a:pt x="16" y="83"/>
-                      <a:pt x="16" y="83"/>
-                      <a:pt x="16" y="83"/>
-                    </a:cubicBezTo>
-                    <a:cubicBezTo>
-                      <a:pt x="7" y="83"/>
-                      <a:pt x="0" y="90"/>
-                      <a:pt x="0" y="98"/>
-                    </a:cubicBezTo>
-                    <a:cubicBezTo>
-                      <a:pt x="0" y="116"/>
-                      <a:pt x="0" y="116"/>
-                      <a:pt x="0" y="116"/>
-                    </a:cubicBezTo>
-                    <a:cubicBezTo>
-                      <a:pt x="0" y="124"/>
-                      <a:pt x="7" y="132"/>
-                      <a:pt x="16" y="132"/>
-                    </a:cubicBezTo>
-                    <a:cubicBezTo>
-                      <a:pt x="16" y="132"/>
-                      <a:pt x="16" y="132"/>
-                      <a:pt x="16" y="132"/>
-                    </a:cubicBezTo>
-                    <a:cubicBezTo>
-                      <a:pt x="25" y="132"/>
-                      <a:pt x="32" y="124"/>
-                      <a:pt x="32" y="116"/>
-                    </a:cubicBezTo>
-                    <a:close/>
-                    <a:moveTo>
-                      <a:pt x="123" y="116"/>
-                    </a:moveTo>
-                    <a:cubicBezTo>
-                      <a:pt x="123" y="98"/>
-                      <a:pt x="123" y="98"/>
-                      <a:pt x="123" y="98"/>
-                    </a:cubicBezTo>
-                    <a:cubicBezTo>
-                      <a:pt x="123" y="90"/>
-                      <a:pt x="116" y="83"/>
-                      <a:pt x="107" y="83"/>
-                    </a:cubicBezTo>
-                    <a:cubicBezTo>
-                      <a:pt x="107" y="83"/>
-                      <a:pt x="107" y="83"/>
-                      <a:pt x="107" y="83"/>
-                    </a:cubicBezTo>
-                    <a:cubicBezTo>
-                      <a:pt x="99" y="83"/>
-                      <a:pt x="92" y="90"/>
-                      <a:pt x="92" y="98"/>
-                    </a:cubicBezTo>
-                    <a:cubicBezTo>
-                      <a:pt x="92" y="116"/>
-                      <a:pt x="92" y="116"/>
-                      <a:pt x="92" y="116"/>
-                    </a:cubicBezTo>
-                    <a:cubicBezTo>
-                      <a:pt x="92" y="124"/>
-                      <a:pt x="99" y="132"/>
-                      <a:pt x="107" y="132"/>
-                    </a:cubicBezTo>
-                    <a:cubicBezTo>
-                      <a:pt x="107" y="132"/>
-                      <a:pt x="107" y="132"/>
-                      <a:pt x="107" y="132"/>
-                    </a:cubicBezTo>
-                    <a:cubicBezTo>
-                      <a:pt x="116" y="132"/>
-                      <a:pt x="123" y="124"/>
-                      <a:pt x="123" y="116"/>
-                    </a:cubicBezTo>
-                    <a:close/>
-                    <a:moveTo>
-                      <a:pt x="215" y="116"/>
-                    </a:moveTo>
-                    <a:cubicBezTo>
-                      <a:pt x="215" y="98"/>
-                      <a:pt x="215" y="98"/>
-                      <a:pt x="215" y="98"/>
-                    </a:cubicBezTo>
-                    <a:cubicBezTo>
-                      <a:pt x="215" y="90"/>
-                      <a:pt x="207" y="83"/>
-                      <a:pt x="199" y="83"/>
-                    </a:cubicBezTo>
-                    <a:cubicBezTo>
-                      <a:pt x="199" y="83"/>
-                      <a:pt x="199" y="83"/>
-                      <a:pt x="199" y="83"/>
-                    </a:cubicBezTo>
-                    <a:cubicBezTo>
-                      <a:pt x="190" y="83"/>
-                      <a:pt x="183" y="90"/>
-                      <a:pt x="183" y="98"/>
-                    </a:cubicBezTo>
-                    <a:cubicBezTo>
-                      <a:pt x="183" y="116"/>
-                      <a:pt x="183" y="116"/>
-                      <a:pt x="183" y="116"/>
-                    </a:cubicBezTo>
-                    <a:cubicBezTo>
-                      <a:pt x="183" y="124"/>
-                      <a:pt x="190" y="132"/>
-                      <a:pt x="199" y="132"/>
-                    </a:cubicBezTo>
-                    <a:cubicBezTo>
-                      <a:pt x="199" y="132"/>
-                      <a:pt x="199" y="132"/>
-                      <a:pt x="199" y="132"/>
-                    </a:cubicBezTo>
-                    <a:cubicBezTo>
-                      <a:pt x="207" y="132"/>
-                      <a:pt x="215" y="124"/>
-                      <a:pt x="215" y="116"/>
-                    </a:cubicBezTo>
-                    <a:close/>
-                    <a:moveTo>
-                      <a:pt x="245" y="83"/>
-                    </a:moveTo>
-                    <a:cubicBezTo>
-                      <a:pt x="245" y="131"/>
-                      <a:pt x="245" y="131"/>
-                      <a:pt x="245" y="131"/>
-                    </a:cubicBezTo>
-                  </a:path>
-                </a:pathLst>
-              </a:custGeom>
-              <a:noFill/>
-              <a:ln w="28575" cap="sq">
-                <a:solidFill>
-                  <a:srgbClr val="000000"/>
-                </a:solidFill>
-                <a:prstDash val="solid"/>
-                <a:miter lim="800000"/>
-                <a:headEnd/>
-                <a:tailEnd/>
-              </a:ln>
-              <a:extLst>
-                <a:ext uri="{909E8E84-426E-40DD-AFC4-6F175D3DCCD1}">
-                  <a14:hiddenFill xmlns:a14="http://schemas.microsoft.com/office/drawing/2010/main">
-                    <a:solidFill>
-                      <a:srgbClr val="FFFFFF"/>
-                    </a:solidFill>
-                  </a14:hiddenFill>
-                </a:ext>
-              </a:extLst>
-            </p:spPr>
-            <p:txBody>
-              <a:bodyPr vert="horz" wrap="square" lIns="89642" tIns="44821" rIns="89642" bIns="44821" numCol="1" anchor="t" anchorCtr="0" compatLnSpc="1">
-                <a:prstTxWarp prst="textNoShape">
-                  <a:avLst/>
-                </a:prstTxWarp>
-              </a:bodyPr>
-              <a:lstStyle/>
-              <a:p>
-                <a:pPr marL="0" marR="0" lvl="0" indent="0" algn="l" defTabSz="914367" rtl="0" eaLnBrk="1" fontAlgn="auto" latinLnBrk="0" hangingPunct="1">
-                  <a:lnSpc>
-                    <a:spcPct val="100000"/>
-                  </a:lnSpc>
-                  <a:spcBef>
-                    <a:spcPts val="0"/>
-                  </a:spcBef>
-                  <a:spcAft>
-                    <a:spcPts val="0"/>
-                  </a:spcAft>
-                  <a:buClrTx/>
-                  <a:buSzTx/>
-                  <a:buFontTx/>
-                  <a:buNone/>
-                  <a:tabLst/>
-                  <a:defRPr/>
-                </a:pPr>
-                <a:endParaRPr kumimoji="0" lang="en-US" sz="1765" b="0" i="0" u="none" strike="noStrike" kern="1200" cap="none" spc="0" normalizeH="0" baseline="0" noProof="0">
-                  <a:ln>
-                    <a:noFill/>
-                  </a:ln>
-                  <a:solidFill>
-                    <a:srgbClr val="3C3C41"/>
-                  </a:solidFill>
-                  <a:effectLst/>
-                  <a:uLnTx/>
-                  <a:uFillTx/>
-                  <a:latin typeface="Segoe UI"/>
-                  <a:ea typeface="+mn-ea"/>
-                  <a:cs typeface="+mn-cs"/>
-                </a:endParaRPr>
-              </a:p>
-            </p:txBody>
-          </p:sp>
-        </p:grpSp>
-        <p:cxnSp>
-          <p:nvCxnSpPr>
-            <p:cNvPr id="15" name="Straight Arrow Connector 14">
-              <a:extLst>
-                <a:ext uri="{FF2B5EF4-FFF2-40B4-BE49-F238E27FC236}">
-                  <a16:creationId xmlns:a16="http://schemas.microsoft.com/office/drawing/2014/main" id="{6210799C-8ED6-4DCE-A989-546E4EF78EDA}"/>
-                </a:ext>
-              </a:extLst>
-            </p:cNvPr>
-            <p:cNvCxnSpPr>
-              <a:stCxn id="23" idx="0"/>
-            </p:cNvCxnSpPr>
-            <p:nvPr/>
-          </p:nvCxnSpPr>
-          <p:spPr>
-            <a:xfrm flipV="1">
-              <a:off x="8422292" y="4477281"/>
-              <a:ext cx="0" cy="873144"/>
-            </a:xfrm>
-            <a:prstGeom prst="straightConnector1">
-              <a:avLst/>
-            </a:prstGeom>
-            <a:ln w="25400">
-              <a:solidFill>
-                <a:schemeClr val="tx2"/>
-              </a:solidFill>
-              <a:headEnd type="triangle"/>
-              <a:tailEnd type="triangle"/>
-            </a:ln>
-          </p:spPr>
-          <p:style>
-            <a:lnRef idx="1">
-              <a:schemeClr val="accent1"/>
-            </a:lnRef>
-            <a:fillRef idx="0">
-              <a:schemeClr val="accent1"/>
-            </a:fillRef>
-            <a:effectRef idx="0">
-              <a:schemeClr val="accent1"/>
-            </a:effectRef>
-            <a:fontRef idx="minor">
-              <a:schemeClr val="tx1"/>
-            </a:fontRef>
-          </p:style>
-        </p:cxnSp>
-        <p:cxnSp>
-          <p:nvCxnSpPr>
-            <p:cNvPr id="16" name="Connector: Elbow 15">
-              <a:extLst>
-                <a:ext uri="{FF2B5EF4-FFF2-40B4-BE49-F238E27FC236}">
-                  <a16:creationId xmlns:a16="http://schemas.microsoft.com/office/drawing/2014/main" id="{0F91C897-88F1-4EA4-BE36-AC92F6F3949C}"/>
-                </a:ext>
-              </a:extLst>
-            </p:cNvPr>
-            <p:cNvCxnSpPr>
-              <a:stCxn id="29" idx="2"/>
-            </p:cNvCxnSpPr>
-            <p:nvPr/>
-          </p:nvCxnSpPr>
-          <p:spPr>
-            <a:xfrm rot="5400000">
-              <a:off x="6274555" y="4490151"/>
-              <a:ext cx="960848" cy="935107"/>
-            </a:xfrm>
-            <a:prstGeom prst="bentConnector3">
-              <a:avLst/>
-            </a:prstGeom>
-            <a:ln w="25400">
-              <a:solidFill>
-                <a:schemeClr val="tx2">
-                  <a:lumMod val="60000"/>
-                  <a:lumOff val="40000"/>
-                </a:schemeClr>
-              </a:solidFill>
-              <a:headEnd type="none"/>
-              <a:tailEnd type="triangle"/>
-            </a:ln>
-          </p:spPr>
-          <p:style>
-            <a:lnRef idx="1">
-              <a:schemeClr val="accent1"/>
-            </a:lnRef>
-            <a:fillRef idx="0">
-              <a:schemeClr val="accent1"/>
-            </a:fillRef>
-            <a:effectRef idx="0">
-              <a:schemeClr val="accent1"/>
-            </a:effectRef>
-            <a:fontRef idx="minor">
-              <a:schemeClr val="tx1"/>
-            </a:fontRef>
-          </p:style>
-        </p:cxnSp>
-        <p:cxnSp>
-          <p:nvCxnSpPr>
-            <p:cNvPr id="17" name="Connector: Elbow 16">
-              <a:extLst>
-                <a:ext uri="{FF2B5EF4-FFF2-40B4-BE49-F238E27FC236}">
-                  <a16:creationId xmlns:a16="http://schemas.microsoft.com/office/drawing/2014/main" id="{EFFC72B8-7DDA-43D5-8F56-7ECCE6F40599}"/>
-                </a:ext>
-              </a:extLst>
-            </p:cNvPr>
-            <p:cNvCxnSpPr>
-              <a:stCxn id="8" idx="2"/>
-            </p:cNvCxnSpPr>
-            <p:nvPr/>
-          </p:nvCxnSpPr>
-          <p:spPr>
-            <a:xfrm rot="16200000" flipH="1">
-              <a:off x="4960745" y="3631024"/>
-              <a:ext cx="757914" cy="1895446"/>
-            </a:xfrm>
-            <a:prstGeom prst="bentConnector2">
-              <a:avLst/>
-            </a:prstGeom>
-            <a:ln w="25400">
-              <a:solidFill>
-                <a:srgbClr val="FF9900"/>
-              </a:solidFill>
-              <a:headEnd type="none"/>
-              <a:tailEnd type="none"/>
-            </a:ln>
-          </p:spPr>
-          <p:style>
-            <a:lnRef idx="1">
-              <a:schemeClr val="accent1"/>
-            </a:lnRef>
-            <a:fillRef idx="0">
-              <a:schemeClr val="accent1"/>
-            </a:fillRef>
-            <a:effectRef idx="0">
-              <a:schemeClr val="accent1"/>
-            </a:effectRef>
-            <a:fontRef idx="minor">
-              <a:schemeClr val="tx1"/>
-            </a:fontRef>
-          </p:style>
-        </p:cxnSp>
-        <p:sp>
-          <p:nvSpPr>
-            <p:cNvPr id="18" name="TextBox 17">
-              <a:extLst>
-                <a:ext uri="{FF2B5EF4-FFF2-40B4-BE49-F238E27FC236}">
-                  <a16:creationId xmlns:a16="http://schemas.microsoft.com/office/drawing/2014/main" id="{06CBD166-380F-4EC0-B2F8-A3979FB94B39}"/>
-                </a:ext>
-              </a:extLst>
-            </p:cNvPr>
-            <p:cNvSpPr txBox="1"/>
-            <p:nvPr/>
-          </p:nvSpPr>
-          <p:spPr>
-            <a:xfrm>
-              <a:off x="4613519" y="4858352"/>
-              <a:ext cx="1226939" cy="458331"/>
-            </a:xfrm>
-            <a:prstGeom prst="rect">
-              <a:avLst/>
-            </a:prstGeom>
-            <a:noFill/>
-          </p:spPr>
-          <p:txBody>
-            <a:bodyPr wrap="none" lIns="182880" tIns="146304" rIns="182880" bIns="146304" rtlCol="0">
-              <a:spAutoFit/>
-            </a:bodyPr>
-            <a:lstStyle/>
-            <a:p>
-              <a:pPr>
-                <a:lnSpc>
-                  <a:spcPct val="90000"/>
-                </a:lnSpc>
-                <a:spcAft>
-                  <a:spcPts val="600"/>
-                </a:spcAft>
-              </a:pPr>
-              <a:r>
-                <a:rPr lang="en-US" sz="1176" b="1" dirty="0">
-                  <a:ln w="3175">
-                    <a:noFill/>
-                  </a:ln>
-                  <a:solidFill>
-                    <a:srgbClr val="FF9900"/>
-                  </a:solidFill>
-                  <a:latin typeface="Segoe UI Semibold" panose="020B0702040204020203" pitchFamily="34" charset="0"/>
                   <a:cs typeface="Segoe UI Semibold" panose="020B0702040204020203" pitchFamily="34" charset="0"/>
                 </a:rPr>
-                <a:t>1-&gt;n or n-&gt;1</a:t>
+                <a:t>source</a:t>
               </a:r>
             </a:p>
           </p:txBody>
         </p:sp>
         <p:sp>
           <p:nvSpPr>
-            <p:cNvPr id="19" name="TextBox 18">
+            <p:cNvPr id="42" name="LightningBolt_E945" title="Icon of a lightning bolt">
               <a:extLst>
                 <a:ext uri="{FF2B5EF4-FFF2-40B4-BE49-F238E27FC236}">
-                  <a16:creationId xmlns:a16="http://schemas.microsoft.com/office/drawing/2014/main" id="{A616953D-C25F-4BC1-930D-65B2C45F66EB}"/>
+                  <a16:creationId xmlns:a16="http://schemas.microsoft.com/office/drawing/2014/main" id="{22832318-FAF7-E745-9980-F1D75F961E08}"/>
                 </a:ext>
               </a:extLst>
             </p:cNvPr>
-            <p:cNvSpPr txBox="1"/>
+            <p:cNvSpPr>
+              <a:spLocks noChangeAspect="1"/>
+            </p:cNvSpPr>
             <p:nvPr/>
           </p:nvSpPr>
-          <p:spPr>
+          <p:spPr bwMode="auto">
             <a:xfrm>
-              <a:off x="6242763" y="4858352"/>
-              <a:ext cx="1217321" cy="458331"/>
+              <a:off x="8134977" y="5575215"/>
+              <a:ext cx="327631" cy="457200"/>
             </a:xfrm>
-            <a:prstGeom prst="rect">
+            <a:custGeom>
               <a:avLst/>
-            </a:prstGeom>
+              <a:gdLst>
+                <a:gd name="T0" fmla="*/ 481 w 2961"/>
+                <a:gd name="T1" fmla="*/ 4132 h 4132"/>
+                <a:gd name="T2" fmla="*/ 2961 w 2961"/>
+                <a:gd name="T3" fmla="*/ 1653 h 4132"/>
+                <a:gd name="T4" fmla="*/ 1652 w 2961"/>
+                <a:gd name="T5" fmla="*/ 1653 h 4132"/>
+                <a:gd name="T6" fmla="*/ 2479 w 2961"/>
+                <a:gd name="T7" fmla="*/ 0 h 4132"/>
+                <a:gd name="T8" fmla="*/ 1239 w 2961"/>
+                <a:gd name="T9" fmla="*/ 0 h 4132"/>
+                <a:gd name="T10" fmla="*/ 0 w 2961"/>
+                <a:gd name="T11" fmla="*/ 2479 h 4132"/>
+                <a:gd name="T12" fmla="*/ 964 w 2961"/>
+                <a:gd name="T13" fmla="*/ 2479 h 4132"/>
+                <a:gd name="T14" fmla="*/ 137 w 2961"/>
+                <a:gd name="T15" fmla="*/ 4132 h 4132"/>
+                <a:gd name="T16" fmla="*/ 481 w 2961"/>
+                <a:gd name="T17" fmla="*/ 4132 h 4132"/>
+              </a:gdLst>
+              <a:ahLst/>
+              <a:cxnLst>
+                <a:cxn ang="0">
+                  <a:pos x="T0" y="T1"/>
+                </a:cxn>
+                <a:cxn ang="0">
+                  <a:pos x="T2" y="T3"/>
+                </a:cxn>
+                <a:cxn ang="0">
+                  <a:pos x="T4" y="T5"/>
+                </a:cxn>
+                <a:cxn ang="0">
+                  <a:pos x="T6" y="T7"/>
+                </a:cxn>
+                <a:cxn ang="0">
+                  <a:pos x="T8" y="T9"/>
+                </a:cxn>
+                <a:cxn ang="0">
+                  <a:pos x="T10" y="T11"/>
+                </a:cxn>
+                <a:cxn ang="0">
+                  <a:pos x="T12" y="T13"/>
+                </a:cxn>
+                <a:cxn ang="0">
+                  <a:pos x="T14" y="T15"/>
+                </a:cxn>
+                <a:cxn ang="0">
+                  <a:pos x="T16" y="T17"/>
+                </a:cxn>
+              </a:cxnLst>
+              <a:rect l="0" t="0" r="r" b="b"/>
+              <a:pathLst>
+                <a:path w="2961" h="4132">
+                  <a:moveTo>
+                    <a:pt x="481" y="4132"/>
+                  </a:moveTo>
+                  <a:lnTo>
+                    <a:pt x="2961" y="1653"/>
+                  </a:lnTo>
+                  <a:lnTo>
+                    <a:pt x="1652" y="1653"/>
+                  </a:lnTo>
+                  <a:lnTo>
+                    <a:pt x="2479" y="0"/>
+                  </a:lnTo>
+                  <a:lnTo>
+                    <a:pt x="1239" y="0"/>
+                  </a:lnTo>
+                  <a:lnTo>
+                    <a:pt x="0" y="2479"/>
+                  </a:lnTo>
+                  <a:lnTo>
+                    <a:pt x="964" y="2479"/>
+                  </a:lnTo>
+                  <a:lnTo>
+                    <a:pt x="137" y="4132"/>
+                  </a:lnTo>
+                  <a:lnTo>
+                    <a:pt x="481" y="4132"/>
+                  </a:lnTo>
+                  <a:close/>
+                </a:path>
+              </a:pathLst>
+            </a:custGeom>
             <a:noFill/>
+            <a:ln w="28575" cap="sq">
+              <a:solidFill>
+                <a:schemeClr val="tx1"/>
+              </a:solidFill>
+              <a:prstDash val="solid"/>
+              <a:miter lim="800000"/>
+              <a:headEnd/>
+              <a:tailEnd/>
+            </a:ln>
+            <a:extLst>
+              <a:ext uri="{909E8E84-426E-40DD-AFC4-6F175D3DCCD1}">
+                <a14:hiddenFill xmlns:a14="http://schemas.microsoft.com/office/drawing/2010/main">
+                  <a:solidFill>
+                    <a:srgbClr val="FFFFFF"/>
+                  </a:solidFill>
+                </a14:hiddenFill>
+              </a:ext>
+            </a:extLst>
           </p:spPr>
           <p:txBody>
-            <a:bodyPr wrap="none" lIns="182880" tIns="146304" rIns="182880" bIns="146304" rtlCol="0">
-              <a:spAutoFit/>
+            <a:bodyPr vert="horz" wrap="square" lIns="91440" tIns="45720" rIns="91440" bIns="45720" numCol="1" anchor="t" anchorCtr="0" compatLnSpc="1">
+              <a:prstTxWarp prst="textNoShape">
+                <a:avLst/>
+              </a:prstTxWarp>
             </a:bodyPr>
             <a:lstStyle/>
             <a:p>
-              <a:pPr>
-                <a:lnSpc>
-                  <a:spcPct val="90000"/>
-                </a:lnSpc>
-                <a:spcAft>
-                  <a:spcPts val="600"/>
-                </a:spcAft>
-              </a:pPr>
-              <a:r>
-                <a:rPr lang="en-US" sz="1176" b="1" dirty="0">
-                  <a:ln w="3175">
-                    <a:noFill/>
-                  </a:ln>
-                  <a:solidFill>
-                    <a:schemeClr val="tx2">
-                      <a:lumMod val="60000"/>
-                      <a:lumOff val="40000"/>
-                    </a:schemeClr>
-                  </a:solidFill>
-                  <a:latin typeface="Segoe UI Semibold" panose="020B0702040204020203" pitchFamily="34" charset="0"/>
-                  <a:cs typeface="Segoe UI Semibold" panose="020B0702040204020203" pitchFamily="34" charset="0"/>
-                </a:rPr>
-                <a:t>0-&gt;1 or 1-&gt;0</a:t>
-              </a:r>
+              <a:endParaRPr lang="en-US" sz="900">
+                <a:gradFill>
+                  <a:gsLst>
+                    <a:gs pos="0">
+                      <a:srgbClr val="505050"/>
+                    </a:gs>
+                    <a:gs pos="100000">
+                      <a:srgbClr val="505050"/>
+                    </a:gs>
+                  </a:gsLst>
+                  <a:lin ang="5400000" scaled="1"/>
+                </a:gradFill>
+              </a:endParaRPr>
             </a:p>
           </p:txBody>
         </p:sp>
-        <p:sp>
-          <p:nvSpPr>
-            <p:cNvPr id="20" name="TextBox 19">
-              <a:extLst>
-                <a:ext uri="{FF2B5EF4-FFF2-40B4-BE49-F238E27FC236}">
-                  <a16:creationId xmlns:a16="http://schemas.microsoft.com/office/drawing/2014/main" id="{1934D9D2-210B-47C5-9F20-EF4A8B39E256}"/>
-                </a:ext>
-              </a:extLst>
-            </p:cNvPr>
-            <p:cNvSpPr txBox="1"/>
-            <p:nvPr/>
-          </p:nvSpPr>
-          <p:spPr>
-            <a:xfrm>
-              <a:off x="7669500" y="4551023"/>
-              <a:ext cx="935099" cy="621196"/>
-            </a:xfrm>
-            <a:prstGeom prst="rect">
+      </p:grpSp>
+      <p:cxnSp>
+        <p:nvCxnSpPr>
+          <p:cNvPr id="43" name="Straight Arrow Connector 42">
+            <a:extLst>
+              <a:ext uri="{FF2B5EF4-FFF2-40B4-BE49-F238E27FC236}">
+                <a16:creationId xmlns:a16="http://schemas.microsoft.com/office/drawing/2014/main" id="{9B0509DF-7A32-9D4D-80F1-33EC8705193F}"/>
+              </a:ext>
+            </a:extLst>
+          </p:cNvPr>
+          <p:cNvCxnSpPr>
+            <a:cxnSpLocks/>
+          </p:cNvCxnSpPr>
+          <p:nvPr/>
+        </p:nvCxnSpPr>
+        <p:spPr>
+          <a:xfrm>
+            <a:off x="6467340" y="5406222"/>
+            <a:ext cx="1188720" cy="0"/>
+          </a:xfrm>
+          <a:prstGeom prst="straightConnector1">
+            <a:avLst/>
+          </a:prstGeom>
+          <a:ln w="25400">
+            <a:solidFill>
+              <a:schemeClr val="tx2"/>
+            </a:solidFill>
+            <a:headEnd type="triangle"/>
+            <a:tailEnd type="triangle"/>
+          </a:ln>
+        </p:spPr>
+        <p:style>
+          <a:lnRef idx="1">
+            <a:schemeClr val="accent1"/>
+          </a:lnRef>
+          <a:fillRef idx="0">
+            <a:schemeClr val="accent1"/>
+          </a:fillRef>
+          <a:effectRef idx="0">
+            <a:schemeClr val="accent1"/>
+          </a:effectRef>
+          <a:fontRef idx="minor">
+            <a:schemeClr val="tx1"/>
+          </a:fontRef>
+        </p:style>
+      </p:cxnSp>
+      <p:sp>
+        <p:nvSpPr>
+          <p:cNvPr id="50" name="Rectangle: Rounded Corners 118">
+            <a:extLst>
+              <a:ext uri="{FF2B5EF4-FFF2-40B4-BE49-F238E27FC236}">
+                <a16:creationId xmlns:a16="http://schemas.microsoft.com/office/drawing/2014/main" id="{B36ED1A5-56ED-A665-1C3A-9E903F4ED445}"/>
+              </a:ext>
+            </a:extLst>
+          </p:cNvPr>
+          <p:cNvSpPr/>
+          <p:nvPr/>
+        </p:nvSpPr>
+        <p:spPr bwMode="auto">
+          <a:xfrm>
+            <a:off x="8352733" y="3168669"/>
+            <a:ext cx="1044862" cy="548640"/>
+          </a:xfrm>
+          <a:prstGeom prst="roundRect">
+            <a:avLst>
+              <a:gd name="adj" fmla="val 3125"/>
+            </a:avLst>
+          </a:prstGeom>
+          <a:solidFill>
+            <a:srgbClr val="FCFDFE"/>
+          </a:solidFill>
+          <a:ln w="12700">
+            <a:solidFill>
+              <a:srgbClr val="0F78D4"/>
+            </a:solidFill>
+            <a:headEnd type="none" w="med" len="med"/>
+            <a:tailEnd type="none" w="med" len="med"/>
+          </a:ln>
+          <a:effectLst/>
+        </p:spPr>
+        <p:style>
+          <a:lnRef idx="1">
+            <a:schemeClr val="accent2"/>
+          </a:lnRef>
+          <a:fillRef idx="3">
+            <a:schemeClr val="accent2"/>
+          </a:fillRef>
+          <a:effectRef idx="2">
+            <a:schemeClr val="accent2"/>
+          </a:effectRef>
+          <a:fontRef idx="minor">
+            <a:schemeClr val="lt1"/>
+          </a:fontRef>
+        </p:style>
+        <p:txBody>
+          <a:bodyPr rot="0" spcFirstLastPara="0" vertOverflow="overflow" horzOverflow="overflow" vert="horz" wrap="square" lIns="180000" tIns="108000" rIns="179285" bIns="143428" numCol="1" spcCol="0" rtlCol="0" fromWordArt="0" anchor="t" anchorCtr="0" forceAA="0" compatLnSpc="1">
+            <a:prstTxWarp prst="textNoShape">
               <a:avLst/>
-            </a:prstGeom>
-            <a:noFill/>
-          </p:spPr>
-          <p:txBody>
-            <a:bodyPr wrap="square" lIns="182880" tIns="146304" rIns="182880" bIns="146304" rtlCol="0">
-              <a:spAutoFit/>
-            </a:bodyPr>
-            <a:lstStyle/>
-            <a:p>
-              <a:pPr>
-                <a:lnSpc>
-                  <a:spcPct val="90000"/>
-                </a:lnSpc>
-                <a:spcAft>
-                  <a:spcPts val="600"/>
-                </a:spcAft>
-              </a:pPr>
-              <a:r>
-                <a:rPr lang="en-US" sz="1176" b="1" dirty="0">
-                  <a:ln w="3175">
-                    <a:noFill/>
-                  </a:ln>
-                  <a:solidFill>
-                    <a:schemeClr val="tx2"/>
-                  </a:solidFill>
-                  <a:latin typeface="Segoe UI Semibold" panose="020B0702040204020203" pitchFamily="34" charset="0"/>
-                  <a:cs typeface="Segoe UI Semibold" panose="020B0702040204020203" pitchFamily="34" charset="0"/>
-                </a:rPr>
-                <a:t>Any events?</a:t>
-              </a:r>
-            </a:p>
-          </p:txBody>
-        </p:sp>
-        <p:sp>
-          <p:nvSpPr>
-            <p:cNvPr id="21" name="TextBox 20">
-              <a:extLst>
-                <a:ext uri="{FF2B5EF4-FFF2-40B4-BE49-F238E27FC236}">
-                  <a16:creationId xmlns:a16="http://schemas.microsoft.com/office/drawing/2014/main" id="{44E10DF3-FF08-47EC-9F7C-9EE622A18177}"/>
-                </a:ext>
-              </a:extLst>
-            </p:cNvPr>
-            <p:cNvSpPr txBox="1"/>
-            <p:nvPr/>
-          </p:nvSpPr>
-          <p:spPr>
-            <a:xfrm>
-              <a:off x="4592488" y="2542376"/>
-              <a:ext cx="1617146" cy="784061"/>
-            </a:xfrm>
-            <a:prstGeom prst="rect">
-              <a:avLst/>
-            </a:prstGeom>
-            <a:noFill/>
-          </p:spPr>
-          <p:txBody>
-            <a:bodyPr wrap="square" lIns="182880" tIns="146304" rIns="182880" bIns="146304" rtlCol="0">
-              <a:spAutoFit/>
-            </a:bodyPr>
-            <a:lstStyle/>
-            <a:p>
-              <a:pPr>
-                <a:lnSpc>
-                  <a:spcPct val="90000"/>
-                </a:lnSpc>
-              </a:pPr>
-              <a:r>
-                <a:rPr lang="en-US" sz="1176" b="1" dirty="0">
-                  <a:ln w="3175">
-                    <a:noFill/>
-                  </a:ln>
-                  <a:solidFill>
-                    <a:srgbClr val="0099CC"/>
-                  </a:solidFill>
-                  <a:latin typeface="Segoe UI Semibold" panose="020B0702040204020203" pitchFamily="34" charset="0"/>
-                  <a:cs typeface="Segoe UI Semibold" panose="020B0702040204020203" pitchFamily="34" charset="0"/>
-                </a:rPr>
-                <a:t>Register +</a:t>
-              </a:r>
-            </a:p>
-            <a:p>
-              <a:pPr>
-                <a:lnSpc>
-                  <a:spcPct val="90000"/>
-                </a:lnSpc>
-              </a:pPr>
-              <a:r>
-                <a:rPr lang="en-US" sz="1176" b="1" dirty="0">
-                  <a:ln w="3175">
-                    <a:noFill/>
-                  </a:ln>
-                  <a:solidFill>
-                    <a:srgbClr val="0099CC"/>
-                  </a:solidFill>
-                  <a:latin typeface="Segoe UI Semibold" panose="020B0702040204020203" pitchFamily="34" charset="0"/>
-                  <a:cs typeface="Segoe UI Semibold" panose="020B0702040204020203" pitchFamily="34" charset="0"/>
-                </a:rPr>
-                <a:t>trigger and</a:t>
-              </a:r>
-            </a:p>
-            <a:p>
-              <a:pPr>
-                <a:lnSpc>
-                  <a:spcPct val="90000"/>
-                </a:lnSpc>
-              </a:pPr>
-              <a:r>
-                <a:rPr lang="en-US" sz="1176" b="1" dirty="0">
-                  <a:ln w="3175">
-                    <a:noFill/>
-                  </a:ln>
-                  <a:solidFill>
-                    <a:srgbClr val="0099CC"/>
-                  </a:solidFill>
-                  <a:latin typeface="Segoe UI Semibold" panose="020B0702040204020203" pitchFamily="34" charset="0"/>
-                  <a:cs typeface="Segoe UI Semibold" panose="020B0702040204020203" pitchFamily="34" charset="0"/>
-                </a:rPr>
-                <a:t>scaling definition</a:t>
-              </a:r>
-            </a:p>
-          </p:txBody>
-        </p:sp>
-        <p:grpSp>
-          <p:nvGrpSpPr>
-            <p:cNvPr id="22" name="Group 21">
-              <a:extLst>
-                <a:ext uri="{FF2B5EF4-FFF2-40B4-BE49-F238E27FC236}">
-                  <a16:creationId xmlns:a16="http://schemas.microsoft.com/office/drawing/2014/main" id="{E6F19CCD-29E7-4336-9649-A68D765536E7}"/>
-                </a:ext>
-              </a:extLst>
-            </p:cNvPr>
-            <p:cNvGrpSpPr/>
-            <p:nvPr/>
-          </p:nvGrpSpPr>
-          <p:grpSpPr>
-            <a:xfrm>
-              <a:off x="7873652" y="5350425"/>
-              <a:ext cx="1918196" cy="1097280"/>
-              <a:chOff x="7750152" y="5255175"/>
-              <a:chExt cx="1918196" cy="1097280"/>
-            </a:xfrm>
-          </p:grpSpPr>
-          <p:sp>
-            <p:nvSpPr>
-              <p:cNvPr id="23" name="Oval 22">
-                <a:extLst>
-                  <a:ext uri="{FF2B5EF4-FFF2-40B4-BE49-F238E27FC236}">
-                    <a16:creationId xmlns:a16="http://schemas.microsoft.com/office/drawing/2014/main" id="{1F2880B4-438B-4643-992A-A8ADB130101F}"/>
-                  </a:ext>
-                </a:extLst>
-              </p:cNvPr>
-              <p:cNvSpPr/>
-              <p:nvPr/>
-            </p:nvSpPr>
-            <p:spPr bwMode="auto">
-              <a:xfrm>
-                <a:off x="7750152" y="5255175"/>
-                <a:ext cx="1097280" cy="1097280"/>
-              </a:xfrm>
-              <a:prstGeom prst="ellipse">
-                <a:avLst/>
-              </a:prstGeom>
+            </a:prstTxWarp>
+            <a:noAutofit/>
+          </a:bodyPr>
+          <a:lstStyle/>
+          <a:p>
+            <a:pPr algn="ctr" defTabSz="914102" fontAlgn="base">
+              <a:lnSpc>
+                <a:spcPct val="90000"/>
+              </a:lnSpc>
+              <a:spcBef>
+                <a:spcPct val="0"/>
+              </a:spcBef>
+              <a:spcAft>
+                <a:spcPct val="0"/>
+              </a:spcAft>
+            </a:pPr>
+            <a:r>
+              <a:rPr kumimoji="0" lang="en-US" sz="1050" b="0" i="0" u="none" strike="noStrike" kern="1200" cap="none" spc="0" normalizeH="0" baseline="0" noProof="0" dirty="0">
+                <a:ln>
+                  <a:noFill/>
+                </a:ln>
+                <a:solidFill>
+                  <a:srgbClr val="3C3C41"/>
+                </a:solidFill>
+                <a:effectLst/>
+                <a:uLnTx/>
+                <a:uFillTx/>
+                <a:latin typeface="Segoe UI"/>
+                <a:ea typeface="+mn-ea"/>
+                <a:cs typeface="Segoe UI" pitchFamily="34" charset="0"/>
+              </a:rPr>
+              <a:t>Admission Webhooks</a:t>
+            </a:r>
+          </a:p>
+          <a:p>
+            <a:pPr algn="ctr" defTabSz="914102" fontAlgn="base">
+              <a:lnSpc>
+                <a:spcPct val="90000"/>
+              </a:lnSpc>
+              <a:spcBef>
+                <a:spcPct val="0"/>
+              </a:spcBef>
+              <a:spcAft>
+                <a:spcPct val="0"/>
+              </a:spcAft>
+            </a:pPr>
+            <a:endParaRPr lang="en-US" sz="1176" dirty="0">
               <a:solidFill>
-                <a:schemeClr val="accent3">
-                  <a:lumMod val="40000"/>
-                  <a:lumOff val="60000"/>
-                </a:schemeClr>
+                <a:srgbClr val="3C3C41"/>
               </a:solidFill>
-              <a:ln>
-                <a:noFill/>
-              </a:ln>
-            </p:spPr>
-            <p:style>
-              <a:lnRef idx="0">
-                <a:scrgbClr r="0" g="0" b="0"/>
-              </a:lnRef>
-              <a:fillRef idx="0">
-                <a:scrgbClr r="0" g="0" b="0"/>
-              </a:fillRef>
-              <a:effectRef idx="0">
-                <a:scrgbClr r="0" g="0" b="0"/>
-              </a:effectRef>
-              <a:fontRef idx="minor">
-                <a:schemeClr val="lt1"/>
-              </a:fontRef>
-            </p:style>
-            <p:txBody>
-              <a:bodyPr rot="0" spcFirstLastPara="0" vertOverflow="overflow" horzOverflow="overflow" vert="horz" wrap="square" lIns="182880" tIns="146304" rIns="182880" bIns="146304" numCol="1" spcCol="0" rtlCol="0" fromWordArt="0" anchor="t" anchorCtr="0" forceAA="0" compatLnSpc="1">
-                <a:prstTxWarp prst="textNoShape">
-                  <a:avLst/>
-                </a:prstTxWarp>
-                <a:noAutofit/>
-              </a:bodyPr>
-              <a:lstStyle/>
-              <a:p>
-                <a:pPr algn="ctr" defTabSz="932472" fontAlgn="base">
-                  <a:lnSpc>
-                    <a:spcPct val="90000"/>
-                  </a:lnSpc>
-                  <a:spcBef>
-                    <a:spcPct val="0"/>
-                  </a:spcBef>
-                  <a:spcAft>
-                    <a:spcPct val="0"/>
-                  </a:spcAft>
-                </a:pPr>
-                <a:endParaRPr lang="en-US" sz="2400" dirty="0" err="1">
-                  <a:gradFill>
-                    <a:gsLst>
-                      <a:gs pos="0">
-                        <a:srgbClr val="FFFFFF"/>
-                      </a:gs>
-                      <a:gs pos="100000">
-                        <a:srgbClr val="FFFFFF"/>
-                      </a:gs>
-                    </a:gsLst>
-                    <a:lin ang="5400000" scaled="0"/>
-                  </a:gradFill>
-                  <a:cs typeface="Segoe UI" pitchFamily="34" charset="0"/>
-                </a:endParaRPr>
-              </a:p>
-            </p:txBody>
-          </p:sp>
-          <p:sp>
-            <p:nvSpPr>
-              <p:cNvPr id="24" name="Title 1">
-                <a:extLst>
-                  <a:ext uri="{FF2B5EF4-FFF2-40B4-BE49-F238E27FC236}">
-                    <a16:creationId xmlns:a16="http://schemas.microsoft.com/office/drawing/2014/main" id="{E3F0BFA2-C379-4D3E-88C0-88516D0B2832}"/>
-                  </a:ext>
-                </a:extLst>
-              </p:cNvPr>
-              <p:cNvSpPr txBox="1">
-                <a:spLocks/>
-              </p:cNvSpPr>
-              <p:nvPr/>
-            </p:nvSpPr>
-            <p:spPr>
-              <a:xfrm>
-                <a:off x="8757589" y="5530755"/>
-                <a:ext cx="910759" cy="542841"/>
-              </a:xfrm>
-              <a:prstGeom prst="rect">
-                <a:avLst/>
-              </a:prstGeom>
-            </p:spPr>
-            <p:txBody>
-              <a:bodyPr vert="horz" wrap="square" lIns="0" tIns="0" rIns="0" bIns="0" rtlCol="0" anchor="b">
-                <a:spAutoFit/>
-              </a:bodyPr>
-              <a:lstStyle>
-                <a:lvl1pPr algn="l" defTabSz="932742" rtl="0" eaLnBrk="1" latinLnBrk="0" hangingPunct="1">
-                  <a:lnSpc>
-                    <a:spcPct val="90000"/>
-                  </a:lnSpc>
-                  <a:spcBef>
-                    <a:spcPct val="0"/>
-                  </a:spcBef>
-                  <a:buNone/>
-                  <a:defRPr lang="en-US" sz="5400" b="0" kern="1200" cap="none" spc="-102" baseline="0">
-                    <a:ln w="3175">
-                      <a:noFill/>
-                    </a:ln>
-                    <a:gradFill>
-                      <a:gsLst>
-                        <a:gs pos="2655">
-                          <a:schemeClr val="tx1"/>
-                        </a:gs>
-                        <a:gs pos="31000">
-                          <a:schemeClr val="tx1"/>
-                        </a:gs>
-                      </a:gsLst>
-                      <a:lin ang="5400000" scaled="0"/>
-                    </a:gradFill>
-                    <a:effectLst/>
-                    <a:latin typeface="+mj-lt"/>
-                    <a:ea typeface="+mn-ea"/>
-                    <a:cs typeface="Segoe UI" pitchFamily="34" charset="0"/>
-                  </a:defRPr>
-                </a:lvl1pPr>
-              </a:lstStyle>
-              <a:p>
-                <a:pPr marL="0" marR="0" lvl="0" indent="0" algn="ctr" defTabSz="914367" rtl="0" eaLnBrk="1" fontAlgn="auto" latinLnBrk="0" hangingPunct="1">
-                  <a:lnSpc>
-                    <a:spcPct val="100000"/>
-                  </a:lnSpc>
-                  <a:spcBef>
-                    <a:spcPct val="0"/>
-                  </a:spcBef>
-                  <a:spcAft>
-                    <a:spcPts val="0"/>
-                  </a:spcAft>
-                  <a:buClrTx/>
-                  <a:buSzTx/>
-                  <a:buFontTx/>
-                  <a:buNone/>
-                  <a:tabLst/>
-                  <a:defRPr/>
-                </a:pPr>
-                <a:r>
-                  <a:rPr kumimoji="0" lang="en-US" sz="1176" b="0" i="0" u="none" strike="noStrike" kern="1200" cap="none" spc="0" normalizeH="0" baseline="0" noProof="0" dirty="0">
-                    <a:ln w="3175">
-                      <a:noFill/>
-                    </a:ln>
-                    <a:solidFill>
-                      <a:srgbClr val="000000"/>
-                    </a:solidFill>
-                    <a:effectLst/>
-                    <a:uLnTx/>
-                    <a:uFillTx/>
-                    <a:latin typeface="Segoe UI Semibold" panose="020B0702040204020203" pitchFamily="34" charset="0"/>
-                    <a:ea typeface="+mn-ea"/>
-                    <a:cs typeface="Segoe UI Semibold" panose="020B0702040204020203" pitchFamily="34" charset="0"/>
-                  </a:rPr>
-                  <a:t>External </a:t>
-                </a:r>
-              </a:p>
-              <a:p>
-                <a:pPr marL="0" marR="0" lvl="0" indent="0" algn="ctr" defTabSz="914367" rtl="0" eaLnBrk="1" fontAlgn="auto" latinLnBrk="0" hangingPunct="1">
-                  <a:lnSpc>
-                    <a:spcPct val="100000"/>
-                  </a:lnSpc>
-                  <a:spcBef>
-                    <a:spcPct val="0"/>
-                  </a:spcBef>
-                  <a:spcAft>
-                    <a:spcPts val="0"/>
-                  </a:spcAft>
-                  <a:buClrTx/>
-                  <a:buSzTx/>
-                  <a:buFontTx/>
-                  <a:buNone/>
-                  <a:tabLst/>
-                  <a:defRPr/>
-                </a:pPr>
-                <a:r>
-                  <a:rPr kumimoji="0" lang="en-US" sz="1176" b="0" i="0" u="none" strike="noStrike" kern="1200" cap="none" spc="0" normalizeH="0" baseline="0" noProof="0" dirty="0">
-                    <a:ln w="3175">
-                      <a:noFill/>
-                    </a:ln>
-                    <a:solidFill>
-                      <a:srgbClr val="000000"/>
-                    </a:solidFill>
-                    <a:effectLst/>
-                    <a:uLnTx/>
-                    <a:uFillTx/>
-                    <a:latin typeface="Segoe UI Semibold" panose="020B0702040204020203" pitchFamily="34" charset="0"/>
-                    <a:ea typeface="+mn-ea"/>
-                    <a:cs typeface="Segoe UI Semibold" panose="020B0702040204020203" pitchFamily="34" charset="0"/>
-                  </a:rPr>
-                  <a:t>trigger </a:t>
-                </a:r>
-              </a:p>
-              <a:p>
-                <a:pPr marL="0" marR="0" lvl="0" indent="0" algn="ctr" defTabSz="914367" rtl="0" eaLnBrk="1" fontAlgn="auto" latinLnBrk="0" hangingPunct="1">
-                  <a:lnSpc>
-                    <a:spcPct val="100000"/>
-                  </a:lnSpc>
-                  <a:spcBef>
-                    <a:spcPct val="0"/>
-                  </a:spcBef>
-                  <a:spcAft>
-                    <a:spcPts val="0"/>
-                  </a:spcAft>
-                  <a:buClrTx/>
-                  <a:buSzTx/>
-                  <a:buFontTx/>
-                  <a:buNone/>
-                  <a:tabLst/>
-                  <a:defRPr/>
-                </a:pPr>
-                <a:r>
-                  <a:rPr kumimoji="0" lang="en-US" sz="1176" b="0" i="0" u="none" strike="noStrike" kern="1200" cap="none" spc="0" normalizeH="0" baseline="0" noProof="0" dirty="0">
-                    <a:ln w="3175">
-                      <a:noFill/>
-                    </a:ln>
-                    <a:solidFill>
-                      <a:srgbClr val="000000"/>
-                    </a:solidFill>
-                    <a:effectLst/>
-                    <a:uLnTx/>
-                    <a:uFillTx/>
-                    <a:latin typeface="Segoe UI Semibold" panose="020B0702040204020203" pitchFamily="34" charset="0"/>
-                    <a:ea typeface="+mn-ea"/>
-                    <a:cs typeface="Segoe UI Semibold" panose="020B0702040204020203" pitchFamily="34" charset="0"/>
-                  </a:rPr>
-                  <a:t>source</a:t>
-                </a:r>
-              </a:p>
-            </p:txBody>
-          </p:sp>
-          <p:sp>
-            <p:nvSpPr>
-              <p:cNvPr id="25" name="LightningBolt_E945" title="Icon of a lightning bolt">
-                <a:extLst>
-                  <a:ext uri="{FF2B5EF4-FFF2-40B4-BE49-F238E27FC236}">
-                    <a16:creationId xmlns:a16="http://schemas.microsoft.com/office/drawing/2014/main" id="{F1AA2757-4F8A-4E67-B1F3-EFEF13F9B5C8}"/>
-                  </a:ext>
-                </a:extLst>
-              </p:cNvPr>
-              <p:cNvSpPr>
-                <a:spLocks noChangeAspect="1"/>
-              </p:cNvSpPr>
-              <p:nvPr/>
-            </p:nvSpPr>
-            <p:spPr bwMode="auto">
-              <a:xfrm>
-                <a:off x="8134977" y="5575215"/>
-                <a:ext cx="327631" cy="457200"/>
-              </a:xfrm>
-              <a:custGeom>
-                <a:avLst/>
-                <a:gdLst>
-                  <a:gd name="T0" fmla="*/ 481 w 2961"/>
-                  <a:gd name="T1" fmla="*/ 4132 h 4132"/>
-                  <a:gd name="T2" fmla="*/ 2961 w 2961"/>
-                  <a:gd name="T3" fmla="*/ 1653 h 4132"/>
-                  <a:gd name="T4" fmla="*/ 1652 w 2961"/>
-                  <a:gd name="T5" fmla="*/ 1653 h 4132"/>
-                  <a:gd name="T6" fmla="*/ 2479 w 2961"/>
-                  <a:gd name="T7" fmla="*/ 0 h 4132"/>
-                  <a:gd name="T8" fmla="*/ 1239 w 2961"/>
-                  <a:gd name="T9" fmla="*/ 0 h 4132"/>
-                  <a:gd name="T10" fmla="*/ 0 w 2961"/>
-                  <a:gd name="T11" fmla="*/ 2479 h 4132"/>
-                  <a:gd name="T12" fmla="*/ 964 w 2961"/>
-                  <a:gd name="T13" fmla="*/ 2479 h 4132"/>
-                  <a:gd name="T14" fmla="*/ 137 w 2961"/>
-                  <a:gd name="T15" fmla="*/ 4132 h 4132"/>
-                  <a:gd name="T16" fmla="*/ 481 w 2961"/>
-                  <a:gd name="T17" fmla="*/ 4132 h 4132"/>
-                </a:gdLst>
-                <a:ahLst/>
-                <a:cxnLst>
-                  <a:cxn ang="0">
-                    <a:pos x="T0" y="T1"/>
-                  </a:cxn>
-                  <a:cxn ang="0">
-                    <a:pos x="T2" y="T3"/>
-                  </a:cxn>
-                  <a:cxn ang="0">
-                    <a:pos x="T4" y="T5"/>
-                  </a:cxn>
-                  <a:cxn ang="0">
-                    <a:pos x="T6" y="T7"/>
-                  </a:cxn>
-                  <a:cxn ang="0">
-                    <a:pos x="T8" y="T9"/>
-                  </a:cxn>
-                  <a:cxn ang="0">
-                    <a:pos x="T10" y="T11"/>
-                  </a:cxn>
-                  <a:cxn ang="0">
-                    <a:pos x="T12" y="T13"/>
-                  </a:cxn>
-                  <a:cxn ang="0">
-                    <a:pos x="T14" y="T15"/>
-                  </a:cxn>
-                  <a:cxn ang="0">
-                    <a:pos x="T16" y="T17"/>
-                  </a:cxn>
-                </a:cxnLst>
-                <a:rect l="0" t="0" r="r" b="b"/>
-                <a:pathLst>
-                  <a:path w="2961" h="4132">
-                    <a:moveTo>
-                      <a:pt x="481" y="4132"/>
-                    </a:moveTo>
-                    <a:lnTo>
-                      <a:pt x="2961" y="1653"/>
-                    </a:lnTo>
-                    <a:lnTo>
-                      <a:pt x="1652" y="1653"/>
-                    </a:lnTo>
-                    <a:lnTo>
-                      <a:pt x="2479" y="0"/>
-                    </a:lnTo>
-                    <a:lnTo>
-                      <a:pt x="1239" y="0"/>
-                    </a:lnTo>
-                    <a:lnTo>
-                      <a:pt x="0" y="2479"/>
-                    </a:lnTo>
-                    <a:lnTo>
-                      <a:pt x="964" y="2479"/>
-                    </a:lnTo>
-                    <a:lnTo>
-                      <a:pt x="137" y="4132"/>
-                    </a:lnTo>
-                    <a:lnTo>
-                      <a:pt x="481" y="4132"/>
-                    </a:lnTo>
-                    <a:close/>
-                  </a:path>
-                </a:pathLst>
-              </a:custGeom>
-              <a:noFill/>
-              <a:ln w="28575" cap="sq">
+              <a:latin typeface="Segoe UI"/>
+              <a:cs typeface="Segoe UI" pitchFamily="34" charset="0"/>
+            </a:endParaRPr>
+          </a:p>
+        </p:txBody>
+      </p:sp>
+      <p:sp>
+        <p:nvSpPr>
+          <p:cNvPr id="53" name="Title 1">
+            <a:extLst>
+              <a:ext uri="{FF2B5EF4-FFF2-40B4-BE49-F238E27FC236}">
+                <a16:creationId xmlns:a16="http://schemas.microsoft.com/office/drawing/2014/main" id="{A948B747-BBC9-6EFE-51A0-DEC3DBF39D9D}"/>
+              </a:ext>
+            </a:extLst>
+          </p:cNvPr>
+          <p:cNvSpPr txBox="1">
+            <a:spLocks/>
+          </p:cNvSpPr>
+          <p:nvPr/>
+        </p:nvSpPr>
+        <p:spPr>
+          <a:xfrm>
+            <a:off x="6965391" y="2303660"/>
+            <a:ext cx="1236777" cy="492443"/>
+          </a:xfrm>
+          <a:prstGeom prst="rect">
+            <a:avLst/>
+          </a:prstGeom>
+          <a:solidFill>
+            <a:schemeClr val="bg1"/>
+          </a:solidFill>
+        </p:spPr>
+        <p:txBody>
+          <a:bodyPr vert="horz" wrap="square" lIns="0" tIns="0" rIns="0" bIns="0" rtlCol="0" anchor="b">
+            <a:spAutoFit/>
+          </a:bodyPr>
+          <a:lstStyle>
+            <a:lvl1pPr algn="l" defTabSz="932742" rtl="0" eaLnBrk="1" latinLnBrk="0" hangingPunct="1">
+              <a:lnSpc>
+                <a:spcPct val="90000"/>
+              </a:lnSpc>
+              <a:spcBef>
+                <a:spcPct val="0"/>
+              </a:spcBef>
+              <a:buNone/>
+              <a:defRPr lang="en-US" sz="5400" b="0" kern="1200" cap="none" spc="-102" baseline="0">
+                <a:ln w="3175">
+                  <a:noFill/>
+                </a:ln>
+                <a:gradFill>
+                  <a:gsLst>
+                    <a:gs pos="2655">
+                      <a:schemeClr val="tx1"/>
+                    </a:gs>
+                    <a:gs pos="31000">
+                      <a:schemeClr val="tx1"/>
+                    </a:gs>
+                  </a:gsLst>
+                  <a:lin ang="5400000" scaled="0"/>
+                </a:gradFill>
+                <a:effectLst/>
+                <a:latin typeface="+mj-lt"/>
+                <a:ea typeface="+mn-ea"/>
+                <a:cs typeface="Segoe UI" pitchFamily="34" charset="0"/>
+              </a:defRPr>
+            </a:lvl1pPr>
+          </a:lstStyle>
+          <a:p>
+            <a:pPr marL="0" marR="0" lvl="0" indent="0" algn="ctr" defTabSz="914367" rtl="0" eaLnBrk="1" fontAlgn="auto" latinLnBrk="0" hangingPunct="1">
+              <a:lnSpc>
+                <a:spcPct val="100000"/>
+              </a:lnSpc>
+              <a:spcBef>
+                <a:spcPct val="0"/>
+              </a:spcBef>
+              <a:spcAft>
+                <a:spcPts val="0"/>
+              </a:spcAft>
+              <a:buClrTx/>
+              <a:buSzTx/>
+              <a:buFontTx/>
+              <a:buNone/>
+              <a:tabLst/>
+              <a:defRPr/>
+            </a:pPr>
+            <a:r>
+              <a:rPr kumimoji="0" lang="en-US" sz="3200" b="0" i="0" u="none" strike="noStrike" kern="1200" cap="none" spc="0" normalizeH="0" baseline="0" noProof="0" dirty="0">
+                <a:ln w="3175">
+                  <a:noFill/>
+                </a:ln>
                 <a:solidFill>
-                  <a:schemeClr val="tx1"/>
+                  <a:srgbClr val="000000"/>
                 </a:solidFill>
-                <a:prstDash val="solid"/>
-                <a:miter lim="800000"/>
-                <a:headEnd/>
-                <a:tailEnd/>
-              </a:ln>
-              <a:extLst>
-                <a:ext uri="{909E8E84-426E-40DD-AFC4-6F175D3DCCD1}">
-                  <a14:hiddenFill xmlns:a14="http://schemas.microsoft.com/office/drawing/2010/main">
-                    <a:solidFill>
-                      <a:srgbClr val="FFFFFF"/>
-                    </a:solidFill>
-                  </a14:hiddenFill>
-                </a:ext>
-              </a:extLst>
-            </p:spPr>
-            <p:txBody>
-              <a:bodyPr vert="horz" wrap="square" lIns="91440" tIns="45720" rIns="91440" bIns="45720" numCol="1" anchor="t" anchorCtr="0" compatLnSpc="1">
-                <a:prstTxWarp prst="textNoShape">
-                  <a:avLst/>
-                </a:prstTxWarp>
-              </a:bodyPr>
-              <a:lstStyle/>
-              <a:p>
-                <a:endParaRPr lang="en-US" sz="900">
-                  <a:gradFill>
-                    <a:gsLst>
-                      <a:gs pos="0">
-                        <a:srgbClr val="505050"/>
-                      </a:gs>
-                      <a:gs pos="100000">
-                        <a:srgbClr val="505050"/>
-                      </a:gs>
-                    </a:gsLst>
-                    <a:lin ang="5400000" scaled="1"/>
-                  </a:gradFill>
-                </a:endParaRPr>
-              </a:p>
-            </p:txBody>
-          </p:sp>
-        </p:grpSp>
-      </p:grpSp>
+                <a:effectLst/>
+                <a:uLnTx/>
+                <a:uFillTx/>
+                <a:latin typeface="Segoe UI Semibold" panose="020B0702040204020203" pitchFamily="34" charset="0"/>
+                <a:ea typeface="+mn-ea"/>
+                <a:cs typeface="Segoe UI Semibold" panose="020B0702040204020203" pitchFamily="34" charset="0"/>
+              </a:rPr>
+              <a:t>KEDA</a:t>
+            </a:r>
+          </a:p>
+        </p:txBody>
+      </p:sp>
     </p:spTree>
     <p:extLst>
       <p:ext uri="{BB962C8B-B14F-4D97-AF65-F5344CB8AC3E}">
-        <p14:creationId xmlns:p14="http://schemas.microsoft.com/office/powerpoint/2010/main" val="2899496042"/>
+        <p14:creationId xmlns:p14="http://schemas.microsoft.com/office/powerpoint/2010/main" val="1289679015"/>
       </p:ext>
     </p:extLst>
   </p:cSld>
   <p:clrMapOvr>
     <a:masterClrMapping/>
   </p:clrMapOvr>
+  <p:transition>
+    <p:fade/>
+  </p:transition>
 </p:sld>
 </file>
 
@@ -6882,308 +7213,4 @@
     </a:ext>
   </a:extLst>
 </a:theme>
-</file>
-
-<file path=customXml/item1.xml><?xml version="1.0" encoding="utf-8"?>
-<ct:contentTypeSchema xmlns:ct="http://schemas.microsoft.com/office/2006/metadata/contentType" xmlns:ma="http://schemas.microsoft.com/office/2006/metadata/properties/metaAttributes" ct:_="" ma:_="" ma:contentTypeName="Document" ma:contentTypeID="0x01010070F764BEC1B1594BA671F7EDF2C48406" ma:contentTypeVersion="16" ma:contentTypeDescription="Create a new document." ma:contentTypeScope="" ma:versionID="a0b1923196e71502b75788a119d078f9">
-  <xsd:schema xmlns:xsd="http://www.w3.org/2001/XMLSchema" xmlns:xs="http://www.w3.org/2001/XMLSchema" xmlns:p="http://schemas.microsoft.com/office/2006/metadata/properties" xmlns:ns1="http://schemas.microsoft.com/sharepoint/v3" xmlns:ns3="8ded309d-af83-4345-8f5a-4616d915c192" xmlns:ns4="4cfcf085-b638-4b59-b50a-d14883d72e15" targetNamespace="http://schemas.microsoft.com/office/2006/metadata/properties" ma:root="true" ma:fieldsID="00c7a68b45329ff3d3ae1418d55c56ea" ns1:_="" ns3:_="" ns4:_="">
-    <xsd:import namespace="http://schemas.microsoft.com/sharepoint/v3"/>
-    <xsd:import namespace="8ded309d-af83-4345-8f5a-4616d915c192"/>
-    <xsd:import namespace="4cfcf085-b638-4b59-b50a-d14883d72e15"/>
-    <xsd:element name="properties">
-      <xsd:complexType>
-        <xsd:sequence>
-          <xsd:element name="documentManagement">
-            <xsd:complexType>
-              <xsd:all>
-                <xsd:element ref="ns3:SharedWithUsers" minOccurs="0"/>
-                <xsd:element ref="ns3:SharingHintHash" minOccurs="0"/>
-                <xsd:element ref="ns3:SharedWithDetails" minOccurs="0"/>
-                <xsd:element ref="ns1:_ip_UnifiedCompliancePolicyProperties" minOccurs="0"/>
-                <xsd:element ref="ns1:_ip_UnifiedCompliancePolicyUIAction" minOccurs="0"/>
-                <xsd:element ref="ns3:LastSharedByUser" minOccurs="0"/>
-                <xsd:element ref="ns3:LastSharedByTime" minOccurs="0"/>
-                <xsd:element ref="ns4:MediaServiceMetadata" minOccurs="0"/>
-                <xsd:element ref="ns4:MediaServiceFastMetadata" minOccurs="0"/>
-                <xsd:element ref="ns4:MediaServiceDateTaken" minOccurs="0"/>
-                <xsd:element ref="ns4:MediaServiceAutoTags" minOccurs="0"/>
-                <xsd:element ref="ns4:MediaServiceOCR" minOccurs="0"/>
-                <xsd:element ref="ns4:MediaServiceAutoKeyPoints" minOccurs="0"/>
-                <xsd:element ref="ns4:MediaServiceKeyPoints" minOccurs="0"/>
-                <xsd:element ref="ns4:MediaServiceGenerationTime" minOccurs="0"/>
-                <xsd:element ref="ns4:MediaServiceEventHashCode" minOccurs="0"/>
-              </xsd:all>
-            </xsd:complexType>
-          </xsd:element>
-        </xsd:sequence>
-      </xsd:complexType>
-    </xsd:element>
-  </xsd:schema>
-  <xsd:schema xmlns:xsd="http://www.w3.org/2001/XMLSchema" xmlns:xs="http://www.w3.org/2001/XMLSchema" xmlns:dms="http://schemas.microsoft.com/office/2006/documentManagement/types" xmlns:pc="http://schemas.microsoft.com/office/infopath/2007/PartnerControls" targetNamespace="http://schemas.microsoft.com/sharepoint/v3" elementFormDefault="qualified">
-    <xsd:import namespace="http://schemas.microsoft.com/office/2006/documentManagement/types"/>
-    <xsd:import namespace="http://schemas.microsoft.com/office/infopath/2007/PartnerControls"/>
-    <xsd:element name="_ip_UnifiedCompliancePolicyProperties" ma:index="11" nillable="true" ma:displayName="Unified Compliance Policy Properties" ma:hidden="true" ma:internalName="_ip_UnifiedCompliancePolicyProperties">
-      <xsd:simpleType>
-        <xsd:restriction base="dms:Note"/>
-      </xsd:simpleType>
-    </xsd:element>
-    <xsd:element name="_ip_UnifiedCompliancePolicyUIAction" ma:index="12" nillable="true" ma:displayName="Unified Compliance Policy UI Action" ma:hidden="true" ma:internalName="_ip_UnifiedCompliancePolicyUIAction">
-      <xsd:simpleType>
-        <xsd:restriction base="dms:Text"/>
-      </xsd:simpleType>
-    </xsd:element>
-  </xsd:schema>
-  <xsd:schema xmlns:xsd="http://www.w3.org/2001/XMLSchema" xmlns:xs="http://www.w3.org/2001/XMLSchema" xmlns:dms="http://schemas.microsoft.com/office/2006/documentManagement/types" xmlns:pc="http://schemas.microsoft.com/office/infopath/2007/PartnerControls" targetNamespace="8ded309d-af83-4345-8f5a-4616d915c192" elementFormDefault="qualified">
-    <xsd:import namespace="http://schemas.microsoft.com/office/2006/documentManagement/types"/>
-    <xsd:import namespace="http://schemas.microsoft.com/office/infopath/2007/PartnerControls"/>
-    <xsd:element name="SharedWithUsers" ma:index="8" nillable="true" ma:displayName="Shared With" ma:internalName="SharedWithUsers" ma:readOnly="true">
-      <xsd:complexType>
-        <xsd:complexContent>
-          <xsd:extension base="dms:UserMulti">
-            <xsd:sequence>
-              <xsd:element name="UserInfo" minOccurs="0" maxOccurs="unbounded">
-                <xsd:complexType>
-                  <xsd:sequence>
-                    <xsd:element name="DisplayName" type="xsd:string" minOccurs="0"/>
-                    <xsd:element name="AccountId" type="dms:UserId" minOccurs="0" nillable="true"/>
-                    <xsd:element name="AccountType" type="xsd:string" minOccurs="0"/>
-                  </xsd:sequence>
-                </xsd:complexType>
-              </xsd:element>
-            </xsd:sequence>
-          </xsd:extension>
-        </xsd:complexContent>
-      </xsd:complexType>
-    </xsd:element>
-    <xsd:element name="SharingHintHash" ma:index="9" nillable="true" ma:displayName="Sharing Hint Hash" ma:internalName="SharingHintHash" ma:readOnly="true">
-      <xsd:simpleType>
-        <xsd:restriction base="dms:Text"/>
-      </xsd:simpleType>
-    </xsd:element>
-    <xsd:element name="SharedWithDetails" ma:index="10" nillable="true" ma:displayName="Shared With Details" ma:internalName="SharedWithDetails" ma:readOnly="true">
-      <xsd:simpleType>
-        <xsd:restriction base="dms:Note">
-          <xsd:maxLength value="255"/>
-        </xsd:restriction>
-      </xsd:simpleType>
-    </xsd:element>
-    <xsd:element name="LastSharedByUser" ma:index="13" nillable="true" ma:displayName="Last Shared By User" ma:description="" ma:internalName="LastSharedByUser" ma:readOnly="true">
-      <xsd:simpleType>
-        <xsd:restriction base="dms:Note">
-          <xsd:maxLength value="255"/>
-        </xsd:restriction>
-      </xsd:simpleType>
-    </xsd:element>
-    <xsd:element name="LastSharedByTime" ma:index="14" nillable="true" ma:displayName="Last Shared By Time" ma:description="" ma:internalName="LastSharedByTime" ma:readOnly="true">
-      <xsd:simpleType>
-        <xsd:restriction base="dms:DateTime"/>
-      </xsd:simpleType>
-    </xsd:element>
-  </xsd:schema>
-  <xsd:schema xmlns:xsd="http://www.w3.org/2001/XMLSchema" xmlns:xs="http://www.w3.org/2001/XMLSchema" xmlns:dms="http://schemas.microsoft.com/office/2006/documentManagement/types" xmlns:pc="http://schemas.microsoft.com/office/infopath/2007/PartnerControls" targetNamespace="4cfcf085-b638-4b59-b50a-d14883d72e15" elementFormDefault="qualified">
-    <xsd:import namespace="http://schemas.microsoft.com/office/2006/documentManagement/types"/>
-    <xsd:import namespace="http://schemas.microsoft.com/office/infopath/2007/PartnerControls"/>
-    <xsd:element name="MediaServiceMetadata" ma:index="15" nillable="true" ma:displayName="MediaServiceMetadata" ma:description="" ma:hidden="true" ma:internalName="MediaServiceMetadata" ma:readOnly="true">
-      <xsd:simpleType>
-        <xsd:restriction base="dms:Note"/>
-      </xsd:simpleType>
-    </xsd:element>
-    <xsd:element name="MediaServiceFastMetadata" ma:index="16" nillable="true" ma:displayName="MediaServiceFastMetadata" ma:description="" ma:hidden="true" ma:internalName="MediaServiceFastMetadata" ma:readOnly="true">
-      <xsd:simpleType>
-        <xsd:restriction base="dms:Note"/>
-      </xsd:simpleType>
-    </xsd:element>
-    <xsd:element name="MediaServiceDateTaken" ma:index="17" nillable="true" ma:displayName="MediaServiceDateTaken" ma:hidden="true" ma:internalName="MediaServiceDateTaken" ma:readOnly="true">
-      <xsd:simpleType>
-        <xsd:restriction base="dms:Text"/>
-      </xsd:simpleType>
-    </xsd:element>
-    <xsd:element name="MediaServiceAutoTags" ma:index="18" nillable="true" ma:displayName="MediaServiceAutoTags" ma:internalName="MediaServiceAutoTags" ma:readOnly="true">
-      <xsd:simpleType>
-        <xsd:restriction base="dms:Text"/>
-      </xsd:simpleType>
-    </xsd:element>
-    <xsd:element name="MediaServiceOCR" ma:index="19" nillable="true" ma:displayName="Extracted Text" ma:internalName="MediaServiceOCR" ma:readOnly="true">
-      <xsd:simpleType>
-        <xsd:restriction base="dms:Note">
-          <xsd:maxLength value="255"/>
-        </xsd:restriction>
-      </xsd:simpleType>
-    </xsd:element>
-    <xsd:element name="MediaServiceAutoKeyPoints" ma:index="20" nillable="true" ma:displayName="MediaServiceAutoKeyPoints" ma:hidden="true" ma:internalName="MediaServiceAutoKeyPoints" ma:readOnly="true">
-      <xsd:simpleType>
-        <xsd:restriction base="dms:Note"/>
-      </xsd:simpleType>
-    </xsd:element>
-    <xsd:element name="MediaServiceKeyPoints" ma:index="21" nillable="true" ma:displayName="KeyPoints" ma:internalName="MediaServiceKeyPoints" ma:readOnly="true">
-      <xsd:simpleType>
-        <xsd:restriction base="dms:Note">
-          <xsd:maxLength value="255"/>
-        </xsd:restriction>
-      </xsd:simpleType>
-    </xsd:element>
-    <xsd:element name="MediaServiceGenerationTime" ma:index="22" nillable="true" ma:displayName="MediaServiceGenerationTime" ma:hidden="true" ma:internalName="MediaServiceGenerationTime" ma:readOnly="true">
-      <xsd:simpleType>
-        <xsd:restriction base="dms:Text"/>
-      </xsd:simpleType>
-    </xsd:element>
-    <xsd:element name="MediaServiceEventHashCode" ma:index="23" nillable="true" ma:displayName="MediaServiceEventHashCode" ma:hidden="true" ma:internalName="MediaServiceEventHashCode" ma:readOnly="true">
-      <xsd:simpleType>
-        <xsd:restriction base="dms:Text"/>
-      </xsd:simpleType>
-    </xsd:element>
-  </xsd:schema>
-  <xsd:schema xmlns="http://schemas.openxmlformats.org/package/2006/metadata/core-properties" xmlns:xsd="http://www.w3.org/2001/XMLSchema" xmlns:xsi="http://www.w3.org/2001/XMLSchema-instance" xmlns:dc="http://purl.org/dc/elements/1.1/" xmlns:dcterms="http://purl.org/dc/terms/" xmlns:odoc="http://schemas.microsoft.com/internal/obd" targetNamespace="http://schemas.openxmlformats.org/package/2006/metadata/core-properties" elementFormDefault="qualified" attributeFormDefault="unqualified" blockDefault="#all">
-    <xsd:import namespace="http://purl.org/dc/elements/1.1/" schemaLocation="http://dublincore.org/schemas/xmls/qdc/2003/04/02/dc.xsd"/>
-    <xsd:import namespace="http://purl.org/dc/terms/" schemaLocation="http://dublincore.org/schemas/xmls/qdc/2003/04/02/dcterms.xsd"/>
-    <xsd:element name="coreProperties" type="CT_coreProperties"/>
-    <xsd:complexType name="CT_coreProperties">
-      <xsd:all>
-        <xsd:element ref="dc:creator" minOccurs="0" maxOccurs="1"/>
-        <xsd:element ref="dcterms:created" minOccurs="0" maxOccurs="1"/>
-        <xsd:element ref="dc:identifier" minOccurs="0" maxOccurs="1"/>
-        <xsd:element name="contentType" minOccurs="0" maxOccurs="1" type="xsd:string" ma:index="0" ma:displayName="Content Type"/>
-        <xsd:element ref="dc:title" minOccurs="0" maxOccurs="1" ma:index="4" ma:displayName="Title"/>
-        <xsd:element ref="dc:subject" minOccurs="0" maxOccurs="1"/>
-        <xsd:element ref="dc:description" minOccurs="0" maxOccurs="1"/>
-        <xsd:element name="keywords" minOccurs="0" maxOccurs="1" type="xsd:string"/>
-        <xsd:element ref="dc:language" minOccurs="0" maxOccurs="1"/>
-        <xsd:element name="category" minOccurs="0" maxOccurs="1" type="xsd:string"/>
-        <xsd:element name="version" minOccurs="0" maxOccurs="1" type="xsd:string"/>
-        <xsd:element name="revision" minOccurs="0" maxOccurs="1" type="xsd:string">
-          <xsd:annotation>
-            <xsd:documentation>
-                        This value indicates the number of saves or revisions. The application is responsible for updating this value after each revision.
-                    </xsd:documentation>
-          </xsd:annotation>
-        </xsd:element>
-        <xsd:element name="lastModifiedBy" minOccurs="0" maxOccurs="1" type="xsd:string"/>
-        <xsd:element ref="dcterms:modified" minOccurs="0" maxOccurs="1"/>
-        <xsd:element name="contentStatus" minOccurs="0" maxOccurs="1" type="xsd:string"/>
-      </xsd:all>
-    </xsd:complexType>
-  </xsd:schema>
-  <xs:schema xmlns:pc="http://schemas.microsoft.com/office/infopath/2007/PartnerControls" xmlns:xs="http://www.w3.org/2001/XMLSchema" targetNamespace="http://schemas.microsoft.com/office/infopath/2007/PartnerControls" elementFormDefault="qualified" attributeFormDefault="unqualified">
-    <xs:element name="Person">
-      <xs:complexType>
-        <xs:sequence>
-          <xs:element ref="pc:DisplayName" minOccurs="0"/>
-          <xs:element ref="pc:AccountId" minOccurs="0"/>
-          <xs:element ref="pc:AccountType" minOccurs="0"/>
-        </xs:sequence>
-      </xs:complexType>
-    </xs:element>
-    <xs:element name="DisplayName" type="xs:string"/>
-    <xs:element name="AccountId" type="xs:string"/>
-    <xs:element name="AccountType" type="xs:string"/>
-    <xs:element name="BDCAssociatedEntity">
-      <xs:complexType>
-        <xs:sequence>
-          <xs:element ref="pc:BDCEntity" minOccurs="0" maxOccurs="unbounded"/>
-        </xs:sequence>
-        <xs:attribute ref="pc:EntityNamespace"/>
-        <xs:attribute ref="pc:EntityName"/>
-        <xs:attribute ref="pc:SystemInstanceName"/>
-        <xs:attribute ref="pc:AssociationName"/>
-      </xs:complexType>
-    </xs:element>
-    <xs:attribute name="EntityNamespace" type="xs:string"/>
-    <xs:attribute name="EntityName" type="xs:string"/>
-    <xs:attribute name="SystemInstanceName" type="xs:string"/>
-    <xs:attribute name="AssociationName" type="xs:string"/>
-    <xs:element name="BDCEntity">
-      <xs:complexType>
-        <xs:sequence>
-          <xs:element ref="pc:EntityDisplayName" minOccurs="0"/>
-          <xs:element ref="pc:EntityInstanceReference" minOccurs="0"/>
-          <xs:element ref="pc:EntityId1" minOccurs="0"/>
-          <xs:element ref="pc:EntityId2" minOccurs="0"/>
-          <xs:element ref="pc:EntityId3" minOccurs="0"/>
-          <xs:element ref="pc:EntityId4" minOccurs="0"/>
-          <xs:element ref="pc:EntityId5" minOccurs="0"/>
-        </xs:sequence>
-      </xs:complexType>
-    </xs:element>
-    <xs:element name="EntityDisplayName" type="xs:string"/>
-    <xs:element name="EntityInstanceReference" type="xs:string"/>
-    <xs:element name="EntityId1" type="xs:string"/>
-    <xs:element name="EntityId2" type="xs:string"/>
-    <xs:element name="EntityId3" type="xs:string"/>
-    <xs:element name="EntityId4" type="xs:string"/>
-    <xs:element name="EntityId5" type="xs:string"/>
-    <xs:element name="Terms">
-      <xs:complexType>
-        <xs:sequence>
-          <xs:element ref="pc:TermInfo" minOccurs="0" maxOccurs="unbounded"/>
-        </xs:sequence>
-      </xs:complexType>
-    </xs:element>
-    <xs:element name="TermInfo">
-      <xs:complexType>
-        <xs:sequence>
-          <xs:element ref="pc:TermName" minOccurs="0"/>
-          <xs:element ref="pc:TermId" minOccurs="0"/>
-        </xs:sequence>
-      </xs:complexType>
-    </xs:element>
-    <xs:element name="TermName" type="xs:string"/>
-    <xs:element name="TermId" type="xs:string"/>
-  </xs:schema>
-</ct:contentTypeSchema>
-</file>
-
-<file path=customXml/item2.xml><?xml version="1.0" encoding="utf-8"?>
-<?mso-contentType ?>
-<FormTemplates xmlns="http://schemas.microsoft.com/sharepoint/v3/contenttype/forms">
-  <Display>DocumentLibraryForm</Display>
-  <Edit>DocumentLibraryForm</Edit>
-  <New>DocumentLibraryForm</New>
-</FormTemplates>
-</file>
-
-<file path=customXml/item3.xml><?xml version="1.0" encoding="utf-8"?>
-<p:properties xmlns:p="http://schemas.microsoft.com/office/2006/metadata/properties" xmlns:xsi="http://www.w3.org/2001/XMLSchema-instance" xmlns:pc="http://schemas.microsoft.com/office/infopath/2007/PartnerControls">
-  <documentManagement>
-    <_ip_UnifiedCompliancePolicyUIAction xmlns="http://schemas.microsoft.com/sharepoint/v3" xsi:nil="true"/>
-    <_ip_UnifiedCompliancePolicyProperties xmlns="http://schemas.microsoft.com/sharepoint/v3" xsi:nil="true"/>
-  </documentManagement>
-</p:properties>
-</file>
-
-<file path=customXml/itemProps1.xml><?xml version="1.0" encoding="utf-8"?>
-<ds:datastoreItem xmlns:ds="http://schemas.openxmlformats.org/officeDocument/2006/customXml" ds:itemID="{117D3023-BF87-4919-A41A-B9DB292F07A9}">
-  <ds:schemaRefs>
-    <ds:schemaRef ds:uri="http://schemas.microsoft.com/office/2006/metadata/contentType"/>
-    <ds:schemaRef ds:uri="http://schemas.microsoft.com/office/2006/metadata/properties/metaAttributes"/>
-    <ds:schemaRef ds:uri="http://www.w3.org/2001/XMLSchema"/>
-    <ds:schemaRef ds:uri="http://schemas.microsoft.com/office/2006/metadata/properties"/>
-    <ds:schemaRef ds:uri="http://schemas.microsoft.com/sharepoint/v3"/>
-    <ds:schemaRef ds:uri="8ded309d-af83-4345-8f5a-4616d915c192"/>
-    <ds:schemaRef ds:uri="4cfcf085-b638-4b59-b50a-d14883d72e15"/>
-    <ds:schemaRef ds:uri="http://schemas.microsoft.com/office/2006/documentManagement/types"/>
-    <ds:schemaRef ds:uri="http://schemas.microsoft.com/office/infopath/2007/PartnerControls"/>
-    <ds:schemaRef ds:uri="http://schemas.openxmlformats.org/package/2006/metadata/core-properties"/>
-    <ds:schemaRef ds:uri="http://purl.org/dc/elements/1.1/"/>
-    <ds:schemaRef ds:uri="http://purl.org/dc/terms/"/>
-    <ds:schemaRef ds:uri="http://schemas.microsoft.com/internal/obd"/>
-  </ds:schemaRefs>
-</ds:datastoreItem>
-</file>
-
-<file path=customXml/itemProps2.xml><?xml version="1.0" encoding="utf-8"?>
-<ds:datastoreItem xmlns:ds="http://schemas.openxmlformats.org/officeDocument/2006/customXml" ds:itemID="{03A7A0CD-F183-45F4-8712-6A759435F0D6}">
-  <ds:schemaRefs>
-    <ds:schemaRef ds:uri="http://schemas.microsoft.com/sharepoint/v3/contenttype/forms"/>
-  </ds:schemaRefs>
-</ds:datastoreItem>
-</file>
-
-<file path=customXml/itemProps3.xml><?xml version="1.0" encoding="utf-8"?>
-<ds:datastoreItem xmlns:ds="http://schemas.openxmlformats.org/officeDocument/2006/customXml" ds:itemID="{562AB0D4-9C13-4289-B04F-FD9456E84705}">
-  <ds:schemaRefs>
-    <ds:schemaRef ds:uri="http://schemas.microsoft.com/office/2006/metadata/properties"/>
-    <ds:schemaRef ds:uri="http://schemas.microsoft.com/office/infopath/2007/PartnerControls"/>
-    <ds:schemaRef ds:uri="http://schemas.microsoft.com/sharepoint/v3"/>
-  </ds:schemaRefs>
-</ds:datastoreItem>
 </file>